--- a/_SLIDES/DEEL1/H1/3_operators_en_expressies.pptx
+++ b/_SLIDES/DEEL1/H1/3_operators_en_expressies.pptx
@@ -2,54 +2,61 @@
 <file path=ppt/presentation.xml><?xml version="1.0" encoding="utf-8"?>
 <p:presentation xmlns:a="http://schemas.openxmlformats.org/drawingml/2006/main" xmlns:r="http://schemas.openxmlformats.org/officeDocument/2006/relationships" xmlns:p="http://schemas.openxmlformats.org/presentationml/2006/main" embedTrueTypeFonts="1" saveSubsetFonts="1">
   <p:sldMasterIdLst>
-    <p:sldMasterId id="2147483672" r:id="rId1"/>
+    <p:sldMasterId id="2147483684" r:id="rId1"/>
   </p:sldMasterIdLst>
   <p:notesMasterIdLst>
-    <p:notesMasterId r:id="rId19"/>
+    <p:notesMasterId r:id="rId20"/>
   </p:notesMasterIdLst>
   <p:handoutMasterIdLst>
-    <p:handoutMasterId r:id="rId20"/>
+    <p:handoutMasterId r:id="rId21"/>
   </p:handoutMasterIdLst>
   <p:sldIdLst>
     <p:sldId id="516" r:id="rId2"/>
-    <p:sldId id="496" r:id="rId3"/>
-    <p:sldId id="497" r:id="rId4"/>
-    <p:sldId id="523" r:id="rId5"/>
-    <p:sldId id="498" r:id="rId6"/>
-    <p:sldId id="495" r:id="rId7"/>
-    <p:sldId id="517" r:id="rId8"/>
-    <p:sldId id="521" r:id="rId9"/>
-    <p:sldId id="522" r:id="rId10"/>
-    <p:sldId id="489" r:id="rId11"/>
-    <p:sldId id="519" r:id="rId12"/>
-    <p:sldId id="512" r:id="rId13"/>
-    <p:sldId id="520" r:id="rId14"/>
-    <p:sldId id="515" r:id="rId15"/>
-    <p:sldId id="490" r:id="rId16"/>
-    <p:sldId id="491" r:id="rId17"/>
-    <p:sldId id="518" r:id="rId18"/>
+    <p:sldId id="524" r:id="rId3"/>
+    <p:sldId id="496" r:id="rId4"/>
+    <p:sldId id="497" r:id="rId5"/>
+    <p:sldId id="523" r:id="rId6"/>
+    <p:sldId id="498" r:id="rId7"/>
+    <p:sldId id="495" r:id="rId8"/>
+    <p:sldId id="517" r:id="rId9"/>
+    <p:sldId id="521" r:id="rId10"/>
+    <p:sldId id="522" r:id="rId11"/>
+    <p:sldId id="489" r:id="rId12"/>
+    <p:sldId id="519" r:id="rId13"/>
+    <p:sldId id="512" r:id="rId14"/>
+    <p:sldId id="520" r:id="rId15"/>
+    <p:sldId id="515" r:id="rId16"/>
+    <p:sldId id="490" r:id="rId17"/>
+    <p:sldId id="491" r:id="rId18"/>
+    <p:sldId id="518" r:id="rId19"/>
   </p:sldIdLst>
   <p:sldSz cx="12192000" cy="6858000"/>
   <p:notesSz cx="7099300" cy="10234613"/>
   <p:embeddedFontLst>
     <p:embeddedFont>
-      <p:font typeface="Calibri" panose="020F0502020204030204" pitchFamily="34" charset="0"/>
-      <p:regular r:id="rId21"/>
-      <p:bold r:id="rId22"/>
-      <p:italic r:id="rId23"/>
-      <p:boldItalic r:id="rId24"/>
+      <p:font typeface="Archivo Narrow" panose="020B0506020202020B04" pitchFamily="34" charset="0"/>
+      <p:regular r:id="rId22"/>
+      <p:bold r:id="rId23"/>
     </p:embeddedFont>
     <p:embeddedFont>
-      <p:font typeface="Calibri Light" panose="020F0302020204030204" pitchFamily="34" charset="0"/>
-      <p:regular r:id="rId25"/>
+      <p:font typeface="Blogger Sans" panose="02000506030000020004" pitchFamily="50" charset="0"/>
+      <p:regular r:id="rId24"/>
+      <p:bold r:id="rId25"/>
       <p:italic r:id="rId26"/>
     </p:embeddedFont>
     <p:embeddedFont>
-      <p:font typeface="Times" panose="02020603050405020304" pitchFamily="18" charset="0"/>
+      <p:font typeface="Calibri" panose="020F0502020204030204" pitchFamily="34" charset="0"/>
       <p:regular r:id="rId27"/>
       <p:bold r:id="rId28"/>
       <p:italic r:id="rId29"/>
       <p:boldItalic r:id="rId30"/>
+    </p:embeddedFont>
+    <p:embeddedFont>
+      <p:font typeface="Times" panose="02020603050405020304" pitchFamily="18" charset="0"/>
+      <p:regular r:id="rId31"/>
+      <p:bold r:id="rId32"/>
+      <p:italic r:id="rId33"/>
+      <p:boldItalic r:id="rId34"/>
     </p:embeddedFont>
   </p:embeddedFontLst>
   <p:defaultTextStyle>
@@ -2657,8 +2664,8 @@
       </dsp:nvSpPr>
       <dsp:spPr>
         <a:xfrm>
-          <a:off x="0" y="618012"/>
-          <a:ext cx="6513603" cy="705600"/>
+          <a:off x="0" y="489312"/>
+          <a:ext cx="6513603" cy="730800"/>
         </a:xfrm>
         <a:prstGeom prst="rect">
           <a:avLst/>
@@ -2706,8 +2713,8 @@
       </dsp:nvSpPr>
       <dsp:spPr>
         <a:xfrm>
-          <a:off x="325680" y="204732"/>
-          <a:ext cx="4559522" cy="826560"/>
+          <a:off x="325680" y="61272"/>
+          <a:ext cx="4559522" cy="856080"/>
         </a:xfrm>
         <a:prstGeom prst="roundRect">
           <a:avLst/>
@@ -2754,7 +2761,7 @@
         </a:bodyPr>
         <a:lstStyle/>
         <a:p>
-          <a:pPr marL="0" lvl="0" indent="0" algn="l" defTabSz="1244600">
+          <a:pPr marL="0" lvl="0" indent="0" algn="l" defTabSz="1289050">
             <a:lnSpc>
               <a:spcPct val="90000"/>
             </a:lnSpc>
@@ -2767,15 +2774,15 @@
             <a:buNone/>
           </a:pPr>
           <a:r>
-            <a:rPr lang="nl-BE" sz="2800" kern="1200"/>
+            <a:rPr lang="nl-BE" sz="2900" kern="1200"/>
             <a:t>Stel, je hebt: int getal = 5;</a:t>
           </a:r>
-          <a:endParaRPr lang="en-US" sz="2800" kern="1200"/>
+          <a:endParaRPr lang="en-US" sz="2900" kern="1200"/>
         </a:p>
       </dsp:txBody>
       <dsp:txXfrm>
-        <a:off x="366029" y="245081"/>
-        <a:ext cx="4478824" cy="745862"/>
+        <a:off x="367470" y="103062"/>
+        <a:ext cx="4475942" cy="772500"/>
       </dsp:txXfrm>
     </dsp:sp>
     <dsp:sp modelId="{D19F7027-0894-4874-8C99-0F594F8BC81D}">
@@ -2785,8 +2792,8 @@
       </dsp:nvSpPr>
       <dsp:spPr>
         <a:xfrm>
-          <a:off x="0" y="1888093"/>
-          <a:ext cx="6513603" cy="3792600"/>
+          <a:off x="0" y="1804752"/>
+          <a:ext cx="6513603" cy="4019400"/>
         </a:xfrm>
         <a:prstGeom prst="rect">
           <a:avLst/>
@@ -2827,12 +2834,12 @@
         <a:fontRef idx="minor"/>
       </dsp:style>
       <dsp:txBody>
-        <a:bodyPr spcFirstLastPara="0" vert="horz" wrap="square" lIns="505528" tIns="583184" rIns="505528" bIns="199136" numCol="1" spcCol="1270" anchor="t" anchorCtr="0">
+        <a:bodyPr spcFirstLastPara="0" vert="horz" wrap="square" lIns="505528" tIns="604012" rIns="505528" bIns="206248" numCol="1" spcCol="1270" anchor="t" anchorCtr="0">
           <a:noAutofit/>
         </a:bodyPr>
         <a:lstStyle/>
         <a:p>
-          <a:pPr marL="285750" lvl="1" indent="-285750" algn="l" defTabSz="1244600">
+          <a:pPr marL="285750" lvl="1" indent="-285750" algn="l" defTabSz="1289050">
             <a:lnSpc>
               <a:spcPct val="90000"/>
             </a:lnSpc>
@@ -2845,13 +2852,13 @@
             <a:buChar char="•"/>
           </a:pPr>
           <a:r>
-            <a:rPr lang="nl-BE" sz="2800" kern="1200"/>
+            <a:rPr lang="nl-BE" sz="2900" kern="1200"/>
             <a:t>1° Huidige waarde van de variabele getal uitlezen</a:t>
           </a:r>
-          <a:endParaRPr lang="en-US" sz="2800" kern="1200"/>
+          <a:endParaRPr lang="en-US" sz="2900" kern="1200"/>
         </a:p>
         <a:p>
-          <a:pPr marL="285750" lvl="1" indent="-285750" algn="l" defTabSz="1244600">
+          <a:pPr marL="285750" lvl="1" indent="-285750" algn="l" defTabSz="1289050">
             <a:lnSpc>
               <a:spcPct val="90000"/>
             </a:lnSpc>
@@ -2864,13 +2871,13 @@
             <a:buChar char="•"/>
           </a:pPr>
           <a:r>
-            <a:rPr lang="nl-BE" sz="2800" kern="1200"/>
+            <a:rPr lang="nl-BE" sz="2900" kern="1200"/>
             <a:t>2° 1 bij deze waarde optellen</a:t>
           </a:r>
-          <a:endParaRPr lang="en-US" sz="2800" kern="1200"/>
+          <a:endParaRPr lang="en-US" sz="2900" kern="1200"/>
         </a:p>
         <a:p>
-          <a:pPr marL="285750" lvl="1" indent="-285750" algn="l" defTabSz="1244600">
+          <a:pPr marL="285750" lvl="1" indent="-285750" algn="l" defTabSz="1289050">
             <a:lnSpc>
               <a:spcPct val="90000"/>
             </a:lnSpc>
@@ -2883,13 +2890,13 @@
             <a:buChar char="•"/>
           </a:pPr>
           <a:r>
-            <a:rPr lang="nl-BE" sz="2800" kern="1200"/>
+            <a:rPr lang="nl-BE" sz="2900" kern="1200"/>
             <a:t>3° Resultaat terug in de variabele getal plaatsen</a:t>
           </a:r>
-          <a:endParaRPr lang="en-US" sz="2800" kern="1200"/>
+          <a:endParaRPr lang="en-US" sz="2900" kern="1200"/>
         </a:p>
         <a:p>
-          <a:pPr marL="285750" lvl="1" indent="-285750" algn="l" defTabSz="1244600">
+          <a:pPr marL="285750" lvl="1" indent="-285750" algn="l" defTabSz="1289050">
             <a:lnSpc>
               <a:spcPct val="90000"/>
             </a:lnSpc>
@@ -2902,13 +2909,13 @@
             <a:buChar char="•"/>
           </a:pPr>
           <a:r>
-            <a:rPr lang="nl-BE" sz="2800" kern="1200"/>
+            <a:rPr lang="nl-BE" sz="2900" kern="1200"/>
             <a:t>Dus:</a:t>
           </a:r>
-          <a:endParaRPr lang="en-US" sz="2800" kern="1200"/>
+          <a:endParaRPr lang="en-US" sz="2900" kern="1200"/>
         </a:p>
         <a:p>
-          <a:pPr marL="571500" lvl="2" indent="-285750" algn="l" defTabSz="1244600">
+          <a:pPr marL="571500" lvl="2" indent="-285750" algn="l" defTabSz="1289050">
             <a:lnSpc>
               <a:spcPct val="90000"/>
             </a:lnSpc>
@@ -2921,15 +2928,15 @@
             <a:buChar char="•"/>
           </a:pPr>
           <a:r>
-            <a:rPr lang="nl-BE" sz="2800" kern="1200" dirty="0"/>
+            <a:rPr lang="nl-BE" sz="2900" kern="1200" dirty="0"/>
             <a:t>getal= getal +1;</a:t>
           </a:r>
-          <a:endParaRPr lang="en-US" sz="2800" kern="1200" dirty="0"/>
+          <a:endParaRPr lang="en-US" sz="2900" kern="1200" dirty="0"/>
         </a:p>
       </dsp:txBody>
       <dsp:txXfrm>
-        <a:off x="0" y="1888093"/>
-        <a:ext cx="6513603" cy="3792600"/>
+        <a:off x="0" y="1804752"/>
+        <a:ext cx="6513603" cy="4019400"/>
       </dsp:txXfrm>
     </dsp:sp>
     <dsp:sp modelId="{06C67BBE-03DB-430F-8448-1D6B8B837BB0}">
@@ -2939,8 +2946,8 @@
       </dsp:nvSpPr>
       <dsp:spPr>
         <a:xfrm>
-          <a:off x="325680" y="1474812"/>
-          <a:ext cx="4559522" cy="826560"/>
+          <a:off x="325680" y="1376712"/>
+          <a:ext cx="4559522" cy="856080"/>
         </a:xfrm>
         <a:prstGeom prst="roundRect">
           <a:avLst/>
@@ -2987,7 +2994,7 @@
         </a:bodyPr>
         <a:lstStyle/>
         <a:p>
-          <a:pPr marL="0" lvl="0" indent="0" algn="l" defTabSz="1244600">
+          <a:pPr marL="0" lvl="0" indent="0" algn="l" defTabSz="1289050">
             <a:lnSpc>
               <a:spcPct val="90000"/>
             </a:lnSpc>
@@ -3000,15 +3007,15 @@
             <a:buNone/>
           </a:pPr>
           <a:r>
-            <a:rPr lang="nl-BE" sz="2800" kern="1200"/>
+            <a:rPr lang="nl-BE" sz="2900" kern="1200"/>
             <a:t>Hoe verhoog ik deze met 1?</a:t>
           </a:r>
-          <a:endParaRPr lang="en-US" sz="2800" kern="1200"/>
+          <a:endParaRPr lang="en-US" sz="2900" kern="1200"/>
         </a:p>
       </dsp:txBody>
       <dsp:txXfrm>
-        <a:off x="366029" y="1515161"/>
-        <a:ext cx="4478824" cy="745862"/>
+        <a:off x="367470" y="1418502"/>
+        <a:ext cx="4475942" cy="772500"/>
       </dsp:txXfrm>
     </dsp:sp>
   </dsp:spTree>
@@ -3181,12 +3188,12 @@
         <a:fontRef idx="minor"/>
       </dsp:style>
       <dsp:txBody>
-        <a:bodyPr spcFirstLastPara="0" vert="horz" wrap="square" lIns="106680" tIns="9525" rIns="9525" bIns="9525" numCol="1" spcCol="1270" anchor="ctr" anchorCtr="0">
+        <a:bodyPr spcFirstLastPara="0" vert="horz" wrap="square" lIns="99568" tIns="8890" rIns="8890" bIns="8890" numCol="1" spcCol="1270" anchor="ctr" anchorCtr="0">
           <a:noAutofit/>
         </a:bodyPr>
         <a:lstStyle/>
         <a:p>
-          <a:pPr marL="114300" lvl="1" indent="-114300" algn="l" defTabSz="666750">
+          <a:pPr marL="114300" lvl="1" indent="-114300" algn="l" defTabSz="622300">
             <a:lnSpc>
               <a:spcPct val="90000"/>
             </a:lnSpc>
@@ -3199,13 +3206,13 @@
             <a:buChar char="•"/>
           </a:pPr>
           <a:r>
-            <a:rPr lang="nl-BE" sz="1500" kern="1200"/>
+            <a:rPr lang="nl-BE" sz="1400" kern="1200"/>
             <a:t>int getalA= 6;</a:t>
           </a:r>
-          <a:endParaRPr lang="en-US" sz="1500" kern="1200"/>
+          <a:endParaRPr lang="en-US" sz="1400" kern="1200"/>
         </a:p>
         <a:p>
-          <a:pPr marL="114300" lvl="1" indent="-114300" algn="l" defTabSz="666750">
+          <a:pPr marL="114300" lvl="1" indent="-114300" algn="l" defTabSz="622300">
             <a:lnSpc>
               <a:spcPct val="90000"/>
             </a:lnSpc>
@@ -3218,10 +3225,10 @@
             <a:buChar char="•"/>
           </a:pPr>
           <a:r>
-            <a:rPr lang="nl-BE" sz="1500" kern="1200"/>
+            <a:rPr lang="nl-BE" sz="1400" kern="1200"/>
             <a:t>int getalB= 8;</a:t>
           </a:r>
-          <a:endParaRPr lang="en-US" sz="1500" kern="1200"/>
+          <a:endParaRPr lang="en-US" sz="1400" kern="1200"/>
         </a:p>
       </dsp:txBody>
       <dsp:txXfrm rot="-5400000">
@@ -3387,12 +3394,12 @@
         <a:fontRef idx="minor"/>
       </dsp:style>
       <dsp:txBody>
-        <a:bodyPr spcFirstLastPara="0" vert="horz" wrap="square" lIns="106680" tIns="9525" rIns="9525" bIns="9525" numCol="1" spcCol="1270" anchor="ctr" anchorCtr="0">
+        <a:bodyPr spcFirstLastPara="0" vert="horz" wrap="square" lIns="99568" tIns="8890" rIns="8890" bIns="8890" numCol="1" spcCol="1270" anchor="ctr" anchorCtr="0">
           <a:noAutofit/>
         </a:bodyPr>
         <a:lstStyle/>
         <a:p>
-          <a:pPr marL="114300" lvl="1" indent="-114300" algn="l" defTabSz="666750">
+          <a:pPr marL="114300" lvl="1" indent="-114300" algn="l" defTabSz="622300">
             <a:lnSpc>
               <a:spcPct val="90000"/>
             </a:lnSpc>
@@ -3405,13 +3412,13 @@
             <a:buChar char="•"/>
           </a:pPr>
           <a:r>
-            <a:rPr lang="nl-BE" sz="1500" kern="1200"/>
+            <a:rPr lang="nl-BE" sz="1400" kern="1200"/>
             <a:t>1° Waarde eerste variabele in reserve variabele bewaren</a:t>
           </a:r>
-          <a:endParaRPr lang="en-US" sz="1500" kern="1200"/>
+          <a:endParaRPr lang="en-US" sz="1400" kern="1200"/>
         </a:p>
         <a:p>
-          <a:pPr marL="114300" lvl="1" indent="-114300" algn="l" defTabSz="666750">
+          <a:pPr marL="114300" lvl="1" indent="-114300" algn="l" defTabSz="622300">
             <a:lnSpc>
               <a:spcPct val="90000"/>
             </a:lnSpc>
@@ -3424,13 +3431,13 @@
             <a:buChar char="•"/>
           </a:pPr>
           <a:r>
-            <a:rPr lang="nl-BE" sz="1500" kern="1200"/>
+            <a:rPr lang="nl-BE" sz="1400" kern="1200"/>
             <a:t>2° Waarde eerste variabele overschrijven met waarde van tweede variabele</a:t>
           </a:r>
-          <a:endParaRPr lang="en-US" sz="1500" kern="1200"/>
+          <a:endParaRPr lang="en-US" sz="1400" kern="1200"/>
         </a:p>
         <a:p>
-          <a:pPr marL="114300" lvl="1" indent="-114300" algn="l" defTabSz="666750">
+          <a:pPr marL="114300" lvl="1" indent="-114300" algn="l" defTabSz="622300">
             <a:lnSpc>
               <a:spcPct val="90000"/>
             </a:lnSpc>
@@ -3443,10 +3450,10 @@
             <a:buChar char="•"/>
           </a:pPr>
           <a:r>
-            <a:rPr lang="nl-BE" sz="1500" kern="1200"/>
+            <a:rPr lang="nl-BE" sz="1400" kern="1200"/>
             <a:t>3° Waarde in tweede variabele overschrijven met waarde in reserve variabele</a:t>
           </a:r>
-          <a:endParaRPr lang="en-US" sz="1500" kern="1200"/>
+          <a:endParaRPr lang="en-US" sz="1400" kern="1200"/>
         </a:p>
       </dsp:txBody>
       <dsp:txXfrm rot="-5400000">
@@ -3612,12 +3619,12 @@
         <a:fontRef idx="minor"/>
       </dsp:style>
       <dsp:txBody>
-        <a:bodyPr spcFirstLastPara="0" vert="horz" wrap="square" lIns="106680" tIns="9525" rIns="9525" bIns="9525" numCol="1" spcCol="1270" anchor="ctr" anchorCtr="0">
+        <a:bodyPr spcFirstLastPara="0" vert="horz" wrap="square" lIns="99568" tIns="8890" rIns="8890" bIns="8890" numCol="1" spcCol="1270" anchor="ctr" anchorCtr="0">
           <a:noAutofit/>
         </a:bodyPr>
         <a:lstStyle/>
         <a:p>
-          <a:pPr marL="114300" lvl="1" indent="-114300" algn="l" defTabSz="666750">
+          <a:pPr marL="114300" lvl="1" indent="-114300" algn="l" defTabSz="622300">
             <a:lnSpc>
               <a:spcPct val="90000"/>
             </a:lnSpc>
@@ -3630,48 +3637,48 @@
             <a:buNone/>
           </a:pPr>
           <a:r>
-            <a:rPr lang="nl-BE" sz="1500" kern="1200" dirty="0"/>
+            <a:rPr lang="nl-BE" sz="1400" kern="1200" dirty="0"/>
             <a:t>	int temp = </a:t>
           </a:r>
           <a:r>
-            <a:rPr lang="nl-BE" sz="1500" kern="1200" dirty="0" err="1"/>
+            <a:rPr lang="nl-BE" sz="1400" kern="1200" dirty="0" err="1"/>
             <a:t>getalA</a:t>
           </a:r>
           <a:r>
-            <a:rPr lang="nl-BE" sz="1500" kern="1200" dirty="0"/>
+            <a:rPr lang="nl-BE" sz="1400" kern="1200" dirty="0"/>
             <a:t>;</a:t>
           </a:r>
           <a:br>
-            <a:rPr lang="nl-BE" sz="1500" kern="1200" dirty="0"/>
+            <a:rPr lang="nl-BE" sz="1400" kern="1200" dirty="0"/>
           </a:br>
           <a:r>
-            <a:rPr lang="nl-BE" sz="1500" kern="1200" dirty="0" err="1"/>
+            <a:rPr lang="nl-BE" sz="1400" kern="1200" dirty="0" err="1"/>
             <a:t>getalA</a:t>
           </a:r>
           <a:r>
-            <a:rPr lang="nl-BE" sz="1500" kern="1200" dirty="0"/>
+            <a:rPr lang="nl-BE" sz="1400" kern="1200" dirty="0"/>
             <a:t>= </a:t>
           </a:r>
           <a:r>
-            <a:rPr lang="nl-BE" sz="1500" kern="1200" dirty="0" err="1"/>
+            <a:rPr lang="nl-BE" sz="1400" kern="1200" dirty="0" err="1"/>
             <a:t>getalB</a:t>
           </a:r>
           <a:r>
-            <a:rPr lang="nl-BE" sz="1500" kern="1200" dirty="0"/>
+            <a:rPr lang="nl-BE" sz="1400" kern="1200" dirty="0"/>
             <a:t>;</a:t>
           </a:r>
           <a:br>
-            <a:rPr lang="nl-BE" sz="1500" kern="1200" dirty="0"/>
+            <a:rPr lang="nl-BE" sz="1400" kern="1200" dirty="0"/>
           </a:br>
           <a:r>
-            <a:rPr lang="nl-BE" sz="1500" kern="1200" dirty="0" err="1"/>
+            <a:rPr lang="nl-BE" sz="1400" kern="1200" dirty="0" err="1"/>
             <a:t>getalB</a:t>
           </a:r>
           <a:r>
-            <a:rPr lang="nl-BE" sz="1500" kern="1200" dirty="0"/>
+            <a:rPr lang="nl-BE" sz="1400" kern="1200" dirty="0"/>
             <a:t>= temp;</a:t>
           </a:r>
-          <a:endParaRPr lang="en-US" sz="1500" kern="1200" dirty="0"/>
+          <a:endParaRPr lang="en-US" sz="1400" kern="1200" dirty="0"/>
         </a:p>
       </dsp:txBody>
       <dsp:txXfrm rot="-5400000">
@@ -6314,7 +6321,7 @@
           <a:p>
             <a:fld id="{85EE1F57-E73E-475C-872F-886F27274373}" type="datetimeFigureOut">
               <a:rPr lang="nl-BE" smtClean="0"/>
-              <a:t>24/09/2019</a:t>
+              <a:t>7/09/2020</a:t>
             </a:fld>
             <a:endParaRPr lang="nl-BE"/>
           </a:p>
@@ -6479,7 +6486,7 @@
           <a:p>
             <a:fld id="{E0BBF532-A5DD-4E27-82A5-D972027CDA5D}" type="datetimeFigureOut">
               <a:rPr lang="nl-BE" smtClean="0"/>
-              <a:t>24/09/2019</a:t>
+              <a:t>7/09/2020</a:t>
             </a:fld>
             <a:endParaRPr lang="nl-BE"/>
           </a:p>
@@ -6766,10 +6773,116 @@
       </p:grpSpPr>
       <p:sp>
         <p:nvSpPr>
+          <p:cNvPr id="9" name="Rechthoek 8">
+            <a:extLst>
+              <a:ext uri="{FF2B5EF4-FFF2-40B4-BE49-F238E27FC236}">
+                <a16:creationId xmlns:a16="http://schemas.microsoft.com/office/drawing/2014/main" id="{BB4E0A59-AC5E-4BF7-A172-03B9126A3D3F}"/>
+              </a:ext>
+            </a:extLst>
+          </p:cNvPr>
+          <p:cNvSpPr/>
+          <p:nvPr/>
+        </p:nvSpPr>
+        <p:spPr>
+          <a:xfrm>
+            <a:off x="-66503" y="-55562"/>
+            <a:ext cx="12518967" cy="3657600"/>
+          </a:xfrm>
+          <a:prstGeom prst="rect">
+            <a:avLst/>
+          </a:prstGeom>
+          <a:solidFill>
+            <a:srgbClr val="FF0000"/>
+          </a:solidFill>
+          <a:ln>
+            <a:noFill/>
+          </a:ln>
+        </p:spPr>
+        <p:style>
+          <a:lnRef idx="2">
+            <a:schemeClr val="accent1">
+              <a:shade val="50000"/>
+            </a:schemeClr>
+          </a:lnRef>
+          <a:fillRef idx="1">
+            <a:schemeClr val="accent1"/>
+          </a:fillRef>
+          <a:effectRef idx="0">
+            <a:schemeClr val="accent1"/>
+          </a:effectRef>
+          <a:fontRef idx="minor">
+            <a:schemeClr val="lt1"/>
+          </a:fontRef>
+        </p:style>
+        <p:txBody>
+          <a:bodyPr rtlCol="0" anchor="ctr"/>
+          <a:lstStyle/>
+          <a:p>
+            <a:pPr algn="ctr"/>
+            <a:endParaRPr lang="nl-BE"/>
+          </a:p>
+        </p:txBody>
+      </p:sp>
+      <p:sp>
+        <p:nvSpPr>
+          <p:cNvPr id="7" name="Rechthoek 6">
+            <a:extLst>
+              <a:ext uri="{FF2B5EF4-FFF2-40B4-BE49-F238E27FC236}">
+                <a16:creationId xmlns:a16="http://schemas.microsoft.com/office/drawing/2014/main" id="{E81773F8-747F-4DB8-869A-30EE55502AF6}"/>
+              </a:ext>
+            </a:extLst>
+          </p:cNvPr>
+          <p:cNvSpPr/>
+          <p:nvPr/>
+        </p:nvSpPr>
+        <p:spPr>
+          <a:xfrm>
+            <a:off x="-66502" y="3602038"/>
+            <a:ext cx="12518967" cy="3255962"/>
+          </a:xfrm>
+          <a:prstGeom prst="rect">
+            <a:avLst/>
+          </a:prstGeom>
+          <a:solidFill>
+            <a:schemeClr val="bg2">
+              <a:lumMod val="90000"/>
+            </a:schemeClr>
+          </a:solidFill>
+          <a:ln>
+            <a:noFill/>
+          </a:ln>
+        </p:spPr>
+        <p:style>
+          <a:lnRef idx="2">
+            <a:schemeClr val="accent1">
+              <a:shade val="50000"/>
+            </a:schemeClr>
+          </a:lnRef>
+          <a:fillRef idx="1">
+            <a:schemeClr val="accent1"/>
+          </a:fillRef>
+          <a:effectRef idx="0">
+            <a:schemeClr val="accent1"/>
+          </a:effectRef>
+          <a:fontRef idx="minor">
+            <a:schemeClr val="lt1"/>
+          </a:fontRef>
+        </p:style>
+        <p:txBody>
+          <a:bodyPr rtlCol="0" anchor="ctr"/>
+          <a:lstStyle/>
+          <a:p>
+            <a:pPr algn="ctr"/>
+            <a:endParaRPr lang="nl-BE"/>
+          </a:p>
+        </p:txBody>
+      </p:sp>
+      <p:sp>
+        <p:nvSpPr>
           <p:cNvPr id="2" name="Titel 1">
             <a:extLst>
               <a:ext uri="{FF2B5EF4-FFF2-40B4-BE49-F238E27FC236}">
-                <a16:creationId xmlns:a16="http://schemas.microsoft.com/office/drawing/2014/main" id="{892BA4A1-4567-4FD7-B183-077264A45FF1}"/>
+                <a16:creationId xmlns:a16="http://schemas.microsoft.com/office/drawing/2014/main" id="{E6780E7B-6347-428E-9965-E1E54D7784C9}"/>
               </a:ext>
             </a:extLst>
           </p:cNvPr>
@@ -6782,7 +6895,7 @@
         </p:nvSpPr>
         <p:spPr>
           <a:xfrm>
-            <a:off x="1524000" y="1122363"/>
+            <a:off x="1524000" y="136525"/>
             <a:ext cx="9144000" cy="2387600"/>
           </a:xfrm>
         </p:spPr>
@@ -6798,7 +6911,7 @@
               <a:rPr lang="nl-NL"/>
               <a:t>Klik om stijl te bewerken</a:t>
             </a:r>
-            <a:endParaRPr lang="nl-BE"/>
+            <a:endParaRPr lang="nl-BE" dirty="0"/>
           </a:p>
         </p:txBody>
       </p:sp>
@@ -6807,7 +6920,7 @@
           <p:cNvPr id="3" name="Ondertitel 2">
             <a:extLst>
               <a:ext uri="{FF2B5EF4-FFF2-40B4-BE49-F238E27FC236}">
-                <a16:creationId xmlns:a16="http://schemas.microsoft.com/office/drawing/2014/main" id="{8DEADD82-5479-42E5-A677-18A9A883470C}"/>
+                <a16:creationId xmlns:a16="http://schemas.microsoft.com/office/drawing/2014/main" id="{F4AD66E2-DACF-4235-AD2C-BAA9DFEF482A}"/>
               </a:ext>
             </a:extLst>
           </p:cNvPr>
@@ -6878,7 +6991,7 @@
           <p:cNvPr id="4" name="Tijdelijke aanduiding voor datum 3">
             <a:extLst>
               <a:ext uri="{FF2B5EF4-FFF2-40B4-BE49-F238E27FC236}">
-                <a16:creationId xmlns:a16="http://schemas.microsoft.com/office/drawing/2014/main" id="{5FBFEBFF-56A6-40EF-B3F0-6D5A2D299692}"/>
+                <a16:creationId xmlns:a16="http://schemas.microsoft.com/office/drawing/2014/main" id="{73F6A1CD-5EA8-4193-B23C-9717C769AC7E}"/>
               </a:ext>
             </a:extLst>
           </p:cNvPr>
@@ -6896,7 +7009,7 @@
           <a:p>
             <a:fld id="{BCCA6142-F57B-48C8-97F4-E016AC358AB9}" type="datetime1">
               <a:rPr lang="nl-BE" smtClean="0"/>
-              <a:t>24/09/2019</a:t>
+              <a:t>7/09/2020</a:t>
             </a:fld>
             <a:endParaRPr lang="nl-BE" dirty="0"/>
           </a:p>
@@ -6907,7 +7020,7 @@
           <p:cNvPr id="5" name="Tijdelijke aanduiding voor voettekst 4">
             <a:extLst>
               <a:ext uri="{FF2B5EF4-FFF2-40B4-BE49-F238E27FC236}">
-                <a16:creationId xmlns:a16="http://schemas.microsoft.com/office/drawing/2014/main" id="{207495A7-DE5B-4522-81BD-059E45EEDB1E}"/>
+                <a16:creationId xmlns:a16="http://schemas.microsoft.com/office/drawing/2014/main" id="{1741BD09-7970-442C-A1A1-B86377CB726F}"/>
               </a:ext>
             </a:extLst>
           </p:cNvPr>
@@ -6936,7 +7049,7 @@
           <p:cNvPr id="6" name="Tijdelijke aanduiding voor dianummer 5">
             <a:extLst>
               <a:ext uri="{FF2B5EF4-FFF2-40B4-BE49-F238E27FC236}">
-                <a16:creationId xmlns:a16="http://schemas.microsoft.com/office/drawing/2014/main" id="{CDC7672E-E6E6-4028-A327-593FA1E41D0B}"/>
+                <a16:creationId xmlns:a16="http://schemas.microsoft.com/office/drawing/2014/main" id="{C8B1A799-4AA9-4556-A585-E1DA334605A5}"/>
               </a:ext>
             </a:extLst>
           </p:cNvPr>
@@ -6960,10 +7073,103 @@
           </a:p>
         </p:txBody>
       </p:sp>
+      <p:pic>
+        <p:nvPicPr>
+          <p:cNvPr id="11" name="Picture 2" descr="Huisstijl | AP Hogeschool">
+            <a:extLst>
+              <a:ext uri="{FF2B5EF4-FFF2-40B4-BE49-F238E27FC236}">
+                <a16:creationId xmlns:a16="http://schemas.microsoft.com/office/drawing/2014/main" id="{7BDC3559-A25B-405A-914F-BA7F85567BFE}"/>
+              </a:ext>
+            </a:extLst>
+          </p:cNvPr>
+          <p:cNvPicPr>
+            <a:picLocks noChangeAspect="1" noChangeArrowheads="1"/>
+          </p:cNvPicPr>
+          <p:nvPr/>
+        </p:nvPicPr>
+        <p:blipFill>
+          <a:blip r:embed="rId2" cstate="print">
+            <a:clrChange>
+              <a:clrFrom>
+                <a:srgbClr val="FFFFFF"/>
+              </a:clrFrom>
+              <a:clrTo>
+                <a:srgbClr val="FFFFFF">
+                  <a:alpha val="0"/>
+                </a:srgbClr>
+              </a:clrTo>
+            </a:clrChange>
+            <a:extLst>
+              <a:ext uri="{28A0092B-C50C-407E-A947-70E740481C1C}">
+                <a14:useLocalDpi xmlns:a14="http://schemas.microsoft.com/office/drawing/2010/main" val="0"/>
+              </a:ext>
+            </a:extLst>
+          </a:blip>
+          <a:srcRect/>
+          <a:stretch>
+            <a:fillRect/>
+          </a:stretch>
+        </p:blipFill>
+        <p:spPr bwMode="auto">
+          <a:xfrm>
+            <a:off x="193741" y="6378084"/>
+            <a:ext cx="513792" cy="285699"/>
+          </a:xfrm>
+          <a:prstGeom prst="rect">
+            <a:avLst/>
+          </a:prstGeom>
+          <a:noFill/>
+          <a:extLst>
+            <a:ext uri="{909E8E84-426E-40DD-AFC4-6F175D3DCCD1}">
+              <a14:hiddenFill xmlns:a14="http://schemas.microsoft.com/office/drawing/2010/main">
+                <a:solidFill>
+                  <a:srgbClr val="FFFFFF"/>
+                </a:solidFill>
+              </a14:hiddenFill>
+            </a:ext>
+          </a:extLst>
+        </p:spPr>
+      </p:pic>
+      <p:pic>
+        <p:nvPicPr>
+          <p:cNvPr id="13" name="Afbeelding 12">
+            <a:extLst>
+              <a:ext uri="{FF2B5EF4-FFF2-40B4-BE49-F238E27FC236}">
+                <a16:creationId xmlns:a16="http://schemas.microsoft.com/office/drawing/2014/main" id="{011958E0-A483-4667-85CC-ADE850A08F03}"/>
+              </a:ext>
+            </a:extLst>
+          </p:cNvPr>
+          <p:cNvPicPr>
+            <a:picLocks noChangeAspect="1"/>
+          </p:cNvPicPr>
+          <p:nvPr/>
+        </p:nvPicPr>
+        <p:blipFill>
+          <a:blip r:embed="rId3" cstate="print">
+            <a:extLst>
+              <a:ext uri="{28A0092B-C50C-407E-A947-70E740481C1C}">
+                <a14:useLocalDpi xmlns:a14="http://schemas.microsoft.com/office/drawing/2010/main" val="0"/>
+              </a:ext>
+            </a:extLst>
+          </a:blip>
+          <a:stretch>
+            <a:fillRect/>
+          </a:stretch>
+        </p:blipFill>
+        <p:spPr>
+          <a:xfrm>
+            <a:off x="5385367" y="4638922"/>
+            <a:ext cx="1421265" cy="1418977"/>
+          </a:xfrm>
+          <a:prstGeom prst="rect">
+            <a:avLst/>
+          </a:prstGeom>
+        </p:spPr>
+      </p:pic>
     </p:spTree>
     <p:extLst>
       <p:ext uri="{BB962C8B-B14F-4D97-AF65-F5344CB8AC3E}">
-        <p14:creationId xmlns:p14="http://schemas.microsoft.com/office/powerpoint/2010/main" val="2792484526"/>
+        <p14:creationId xmlns:p14="http://schemas.microsoft.com/office/powerpoint/2010/main" val="4075560598"/>
       </p:ext>
     </p:extLst>
   </p:cSld>
@@ -6995,7 +7201,7 @@
           <p:cNvPr id="2" name="Titel 1">
             <a:extLst>
               <a:ext uri="{FF2B5EF4-FFF2-40B4-BE49-F238E27FC236}">
-                <a16:creationId xmlns:a16="http://schemas.microsoft.com/office/drawing/2014/main" id="{4072B5DD-586A-4E93-A004-E3858C4CA5DD}"/>
+                <a16:creationId xmlns:a16="http://schemas.microsoft.com/office/drawing/2014/main" id="{EFCA75D8-30CC-4149-B0EE-6C11B19BA0B4}"/>
               </a:ext>
             </a:extLst>
           </p:cNvPr>
@@ -7024,7 +7230,7 @@
           <p:cNvPr id="3" name="Tijdelijke aanduiding voor verticale tekst 2">
             <a:extLst>
               <a:ext uri="{FF2B5EF4-FFF2-40B4-BE49-F238E27FC236}">
-                <a16:creationId xmlns:a16="http://schemas.microsoft.com/office/drawing/2014/main" id="{7C9B1257-83E6-4DF0-9B7A-1106E672092F}"/>
+                <a16:creationId xmlns:a16="http://schemas.microsoft.com/office/drawing/2014/main" id="{EA66E83B-B9D4-47F4-9EBF-0A4626AECAFE}"/>
               </a:ext>
             </a:extLst>
           </p:cNvPr>
@@ -7043,7 +7249,7 @@
             <a:pPr lvl="0"/>
             <a:r>
               <a:rPr lang="nl-NL"/>
-              <a:t>Tekststijl van het model bewerken</a:t>
+              <a:t>Klikken om de tekststijl van het model te bewerken</a:t>
             </a:r>
           </a:p>
           <a:p>
@@ -7082,7 +7288,7 @@
           <p:cNvPr id="4" name="Tijdelijke aanduiding voor datum 3">
             <a:extLst>
               <a:ext uri="{FF2B5EF4-FFF2-40B4-BE49-F238E27FC236}">
-                <a16:creationId xmlns:a16="http://schemas.microsoft.com/office/drawing/2014/main" id="{8D4248C6-85B9-4634-ABE3-0D67960309BE}"/>
+                <a16:creationId xmlns:a16="http://schemas.microsoft.com/office/drawing/2014/main" id="{83BA7F98-DF99-4920-8C1F-D468B384FAC1}"/>
               </a:ext>
             </a:extLst>
           </p:cNvPr>
@@ -7100,7 +7306,7 @@
           <a:p>
             <a:fld id="{5FB9A890-CB95-4A02-8EA4-7544B08DB4E2}" type="datetime1">
               <a:rPr lang="nl-BE" smtClean="0"/>
-              <a:t>24/09/2019</a:t>
+              <a:t>7/09/2020</a:t>
             </a:fld>
             <a:endParaRPr lang="nl-BE"/>
           </a:p>
@@ -7111,7 +7317,7 @@
           <p:cNvPr id="5" name="Tijdelijke aanduiding voor voettekst 4">
             <a:extLst>
               <a:ext uri="{FF2B5EF4-FFF2-40B4-BE49-F238E27FC236}">
-                <a16:creationId xmlns:a16="http://schemas.microsoft.com/office/drawing/2014/main" id="{91F77599-7F3B-45D8-B476-3C6772EAC471}"/>
+                <a16:creationId xmlns:a16="http://schemas.microsoft.com/office/drawing/2014/main" id="{7F88D253-8A58-4125-A227-13E738D48AE1}"/>
               </a:ext>
             </a:extLst>
           </p:cNvPr>
@@ -7139,7 +7345,7 @@
           <p:cNvPr id="6" name="Tijdelijke aanduiding voor dianummer 5">
             <a:extLst>
               <a:ext uri="{FF2B5EF4-FFF2-40B4-BE49-F238E27FC236}">
-                <a16:creationId xmlns:a16="http://schemas.microsoft.com/office/drawing/2014/main" id="{88F4E22D-64D1-4C81-A6F9-6CCB137F789B}"/>
+                <a16:creationId xmlns:a16="http://schemas.microsoft.com/office/drawing/2014/main" id="{BFA5504E-511A-417A-A6BA-EF7240883A61}"/>
               </a:ext>
             </a:extLst>
           </p:cNvPr>
@@ -7166,7 +7372,7 @@
     </p:spTree>
     <p:extLst>
       <p:ext uri="{BB962C8B-B14F-4D97-AF65-F5344CB8AC3E}">
-        <p14:creationId xmlns:p14="http://schemas.microsoft.com/office/powerpoint/2010/main" val="3287035055"/>
+        <p14:creationId xmlns:p14="http://schemas.microsoft.com/office/powerpoint/2010/main" val="1436563504"/>
       </p:ext>
     </p:extLst>
   </p:cSld>
@@ -7198,7 +7404,7 @@
           <p:cNvPr id="2" name="Verticale titel 1">
             <a:extLst>
               <a:ext uri="{FF2B5EF4-FFF2-40B4-BE49-F238E27FC236}">
-                <a16:creationId xmlns:a16="http://schemas.microsoft.com/office/drawing/2014/main" id="{740E01A5-A6B0-4A47-A84D-17D3B48DCEB5}"/>
+                <a16:creationId xmlns:a16="http://schemas.microsoft.com/office/drawing/2014/main" id="{A79AEEB0-02B2-447D-B1FD-D25D55DD56CE}"/>
               </a:ext>
             </a:extLst>
           </p:cNvPr>
@@ -7232,7 +7438,7 @@
           <p:cNvPr id="3" name="Tijdelijke aanduiding voor verticale tekst 2">
             <a:extLst>
               <a:ext uri="{FF2B5EF4-FFF2-40B4-BE49-F238E27FC236}">
-                <a16:creationId xmlns:a16="http://schemas.microsoft.com/office/drawing/2014/main" id="{901CB498-25A6-439F-9D4C-DFB423E537A0}"/>
+                <a16:creationId xmlns:a16="http://schemas.microsoft.com/office/drawing/2014/main" id="{A47050A7-1669-4805-929E-741E4C4CF3E7}"/>
               </a:ext>
             </a:extLst>
           </p:cNvPr>
@@ -7256,7 +7462,7 @@
             <a:pPr lvl="0"/>
             <a:r>
               <a:rPr lang="nl-NL"/>
-              <a:t>Tekststijl van het model bewerken</a:t>
+              <a:t>Klikken om de tekststijl van het model te bewerken</a:t>
             </a:r>
           </a:p>
           <a:p>
@@ -7295,7 +7501,7 @@
           <p:cNvPr id="4" name="Tijdelijke aanduiding voor datum 3">
             <a:extLst>
               <a:ext uri="{FF2B5EF4-FFF2-40B4-BE49-F238E27FC236}">
-                <a16:creationId xmlns:a16="http://schemas.microsoft.com/office/drawing/2014/main" id="{7C7AFA28-E0AF-48E7-9B37-CCA9FFFC8EA3}"/>
+                <a16:creationId xmlns:a16="http://schemas.microsoft.com/office/drawing/2014/main" id="{99C78FC2-A4A1-4447-98A1-FB656BDDD885}"/>
               </a:ext>
             </a:extLst>
           </p:cNvPr>
@@ -7313,7 +7519,7 @@
           <a:p>
             <a:fld id="{813D1D9F-4518-4980-9C0D-8EB7894ABDE4}" type="datetime1">
               <a:rPr lang="nl-BE" smtClean="0"/>
-              <a:t>24/09/2019</a:t>
+              <a:t>7/09/2020</a:t>
             </a:fld>
             <a:endParaRPr lang="nl-BE"/>
           </a:p>
@@ -7324,7 +7530,7 @@
           <p:cNvPr id="5" name="Tijdelijke aanduiding voor voettekst 4">
             <a:extLst>
               <a:ext uri="{FF2B5EF4-FFF2-40B4-BE49-F238E27FC236}">
-                <a16:creationId xmlns:a16="http://schemas.microsoft.com/office/drawing/2014/main" id="{AFC8D9FD-D30F-4DF1-B4B3-3E48EBA79093}"/>
+                <a16:creationId xmlns:a16="http://schemas.microsoft.com/office/drawing/2014/main" id="{9463AC9B-1104-4245-83B2-941B2D3520D9}"/>
               </a:ext>
             </a:extLst>
           </p:cNvPr>
@@ -7352,7 +7558,7 @@
           <p:cNvPr id="6" name="Tijdelijke aanduiding voor dianummer 5">
             <a:extLst>
               <a:ext uri="{FF2B5EF4-FFF2-40B4-BE49-F238E27FC236}">
-                <a16:creationId xmlns:a16="http://schemas.microsoft.com/office/drawing/2014/main" id="{ADF7A134-6D5C-4D25-A549-6B5039FA92D2}"/>
+                <a16:creationId xmlns:a16="http://schemas.microsoft.com/office/drawing/2014/main" id="{351C8C71-ADCE-408A-BD03-6A30265139E7}"/>
               </a:ext>
             </a:extLst>
           </p:cNvPr>
@@ -7379,13 +7585,44 @@
     </p:spTree>
     <p:extLst>
       <p:ext uri="{BB962C8B-B14F-4D97-AF65-F5344CB8AC3E}">
-        <p14:creationId xmlns:p14="http://schemas.microsoft.com/office/powerpoint/2010/main" val="114732114"/>
+        <p14:creationId xmlns:p14="http://schemas.microsoft.com/office/powerpoint/2010/main" val="3186053030"/>
       </p:ext>
     </p:extLst>
   </p:cSld>
   <p:clrMapOvr>
     <a:masterClrMapping/>
   </p:clrMapOvr>
+</p:sldLayout>
+</file>
+
+<file path=ppt/slideLayouts/slideLayout12.xml><?xml version="1.0" encoding="utf-8"?>
+<p:sldLayout xmlns:a="http://schemas.openxmlformats.org/drawingml/2006/main" xmlns:r="http://schemas.openxmlformats.org/officeDocument/2006/relationships" xmlns:p="http://schemas.openxmlformats.org/presentationml/2006/main">
+  <p:cSld name="1_Titel en object">
+    <p:spTree>
+      <p:nvGrpSpPr>
+        <p:cNvPr id="1" name=""/>
+        <p:cNvGrpSpPr/>
+        <p:nvPr/>
+      </p:nvGrpSpPr>
+      <p:grpSpPr>
+        <a:xfrm>
+          <a:off x="0" y="0"/>
+          <a:ext cx="0" cy="0"/>
+          <a:chOff x="0" y="0"/>
+          <a:chExt cx="0" cy="0"/>
+        </a:xfrm>
+      </p:grpSpPr>
+    </p:spTree>
+    <p:extLst>
+      <p:ext uri="{BB962C8B-B14F-4D97-AF65-F5344CB8AC3E}">
+        <p14:creationId xmlns:p14="http://schemas.microsoft.com/office/powerpoint/2010/main" val="3735722840"/>
+      </p:ext>
+    </p:extLst>
+  </p:cSld>
+  <p:clrMapOvr>
+    <a:masterClrMapping/>
+  </p:clrMapOvr>
+  <p:hf hdr="0" dt="0"/>
 </p:sldLayout>
 </file>
 
@@ -7411,7 +7648,7 @@
           <p:cNvPr id="2" name="Titel 1">
             <a:extLst>
               <a:ext uri="{FF2B5EF4-FFF2-40B4-BE49-F238E27FC236}">
-                <a16:creationId xmlns:a16="http://schemas.microsoft.com/office/drawing/2014/main" id="{DC0951FF-94CF-47BB-81CC-446DA5777316}"/>
+                <a16:creationId xmlns:a16="http://schemas.microsoft.com/office/drawing/2014/main" id="{3B8BAD38-7922-4925-9B1E-C8B9824AB115}"/>
               </a:ext>
             </a:extLst>
           </p:cNvPr>
@@ -7440,7 +7677,7 @@
           <p:cNvPr id="3" name="Tijdelijke aanduiding voor inhoud 2">
             <a:extLst>
               <a:ext uri="{FF2B5EF4-FFF2-40B4-BE49-F238E27FC236}">
-                <a16:creationId xmlns:a16="http://schemas.microsoft.com/office/drawing/2014/main" id="{17683CD5-D9CF-468D-BB93-E4DBE5C195C5}"/>
+                <a16:creationId xmlns:a16="http://schemas.microsoft.com/office/drawing/2014/main" id="{F646D84E-4957-4D2C-BDD6-C478B3F04CD3}"/>
               </a:ext>
             </a:extLst>
           </p:cNvPr>
@@ -7459,7 +7696,7 @@
             <a:pPr lvl="0"/>
             <a:r>
               <a:rPr lang="nl-NL"/>
-              <a:t>Tekststijl van het model bewerken</a:t>
+              <a:t>Klikken om de tekststijl van het model te bewerken</a:t>
             </a:r>
           </a:p>
           <a:p>
@@ -7498,7 +7735,7 @@
           <p:cNvPr id="4" name="Tijdelijke aanduiding voor datum 3">
             <a:extLst>
               <a:ext uri="{FF2B5EF4-FFF2-40B4-BE49-F238E27FC236}">
-                <a16:creationId xmlns:a16="http://schemas.microsoft.com/office/drawing/2014/main" id="{F514675E-32A0-4B95-81EC-B401BC253DC8}"/>
+                <a16:creationId xmlns:a16="http://schemas.microsoft.com/office/drawing/2014/main" id="{467BED60-0F65-4F2B-B5B9-7CDC70E73F2E}"/>
               </a:ext>
             </a:extLst>
           </p:cNvPr>
@@ -7516,7 +7753,7 @@
           <a:p>
             <a:fld id="{62BF7167-EA82-4644-8F88-C53816572F96}" type="datetime1">
               <a:rPr lang="nl-BE" smtClean="0"/>
-              <a:t>24/09/2019</a:t>
+              <a:t>7/09/2020</a:t>
             </a:fld>
             <a:endParaRPr lang="nl-BE"/>
           </a:p>
@@ -7527,7 +7764,7 @@
           <p:cNvPr id="5" name="Tijdelijke aanduiding voor voettekst 4">
             <a:extLst>
               <a:ext uri="{FF2B5EF4-FFF2-40B4-BE49-F238E27FC236}">
-                <a16:creationId xmlns:a16="http://schemas.microsoft.com/office/drawing/2014/main" id="{B7A2BF95-8489-4AF0-BCAB-1780AAC1F245}"/>
+                <a16:creationId xmlns:a16="http://schemas.microsoft.com/office/drawing/2014/main" id="{3C5970C4-1407-4452-9148-636A126C94CD}"/>
               </a:ext>
             </a:extLst>
           </p:cNvPr>
@@ -7556,7 +7793,7 @@
           <p:cNvPr id="6" name="Tijdelijke aanduiding voor dianummer 5">
             <a:extLst>
               <a:ext uri="{FF2B5EF4-FFF2-40B4-BE49-F238E27FC236}">
-                <a16:creationId xmlns:a16="http://schemas.microsoft.com/office/drawing/2014/main" id="{17E08549-917F-4BB5-8FE9-E75F1C1C8407}"/>
+                <a16:creationId xmlns:a16="http://schemas.microsoft.com/office/drawing/2014/main" id="{25C57E89-1D0D-4354-8F65-63804968C1CF}"/>
               </a:ext>
             </a:extLst>
           </p:cNvPr>
@@ -7583,7 +7820,7 @@
     </p:spTree>
     <p:extLst>
       <p:ext uri="{BB962C8B-B14F-4D97-AF65-F5344CB8AC3E}">
-        <p14:creationId xmlns:p14="http://schemas.microsoft.com/office/powerpoint/2010/main" val="4077507550"/>
+        <p14:creationId xmlns:p14="http://schemas.microsoft.com/office/powerpoint/2010/main" val="3192304441"/>
       </p:ext>
     </p:extLst>
   </p:cSld>
@@ -7615,7 +7852,7 @@
           <p:cNvPr id="2" name="Titel 1">
             <a:extLst>
               <a:ext uri="{FF2B5EF4-FFF2-40B4-BE49-F238E27FC236}">
-                <a16:creationId xmlns:a16="http://schemas.microsoft.com/office/drawing/2014/main" id="{83CBFC7B-7833-4B2E-839F-296D0DFFA5EB}"/>
+                <a16:creationId xmlns:a16="http://schemas.microsoft.com/office/drawing/2014/main" id="{CC7D09DE-9877-4775-9EA0-3FAF25053291}"/>
               </a:ext>
             </a:extLst>
           </p:cNvPr>
@@ -7653,7 +7890,7 @@
           <p:cNvPr id="3" name="Tijdelijke aanduiding voor tekst 2">
             <a:extLst>
               <a:ext uri="{FF2B5EF4-FFF2-40B4-BE49-F238E27FC236}">
-                <a16:creationId xmlns:a16="http://schemas.microsoft.com/office/drawing/2014/main" id="{4A1F527B-FCDC-4EB3-A13B-06511EB48796}"/>
+                <a16:creationId xmlns:a16="http://schemas.microsoft.com/office/drawing/2014/main" id="{7E204716-6C27-4458-A66E-7D0C8675C936}"/>
               </a:ext>
             </a:extLst>
           </p:cNvPr>
@@ -7768,7 +8005,7 @@
             <a:pPr lvl="0"/>
             <a:r>
               <a:rPr lang="nl-NL"/>
-              <a:t>Tekststijl van het model bewerken</a:t>
+              <a:t>Klikken om de tekststijl van het model te bewerken</a:t>
             </a:r>
           </a:p>
         </p:txBody>
@@ -7778,7 +8015,7 @@
           <p:cNvPr id="4" name="Tijdelijke aanduiding voor datum 3">
             <a:extLst>
               <a:ext uri="{FF2B5EF4-FFF2-40B4-BE49-F238E27FC236}">
-                <a16:creationId xmlns:a16="http://schemas.microsoft.com/office/drawing/2014/main" id="{099B58FD-EE0B-4DD6-93B7-49CADA886313}"/>
+                <a16:creationId xmlns:a16="http://schemas.microsoft.com/office/drawing/2014/main" id="{A66AC9EB-DEAD-42CF-AD23-439C5DA97073}"/>
               </a:ext>
             </a:extLst>
           </p:cNvPr>
@@ -7796,7 +8033,7 @@
           <a:p>
             <a:fld id="{FC393B68-E771-4EAB-BD5A-988B3BCEC1C4}" type="datetime1">
               <a:rPr lang="nl-BE" smtClean="0"/>
-              <a:t>24/09/2019</a:t>
+              <a:t>7/09/2020</a:t>
             </a:fld>
             <a:endParaRPr lang="nl-BE"/>
           </a:p>
@@ -7807,7 +8044,7 @@
           <p:cNvPr id="5" name="Tijdelijke aanduiding voor voettekst 4">
             <a:extLst>
               <a:ext uri="{FF2B5EF4-FFF2-40B4-BE49-F238E27FC236}">
-                <a16:creationId xmlns:a16="http://schemas.microsoft.com/office/drawing/2014/main" id="{E97F81A5-1783-445C-BA17-503F27086CE0}"/>
+                <a16:creationId xmlns:a16="http://schemas.microsoft.com/office/drawing/2014/main" id="{4E272174-F617-485C-8862-B67278A66933}"/>
               </a:ext>
             </a:extLst>
           </p:cNvPr>
@@ -7835,7 +8072,7 @@
           <p:cNvPr id="6" name="Tijdelijke aanduiding voor dianummer 5">
             <a:extLst>
               <a:ext uri="{FF2B5EF4-FFF2-40B4-BE49-F238E27FC236}">
-                <a16:creationId xmlns:a16="http://schemas.microsoft.com/office/drawing/2014/main" id="{DCD87910-F51F-48B3-9EA7-F5B4E8318978}"/>
+                <a16:creationId xmlns:a16="http://schemas.microsoft.com/office/drawing/2014/main" id="{ED7AC59F-8095-4C85-89CD-7324AA678184}"/>
               </a:ext>
             </a:extLst>
           </p:cNvPr>
@@ -7862,7 +8099,7 @@
     </p:spTree>
     <p:extLst>
       <p:ext uri="{BB962C8B-B14F-4D97-AF65-F5344CB8AC3E}">
-        <p14:creationId xmlns:p14="http://schemas.microsoft.com/office/powerpoint/2010/main" val="2844032139"/>
+        <p14:creationId xmlns:p14="http://schemas.microsoft.com/office/powerpoint/2010/main" val="207632384"/>
       </p:ext>
     </p:extLst>
   </p:cSld>
@@ -7894,7 +8131,7 @@
           <p:cNvPr id="2" name="Titel 1">
             <a:extLst>
               <a:ext uri="{FF2B5EF4-FFF2-40B4-BE49-F238E27FC236}">
-                <a16:creationId xmlns:a16="http://schemas.microsoft.com/office/drawing/2014/main" id="{8C194E3B-7CB7-46EA-816E-76C19D8B82E3}"/>
+                <a16:creationId xmlns:a16="http://schemas.microsoft.com/office/drawing/2014/main" id="{6DF8B325-2136-406D-BF0A-E575C7306B7F}"/>
               </a:ext>
             </a:extLst>
           </p:cNvPr>
@@ -7923,7 +8160,7 @@
           <p:cNvPr id="3" name="Tijdelijke aanduiding voor inhoud 2">
             <a:extLst>
               <a:ext uri="{FF2B5EF4-FFF2-40B4-BE49-F238E27FC236}">
-                <a16:creationId xmlns:a16="http://schemas.microsoft.com/office/drawing/2014/main" id="{8DCFB01D-BF2A-4C28-A7DA-74363E83C56E}"/>
+                <a16:creationId xmlns:a16="http://schemas.microsoft.com/office/drawing/2014/main" id="{812A1A84-3D08-49DA-A4A4-7023BFE6C812}"/>
               </a:ext>
             </a:extLst>
           </p:cNvPr>
@@ -7947,7 +8184,7 @@
             <a:pPr lvl="0"/>
             <a:r>
               <a:rPr lang="nl-NL"/>
-              <a:t>Tekststijl van het model bewerken</a:t>
+              <a:t>Klikken om de tekststijl van het model te bewerken</a:t>
             </a:r>
           </a:p>
           <a:p>
@@ -7986,7 +8223,7 @@
           <p:cNvPr id="4" name="Tijdelijke aanduiding voor inhoud 3">
             <a:extLst>
               <a:ext uri="{FF2B5EF4-FFF2-40B4-BE49-F238E27FC236}">
-                <a16:creationId xmlns:a16="http://schemas.microsoft.com/office/drawing/2014/main" id="{8881AD6D-41D1-42DC-8A88-30A62132CB38}"/>
+                <a16:creationId xmlns:a16="http://schemas.microsoft.com/office/drawing/2014/main" id="{91B5DB36-3733-4D71-9D2B-5502BA30CF06}"/>
               </a:ext>
             </a:extLst>
           </p:cNvPr>
@@ -8010,7 +8247,7 @@
             <a:pPr lvl="0"/>
             <a:r>
               <a:rPr lang="nl-NL"/>
-              <a:t>Tekststijl van het model bewerken</a:t>
+              <a:t>Klikken om de tekststijl van het model te bewerken</a:t>
             </a:r>
           </a:p>
           <a:p>
@@ -8049,7 +8286,7 @@
           <p:cNvPr id="5" name="Tijdelijke aanduiding voor datum 4">
             <a:extLst>
               <a:ext uri="{FF2B5EF4-FFF2-40B4-BE49-F238E27FC236}">
-                <a16:creationId xmlns:a16="http://schemas.microsoft.com/office/drawing/2014/main" id="{1D81D5E5-1407-43AC-A9F6-7F4710690F14}"/>
+                <a16:creationId xmlns:a16="http://schemas.microsoft.com/office/drawing/2014/main" id="{A884AE63-C510-4ABD-BCB9-469A9F65ECC2}"/>
               </a:ext>
             </a:extLst>
           </p:cNvPr>
@@ -8067,7 +8304,7 @@
           <a:p>
             <a:fld id="{3FA1FA05-B5D2-497F-81AB-0906CD7F230B}" type="datetime1">
               <a:rPr lang="nl-BE" smtClean="0"/>
-              <a:t>24/09/2019</a:t>
+              <a:t>7/09/2020</a:t>
             </a:fld>
             <a:endParaRPr lang="nl-BE"/>
           </a:p>
@@ -8078,7 +8315,7 @@
           <p:cNvPr id="6" name="Tijdelijke aanduiding voor voettekst 5">
             <a:extLst>
               <a:ext uri="{FF2B5EF4-FFF2-40B4-BE49-F238E27FC236}">
-                <a16:creationId xmlns:a16="http://schemas.microsoft.com/office/drawing/2014/main" id="{C06C9AAD-1007-4DEE-956A-24B9E4720166}"/>
+                <a16:creationId xmlns:a16="http://schemas.microsoft.com/office/drawing/2014/main" id="{20A8498C-B6A6-4DC9-8255-569230952C63}"/>
               </a:ext>
             </a:extLst>
           </p:cNvPr>
@@ -8106,7 +8343,7 @@
           <p:cNvPr id="7" name="Tijdelijke aanduiding voor dianummer 6">
             <a:extLst>
               <a:ext uri="{FF2B5EF4-FFF2-40B4-BE49-F238E27FC236}">
-                <a16:creationId xmlns:a16="http://schemas.microsoft.com/office/drawing/2014/main" id="{4FF0B051-1C83-4345-AAB8-A775CBF3ACAF}"/>
+                <a16:creationId xmlns:a16="http://schemas.microsoft.com/office/drawing/2014/main" id="{68D77CFB-1B09-43DB-9177-427CFFA2B1D2}"/>
               </a:ext>
             </a:extLst>
           </p:cNvPr>
@@ -8133,7 +8370,7 @@
     </p:spTree>
     <p:extLst>
       <p:ext uri="{BB962C8B-B14F-4D97-AF65-F5344CB8AC3E}">
-        <p14:creationId xmlns:p14="http://schemas.microsoft.com/office/powerpoint/2010/main" val="2658969427"/>
+        <p14:creationId xmlns:p14="http://schemas.microsoft.com/office/powerpoint/2010/main" val="1560871480"/>
       </p:ext>
     </p:extLst>
   </p:cSld>
@@ -8165,7 +8402,7 @@
           <p:cNvPr id="2" name="Titel 1">
             <a:extLst>
               <a:ext uri="{FF2B5EF4-FFF2-40B4-BE49-F238E27FC236}">
-                <a16:creationId xmlns:a16="http://schemas.microsoft.com/office/drawing/2014/main" id="{12DBC7E6-2CCC-46B5-975F-495846F93F01}"/>
+                <a16:creationId xmlns:a16="http://schemas.microsoft.com/office/drawing/2014/main" id="{6D918494-5C63-47C0-84BE-8ED0D3FF6919}"/>
               </a:ext>
             </a:extLst>
           </p:cNvPr>
@@ -8199,7 +8436,7 @@
           <p:cNvPr id="3" name="Tijdelijke aanduiding voor tekst 2">
             <a:extLst>
               <a:ext uri="{FF2B5EF4-FFF2-40B4-BE49-F238E27FC236}">
-                <a16:creationId xmlns:a16="http://schemas.microsoft.com/office/drawing/2014/main" id="{5BFC03AF-5EF3-4F21-804C-E42551415F5F}"/>
+                <a16:creationId xmlns:a16="http://schemas.microsoft.com/office/drawing/2014/main" id="{7C63C31E-AB27-4678-9D54-B1D0D3466F8A}"/>
               </a:ext>
             </a:extLst>
           </p:cNvPr>
@@ -8260,7 +8497,7 @@
             <a:pPr lvl="0"/>
             <a:r>
               <a:rPr lang="nl-NL"/>
-              <a:t>Tekststijl van het model bewerken</a:t>
+              <a:t>Klikken om de tekststijl van het model te bewerken</a:t>
             </a:r>
           </a:p>
         </p:txBody>
@@ -8270,7 +8507,7 @@
           <p:cNvPr id="4" name="Tijdelijke aanduiding voor inhoud 3">
             <a:extLst>
               <a:ext uri="{FF2B5EF4-FFF2-40B4-BE49-F238E27FC236}">
-                <a16:creationId xmlns:a16="http://schemas.microsoft.com/office/drawing/2014/main" id="{B2CDA13F-96DF-4887-B19E-91D08F7EE4C1}"/>
+                <a16:creationId xmlns:a16="http://schemas.microsoft.com/office/drawing/2014/main" id="{5F81428D-6F2B-4A4F-BE3B-04884F6C65FF}"/>
               </a:ext>
             </a:extLst>
           </p:cNvPr>
@@ -8294,7 +8531,7 @@
             <a:pPr lvl="0"/>
             <a:r>
               <a:rPr lang="nl-NL"/>
-              <a:t>Tekststijl van het model bewerken</a:t>
+              <a:t>Klikken om de tekststijl van het model te bewerken</a:t>
             </a:r>
           </a:p>
           <a:p>
@@ -8333,7 +8570,7 @@
           <p:cNvPr id="5" name="Tijdelijke aanduiding voor tekst 4">
             <a:extLst>
               <a:ext uri="{FF2B5EF4-FFF2-40B4-BE49-F238E27FC236}">
-                <a16:creationId xmlns:a16="http://schemas.microsoft.com/office/drawing/2014/main" id="{B24F317C-F52A-49C5-82E4-5832AE2333B4}"/>
+                <a16:creationId xmlns:a16="http://schemas.microsoft.com/office/drawing/2014/main" id="{EF87D035-5B4E-4F7A-A699-252D6B185212}"/>
               </a:ext>
             </a:extLst>
           </p:cNvPr>
@@ -8394,7 +8631,7 @@
             <a:pPr lvl="0"/>
             <a:r>
               <a:rPr lang="nl-NL"/>
-              <a:t>Tekststijl van het model bewerken</a:t>
+              <a:t>Klikken om de tekststijl van het model te bewerken</a:t>
             </a:r>
           </a:p>
         </p:txBody>
@@ -8404,7 +8641,7 @@
           <p:cNvPr id="6" name="Tijdelijke aanduiding voor inhoud 5">
             <a:extLst>
               <a:ext uri="{FF2B5EF4-FFF2-40B4-BE49-F238E27FC236}">
-                <a16:creationId xmlns:a16="http://schemas.microsoft.com/office/drawing/2014/main" id="{5356A20E-CB6D-4318-8AD0-492F6262430E}"/>
+                <a16:creationId xmlns:a16="http://schemas.microsoft.com/office/drawing/2014/main" id="{D354858C-4DA6-4DAE-93E2-3D7E0C6E07E8}"/>
               </a:ext>
             </a:extLst>
           </p:cNvPr>
@@ -8428,7 +8665,7 @@
             <a:pPr lvl="0"/>
             <a:r>
               <a:rPr lang="nl-NL"/>
-              <a:t>Tekststijl van het model bewerken</a:t>
+              <a:t>Klikken om de tekststijl van het model te bewerken</a:t>
             </a:r>
           </a:p>
           <a:p>
@@ -8467,7 +8704,7 @@
           <p:cNvPr id="7" name="Tijdelijke aanduiding voor datum 6">
             <a:extLst>
               <a:ext uri="{FF2B5EF4-FFF2-40B4-BE49-F238E27FC236}">
-                <a16:creationId xmlns:a16="http://schemas.microsoft.com/office/drawing/2014/main" id="{29A3AE76-CD41-4A27-89BB-BC6357E1A4C2}"/>
+                <a16:creationId xmlns:a16="http://schemas.microsoft.com/office/drawing/2014/main" id="{C3997C63-4B1E-4009-A760-23659F6D4C4F}"/>
               </a:ext>
             </a:extLst>
           </p:cNvPr>
@@ -8485,7 +8722,7 @@
           <a:p>
             <a:fld id="{05261B88-F79F-4529-821E-344A934E6946}" type="datetime1">
               <a:rPr lang="nl-BE" smtClean="0"/>
-              <a:t>24/09/2019</a:t>
+              <a:t>7/09/2020</a:t>
             </a:fld>
             <a:endParaRPr lang="nl-BE"/>
           </a:p>
@@ -8496,7 +8733,7 @@
           <p:cNvPr id="8" name="Tijdelijke aanduiding voor voettekst 7">
             <a:extLst>
               <a:ext uri="{FF2B5EF4-FFF2-40B4-BE49-F238E27FC236}">
-                <a16:creationId xmlns:a16="http://schemas.microsoft.com/office/drawing/2014/main" id="{687A821A-D6C6-4D1B-BF26-8223317ADEBA}"/>
+                <a16:creationId xmlns:a16="http://schemas.microsoft.com/office/drawing/2014/main" id="{2D13070B-C3A5-4C21-93A3-2901C5275C77}"/>
               </a:ext>
             </a:extLst>
           </p:cNvPr>
@@ -8524,7 +8761,7 @@
           <p:cNvPr id="9" name="Tijdelijke aanduiding voor dianummer 8">
             <a:extLst>
               <a:ext uri="{FF2B5EF4-FFF2-40B4-BE49-F238E27FC236}">
-                <a16:creationId xmlns:a16="http://schemas.microsoft.com/office/drawing/2014/main" id="{0881EDD3-FD1D-45A9-AC6C-F288386FE7C0}"/>
+                <a16:creationId xmlns:a16="http://schemas.microsoft.com/office/drawing/2014/main" id="{1C467616-5346-4858-8558-4E52489215E3}"/>
               </a:ext>
             </a:extLst>
           </p:cNvPr>
@@ -8551,7 +8788,7 @@
     </p:spTree>
     <p:extLst>
       <p:ext uri="{BB962C8B-B14F-4D97-AF65-F5344CB8AC3E}">
-        <p14:creationId xmlns:p14="http://schemas.microsoft.com/office/powerpoint/2010/main" val="2423299326"/>
+        <p14:creationId xmlns:p14="http://schemas.microsoft.com/office/powerpoint/2010/main" val="2177752013"/>
       </p:ext>
     </p:extLst>
   </p:cSld>
@@ -8583,7 +8820,7 @@
           <p:cNvPr id="2" name="Titel 1">
             <a:extLst>
               <a:ext uri="{FF2B5EF4-FFF2-40B4-BE49-F238E27FC236}">
-                <a16:creationId xmlns:a16="http://schemas.microsoft.com/office/drawing/2014/main" id="{8C600AAA-6A9C-44CC-ACE7-44A629F6D2C6}"/>
+                <a16:creationId xmlns:a16="http://schemas.microsoft.com/office/drawing/2014/main" id="{D4F3B850-D9CF-469D-8F6A-E2BDD637AAA5}"/>
               </a:ext>
             </a:extLst>
           </p:cNvPr>
@@ -8612,7 +8849,7 @@
           <p:cNvPr id="3" name="Tijdelijke aanduiding voor datum 2">
             <a:extLst>
               <a:ext uri="{FF2B5EF4-FFF2-40B4-BE49-F238E27FC236}">
-                <a16:creationId xmlns:a16="http://schemas.microsoft.com/office/drawing/2014/main" id="{C6218219-6903-44F6-91E3-380DE23F2CC8}"/>
+                <a16:creationId xmlns:a16="http://schemas.microsoft.com/office/drawing/2014/main" id="{A18378AF-4848-4FF4-8280-7D9ECB8B1B9A}"/>
               </a:ext>
             </a:extLst>
           </p:cNvPr>
@@ -8630,7 +8867,7 @@
           <a:p>
             <a:fld id="{9D36FFD9-A9CE-4423-9581-2A56F0092606}" type="datetime1">
               <a:rPr lang="nl-BE" smtClean="0"/>
-              <a:t>24/09/2019</a:t>
+              <a:t>7/09/2020</a:t>
             </a:fld>
             <a:endParaRPr lang="nl-BE"/>
           </a:p>
@@ -8641,7 +8878,7 @@
           <p:cNvPr id="4" name="Tijdelijke aanduiding voor voettekst 3">
             <a:extLst>
               <a:ext uri="{FF2B5EF4-FFF2-40B4-BE49-F238E27FC236}">
-                <a16:creationId xmlns:a16="http://schemas.microsoft.com/office/drawing/2014/main" id="{78DB572E-4782-4046-B049-614D7F609BDD}"/>
+                <a16:creationId xmlns:a16="http://schemas.microsoft.com/office/drawing/2014/main" id="{00949076-FEA0-4733-9BD4-144121369E5D}"/>
               </a:ext>
             </a:extLst>
           </p:cNvPr>
@@ -8669,7 +8906,7 @@
           <p:cNvPr id="5" name="Tijdelijke aanduiding voor dianummer 4">
             <a:extLst>
               <a:ext uri="{FF2B5EF4-FFF2-40B4-BE49-F238E27FC236}">
-                <a16:creationId xmlns:a16="http://schemas.microsoft.com/office/drawing/2014/main" id="{92DEFF6E-4B3C-4BE7-89BF-44C6A749C77C}"/>
+                <a16:creationId xmlns:a16="http://schemas.microsoft.com/office/drawing/2014/main" id="{AEEBC9A3-1316-4097-A51D-A3E7C9F05717}"/>
               </a:ext>
             </a:extLst>
           </p:cNvPr>
@@ -8698,7 +8935,7 @@
           <p:cNvPr id="6" name="Rechthoek 5">
             <a:extLst>
               <a:ext uri="{FF2B5EF4-FFF2-40B4-BE49-F238E27FC236}">
-                <a16:creationId xmlns:a16="http://schemas.microsoft.com/office/drawing/2014/main" id="{85B22393-6B40-4366-97FE-D12730D4A43B}"/>
+                <a16:creationId xmlns:a16="http://schemas.microsoft.com/office/drawing/2014/main" id="{5ADD7198-9496-4707-A2A7-23A8706EEA41}"/>
               </a:ext>
             </a:extLst>
           </p:cNvPr>
@@ -8761,7 +8998,7 @@
           <p:cNvPr id="7" name="Rechthoek 6">
             <a:extLst>
               <a:ext uri="{FF2B5EF4-FFF2-40B4-BE49-F238E27FC236}">
-                <a16:creationId xmlns:a16="http://schemas.microsoft.com/office/drawing/2014/main" id="{A83EB732-F95D-47D2-8403-A6D314F976C3}"/>
+                <a16:creationId xmlns:a16="http://schemas.microsoft.com/office/drawing/2014/main" id="{B2C707C9-94A1-46A5-8645-EF7B8E7EBCAD}"/>
               </a:ext>
             </a:extLst>
           </p:cNvPr>
@@ -8819,7 +9056,7 @@
     </p:spTree>
     <p:extLst>
       <p:ext uri="{BB962C8B-B14F-4D97-AF65-F5344CB8AC3E}">
-        <p14:creationId xmlns:p14="http://schemas.microsoft.com/office/powerpoint/2010/main" val="4189945833"/>
+        <p14:creationId xmlns:p14="http://schemas.microsoft.com/office/powerpoint/2010/main" val="3168560274"/>
       </p:ext>
     </p:extLst>
   </p:cSld>
@@ -8851,7 +9088,7 @@
           <p:cNvPr id="2" name="Tijdelijke aanduiding voor datum 1">
             <a:extLst>
               <a:ext uri="{FF2B5EF4-FFF2-40B4-BE49-F238E27FC236}">
-                <a16:creationId xmlns:a16="http://schemas.microsoft.com/office/drawing/2014/main" id="{F4FD94B4-7B0B-4D5E-96D9-DD939D88052A}"/>
+                <a16:creationId xmlns:a16="http://schemas.microsoft.com/office/drawing/2014/main" id="{A9D634B5-8C2D-48AE-91EA-C4594F8C1258}"/>
               </a:ext>
             </a:extLst>
           </p:cNvPr>
@@ -8869,7 +9106,7 @@
           <a:p>
             <a:fld id="{7896331C-B12C-4B5E-A588-AEBE791B8080}" type="datetime1">
               <a:rPr lang="nl-BE" smtClean="0"/>
-              <a:t>24/09/2019</a:t>
+              <a:t>7/09/2020</a:t>
             </a:fld>
             <a:endParaRPr lang="nl-BE"/>
           </a:p>
@@ -8880,7 +9117,7 @@
           <p:cNvPr id="3" name="Tijdelijke aanduiding voor voettekst 2">
             <a:extLst>
               <a:ext uri="{FF2B5EF4-FFF2-40B4-BE49-F238E27FC236}">
-                <a16:creationId xmlns:a16="http://schemas.microsoft.com/office/drawing/2014/main" id="{404F9082-7691-4F58-8D75-BDD8DAF50D5B}"/>
+                <a16:creationId xmlns:a16="http://schemas.microsoft.com/office/drawing/2014/main" id="{E0A0C514-A640-4C96-B201-54186C9AFDBE}"/>
               </a:ext>
             </a:extLst>
           </p:cNvPr>
@@ -8908,7 +9145,7 @@
           <p:cNvPr id="4" name="Tijdelijke aanduiding voor dianummer 3">
             <a:extLst>
               <a:ext uri="{FF2B5EF4-FFF2-40B4-BE49-F238E27FC236}">
-                <a16:creationId xmlns:a16="http://schemas.microsoft.com/office/drawing/2014/main" id="{B7697D75-F1E2-41EB-9AB8-94AAE99FBD8F}"/>
+                <a16:creationId xmlns:a16="http://schemas.microsoft.com/office/drawing/2014/main" id="{69500356-ABD5-4B99-B278-E17553C156DF}"/>
               </a:ext>
             </a:extLst>
           </p:cNvPr>
@@ -8935,7 +9172,7 @@
     </p:spTree>
     <p:extLst>
       <p:ext uri="{BB962C8B-B14F-4D97-AF65-F5344CB8AC3E}">
-        <p14:creationId xmlns:p14="http://schemas.microsoft.com/office/powerpoint/2010/main" val="1244758260"/>
+        <p14:creationId xmlns:p14="http://schemas.microsoft.com/office/powerpoint/2010/main" val="569061343"/>
       </p:ext>
     </p:extLst>
   </p:cSld>
@@ -8967,7 +9204,7 @@
           <p:cNvPr id="2" name="Titel 1">
             <a:extLst>
               <a:ext uri="{FF2B5EF4-FFF2-40B4-BE49-F238E27FC236}">
-                <a16:creationId xmlns:a16="http://schemas.microsoft.com/office/drawing/2014/main" id="{F260E289-99DA-421E-A1FE-028FFD164C5D}"/>
+                <a16:creationId xmlns:a16="http://schemas.microsoft.com/office/drawing/2014/main" id="{60C76E74-348C-48C3-A13E-74C76572AE40}"/>
               </a:ext>
             </a:extLst>
           </p:cNvPr>
@@ -9005,7 +9242,7 @@
           <p:cNvPr id="3" name="Tijdelijke aanduiding voor inhoud 2">
             <a:extLst>
               <a:ext uri="{FF2B5EF4-FFF2-40B4-BE49-F238E27FC236}">
-                <a16:creationId xmlns:a16="http://schemas.microsoft.com/office/drawing/2014/main" id="{25F771F5-12BA-4926-9E37-46E1504960E7}"/>
+                <a16:creationId xmlns:a16="http://schemas.microsoft.com/office/drawing/2014/main" id="{DBBF6845-2F60-4F6C-831E-1BAF210E6BD5}"/>
               </a:ext>
             </a:extLst>
           </p:cNvPr>
@@ -9057,7 +9294,7 @@
             <a:pPr lvl="0"/>
             <a:r>
               <a:rPr lang="nl-NL"/>
-              <a:t>Tekststijl van het model bewerken</a:t>
+              <a:t>Klikken om de tekststijl van het model te bewerken</a:t>
             </a:r>
           </a:p>
           <a:p>
@@ -9096,7 +9333,7 @@
           <p:cNvPr id="4" name="Tijdelijke aanduiding voor tekst 3">
             <a:extLst>
               <a:ext uri="{FF2B5EF4-FFF2-40B4-BE49-F238E27FC236}">
-                <a16:creationId xmlns:a16="http://schemas.microsoft.com/office/drawing/2014/main" id="{F237D55F-9174-4F36-83AE-B8ADA1E715AA}"/>
+                <a16:creationId xmlns:a16="http://schemas.microsoft.com/office/drawing/2014/main" id="{9B303079-BF21-44E3-8E18-CFA9C169745F}"/>
               </a:ext>
             </a:extLst>
           </p:cNvPr>
@@ -9157,7 +9394,7 @@
             <a:pPr lvl="0"/>
             <a:r>
               <a:rPr lang="nl-NL"/>
-              <a:t>Tekststijl van het model bewerken</a:t>
+              <a:t>Klikken om de tekststijl van het model te bewerken</a:t>
             </a:r>
           </a:p>
         </p:txBody>
@@ -9167,7 +9404,7 @@
           <p:cNvPr id="5" name="Tijdelijke aanduiding voor datum 4">
             <a:extLst>
               <a:ext uri="{FF2B5EF4-FFF2-40B4-BE49-F238E27FC236}">
-                <a16:creationId xmlns:a16="http://schemas.microsoft.com/office/drawing/2014/main" id="{8334923E-EF70-4094-9362-7891509D8BFD}"/>
+                <a16:creationId xmlns:a16="http://schemas.microsoft.com/office/drawing/2014/main" id="{D763318B-D3A7-4D55-82AF-7D19CCD01683}"/>
               </a:ext>
             </a:extLst>
           </p:cNvPr>
@@ -9185,7 +9422,7 @@
           <a:p>
             <a:fld id="{CDDA2E80-F5AF-4838-8E2B-93B8353DFA07}" type="datetime1">
               <a:rPr lang="nl-BE" smtClean="0"/>
-              <a:t>24/09/2019</a:t>
+              <a:t>7/09/2020</a:t>
             </a:fld>
             <a:endParaRPr lang="nl-BE"/>
           </a:p>
@@ -9196,7 +9433,7 @@
           <p:cNvPr id="6" name="Tijdelijke aanduiding voor voettekst 5">
             <a:extLst>
               <a:ext uri="{FF2B5EF4-FFF2-40B4-BE49-F238E27FC236}">
-                <a16:creationId xmlns:a16="http://schemas.microsoft.com/office/drawing/2014/main" id="{6769824C-A131-4C56-9F95-5AC5EF53DA0D}"/>
+                <a16:creationId xmlns:a16="http://schemas.microsoft.com/office/drawing/2014/main" id="{C16126F0-267A-413E-A20B-7214BF14675E}"/>
               </a:ext>
             </a:extLst>
           </p:cNvPr>
@@ -9224,7 +9461,7 @@
           <p:cNvPr id="7" name="Tijdelijke aanduiding voor dianummer 6">
             <a:extLst>
               <a:ext uri="{FF2B5EF4-FFF2-40B4-BE49-F238E27FC236}">
-                <a16:creationId xmlns:a16="http://schemas.microsoft.com/office/drawing/2014/main" id="{5DC0B3E6-619F-4358-B498-01054104410B}"/>
+                <a16:creationId xmlns:a16="http://schemas.microsoft.com/office/drawing/2014/main" id="{0EE8EF28-8D87-4E29-987A-25E61C23CF1A}"/>
               </a:ext>
             </a:extLst>
           </p:cNvPr>
@@ -9251,7 +9488,7 @@
     </p:spTree>
     <p:extLst>
       <p:ext uri="{BB962C8B-B14F-4D97-AF65-F5344CB8AC3E}">
-        <p14:creationId xmlns:p14="http://schemas.microsoft.com/office/powerpoint/2010/main" val="868105076"/>
+        <p14:creationId xmlns:p14="http://schemas.microsoft.com/office/powerpoint/2010/main" val="1199253216"/>
       </p:ext>
     </p:extLst>
   </p:cSld>
@@ -9283,7 +9520,7 @@
           <p:cNvPr id="2" name="Titel 1">
             <a:extLst>
               <a:ext uri="{FF2B5EF4-FFF2-40B4-BE49-F238E27FC236}">
-                <a16:creationId xmlns:a16="http://schemas.microsoft.com/office/drawing/2014/main" id="{4DF7973E-1415-45F2-B794-618A16D74030}"/>
+                <a16:creationId xmlns:a16="http://schemas.microsoft.com/office/drawing/2014/main" id="{C4068CD6-8C62-40B2-A334-AB8A4A31F17D}"/>
               </a:ext>
             </a:extLst>
           </p:cNvPr>
@@ -9321,7 +9558,7 @@
           <p:cNvPr id="3" name="Tijdelijke aanduiding voor afbeelding 2">
             <a:extLst>
               <a:ext uri="{FF2B5EF4-FFF2-40B4-BE49-F238E27FC236}">
-                <a16:creationId xmlns:a16="http://schemas.microsoft.com/office/drawing/2014/main" id="{0438108D-35FC-4BE1-B138-C9379F57B13F}"/>
+                <a16:creationId xmlns:a16="http://schemas.microsoft.com/office/drawing/2014/main" id="{5C519671-7768-46CF-9589-EC18A631F555}"/>
               </a:ext>
             </a:extLst>
           </p:cNvPr>
@@ -9379,6 +9616,10 @@
             </a:lvl9pPr>
           </a:lstStyle>
           <a:p>
+            <a:r>
+              <a:rPr lang="nl-NL"/>
+              <a:t>Klik op het pictogram als u een afbeelding wilt toevoegen</a:t>
+            </a:r>
             <a:endParaRPr lang="nl-BE"/>
           </a:p>
         </p:txBody>
@@ -9388,7 +9629,7 @@
           <p:cNvPr id="4" name="Tijdelijke aanduiding voor tekst 3">
             <a:extLst>
               <a:ext uri="{FF2B5EF4-FFF2-40B4-BE49-F238E27FC236}">
-                <a16:creationId xmlns:a16="http://schemas.microsoft.com/office/drawing/2014/main" id="{DA875E65-32CB-434A-BE0B-C09B1D36BB54}"/>
+                <a16:creationId xmlns:a16="http://schemas.microsoft.com/office/drawing/2014/main" id="{43BB512F-050B-486A-BF60-FAF904A258F3}"/>
               </a:ext>
             </a:extLst>
           </p:cNvPr>
@@ -9449,7 +9690,7 @@
             <a:pPr lvl="0"/>
             <a:r>
               <a:rPr lang="nl-NL"/>
-              <a:t>Tekststijl van het model bewerken</a:t>
+              <a:t>Klikken om de tekststijl van het model te bewerken</a:t>
             </a:r>
           </a:p>
         </p:txBody>
@@ -9459,7 +9700,7 @@
           <p:cNvPr id="5" name="Tijdelijke aanduiding voor datum 4">
             <a:extLst>
               <a:ext uri="{FF2B5EF4-FFF2-40B4-BE49-F238E27FC236}">
-                <a16:creationId xmlns:a16="http://schemas.microsoft.com/office/drawing/2014/main" id="{1728FA3B-C03C-4189-8429-DCEAAA07841B}"/>
+                <a16:creationId xmlns:a16="http://schemas.microsoft.com/office/drawing/2014/main" id="{13014279-A0D6-4628-B04E-B73C6A41F2C2}"/>
               </a:ext>
             </a:extLst>
           </p:cNvPr>
@@ -9477,7 +9718,7 @@
           <a:p>
             <a:fld id="{2D0660AB-DEF8-4F0D-B084-808191304D25}" type="datetime1">
               <a:rPr lang="nl-BE" smtClean="0"/>
-              <a:t>24/09/2019</a:t>
+              <a:t>7/09/2020</a:t>
             </a:fld>
             <a:endParaRPr lang="nl-BE"/>
           </a:p>
@@ -9488,7 +9729,7 @@
           <p:cNvPr id="6" name="Tijdelijke aanduiding voor voettekst 5">
             <a:extLst>
               <a:ext uri="{FF2B5EF4-FFF2-40B4-BE49-F238E27FC236}">
-                <a16:creationId xmlns:a16="http://schemas.microsoft.com/office/drawing/2014/main" id="{20960E24-ABE3-423A-84B9-E83BE7D35EEA}"/>
+                <a16:creationId xmlns:a16="http://schemas.microsoft.com/office/drawing/2014/main" id="{9E1844A0-29A9-431A-BC59-A681E7C22417}"/>
               </a:ext>
             </a:extLst>
           </p:cNvPr>
@@ -9516,7 +9757,7 @@
           <p:cNvPr id="7" name="Tijdelijke aanduiding voor dianummer 6">
             <a:extLst>
               <a:ext uri="{FF2B5EF4-FFF2-40B4-BE49-F238E27FC236}">
-                <a16:creationId xmlns:a16="http://schemas.microsoft.com/office/drawing/2014/main" id="{037AF7E3-0DE6-49E9-B506-DFD43A1D3754}"/>
+                <a16:creationId xmlns:a16="http://schemas.microsoft.com/office/drawing/2014/main" id="{68B01B68-315D-4275-93E7-1CD101EBA32F}"/>
               </a:ext>
             </a:extLst>
           </p:cNvPr>
@@ -9543,7 +9784,7 @@
     </p:spTree>
     <p:extLst>
       <p:ext uri="{BB962C8B-B14F-4D97-AF65-F5344CB8AC3E}">
-        <p14:creationId xmlns:p14="http://schemas.microsoft.com/office/powerpoint/2010/main" val="3805885218"/>
+        <p14:creationId xmlns:p14="http://schemas.microsoft.com/office/powerpoint/2010/main" val="2021072714"/>
       </p:ext>
     </p:extLst>
   </p:cSld>
@@ -9580,7 +9821,7 @@
           <p:cNvPr id="2" name="Tijdelijke aanduiding voor titel 1">
             <a:extLst>
               <a:ext uri="{FF2B5EF4-FFF2-40B4-BE49-F238E27FC236}">
-                <a16:creationId xmlns:a16="http://schemas.microsoft.com/office/drawing/2014/main" id="{51073A97-4605-425A-89E1-6240E132D38C}"/>
+                <a16:creationId xmlns:a16="http://schemas.microsoft.com/office/drawing/2014/main" id="{00694DA2-4E03-486D-860B-097381549B64}"/>
               </a:ext>
             </a:extLst>
           </p:cNvPr>
@@ -9607,10 +9848,10 @@
           <a:lstStyle/>
           <a:p>
             <a:r>
-              <a:rPr lang="nl-NL"/>
+              <a:rPr lang="nl-NL" dirty="0"/>
               <a:t>Klik om stijl te bewerken</a:t>
             </a:r>
-            <a:endParaRPr lang="nl-BE"/>
+            <a:endParaRPr lang="nl-BE" dirty="0"/>
           </a:p>
         </p:txBody>
       </p:sp>
@@ -9619,7 +9860,7 @@
           <p:cNvPr id="3" name="Tijdelijke aanduiding voor tekst 2">
             <a:extLst>
               <a:ext uri="{FF2B5EF4-FFF2-40B4-BE49-F238E27FC236}">
-                <a16:creationId xmlns:a16="http://schemas.microsoft.com/office/drawing/2014/main" id="{E1B5B8BF-1A0A-4A00-A4F2-51F59ACC9969}"/>
+                <a16:creationId xmlns:a16="http://schemas.microsoft.com/office/drawing/2014/main" id="{685C7508-DC72-4533-8509-4CD89465044C}"/>
               </a:ext>
             </a:extLst>
           </p:cNvPr>
@@ -9647,38 +9888,38 @@
           <a:p>
             <a:pPr lvl="0"/>
             <a:r>
-              <a:rPr lang="nl-NL"/>
-              <a:t>Tekststijl van het model bewerken</a:t>
+              <a:rPr lang="nl-NL" dirty="0"/>
+              <a:t>Klikken om de tekststijl van het model te bewerken</a:t>
             </a:r>
           </a:p>
           <a:p>
             <a:pPr lvl="1"/>
             <a:r>
-              <a:rPr lang="nl-NL"/>
+              <a:rPr lang="nl-NL" dirty="0"/>
               <a:t>Tweede niveau</a:t>
             </a:r>
           </a:p>
           <a:p>
             <a:pPr lvl="2"/>
             <a:r>
-              <a:rPr lang="nl-NL"/>
+              <a:rPr lang="nl-NL" dirty="0"/>
               <a:t>Derde niveau</a:t>
             </a:r>
           </a:p>
           <a:p>
             <a:pPr lvl="3"/>
             <a:r>
-              <a:rPr lang="nl-NL"/>
+              <a:rPr lang="nl-NL" dirty="0"/>
               <a:t>Vierde niveau</a:t>
             </a:r>
           </a:p>
           <a:p>
             <a:pPr lvl="4"/>
             <a:r>
-              <a:rPr lang="nl-NL"/>
+              <a:rPr lang="nl-NL" dirty="0"/>
               <a:t>Vijfde niveau</a:t>
             </a:r>
-            <a:endParaRPr lang="nl-BE"/>
+            <a:endParaRPr lang="nl-BE" dirty="0"/>
           </a:p>
         </p:txBody>
       </p:sp>
@@ -9687,7 +9928,7 @@
           <p:cNvPr id="4" name="Tijdelijke aanduiding voor datum 3">
             <a:extLst>
               <a:ext uri="{FF2B5EF4-FFF2-40B4-BE49-F238E27FC236}">
-                <a16:creationId xmlns:a16="http://schemas.microsoft.com/office/drawing/2014/main" id="{187F8D25-496D-44BD-AEF9-AC1186591894}"/>
+                <a16:creationId xmlns:a16="http://schemas.microsoft.com/office/drawing/2014/main" id="{831C0E2D-36AC-4651-B5A5-7C24D95AAA30}"/>
               </a:ext>
             </a:extLst>
           </p:cNvPr>
@@ -9723,7 +9964,7 @@
           <a:p>
             <a:fld id="{A671A349-F1E9-4BB9-BDF1-40D376A3D129}" type="datetime1">
               <a:rPr lang="nl-BE" smtClean="0"/>
-              <a:t>24/09/2019</a:t>
+              <a:t>7/09/2020</a:t>
             </a:fld>
             <a:endParaRPr lang="nl-BE"/>
           </a:p>
@@ -9734,7 +9975,7 @@
           <p:cNvPr id="5" name="Tijdelijke aanduiding voor voettekst 4">
             <a:extLst>
               <a:ext uri="{FF2B5EF4-FFF2-40B4-BE49-F238E27FC236}">
-                <a16:creationId xmlns:a16="http://schemas.microsoft.com/office/drawing/2014/main" id="{7A2EFA16-EEA4-476C-8B1A-198354ECA9C4}"/>
+                <a16:creationId xmlns:a16="http://schemas.microsoft.com/office/drawing/2014/main" id="{B2F3C7A1-BCFE-4981-8966-87B26FEB7EF7}"/>
               </a:ext>
             </a:extLst>
           </p:cNvPr>
@@ -9769,12 +10010,8 @@
           </a:lstStyle>
           <a:p>
             <a:r>
-              <a:rPr lang="nl-BE" dirty="0"/>
-              <a:t>Programming </a:t>
-            </a:r>
-            <a:r>
-              <a:rPr lang="nl-BE" dirty="0" err="1"/>
-              <a:t>Principles</a:t>
+              <a:rPr lang="nl-BE"/>
+              <a:t>Programming Principles</a:t>
             </a:r>
             <a:endParaRPr lang="nl-BE" dirty="0"/>
           </a:p>
@@ -9785,7 +10022,7 @@
           <p:cNvPr id="6" name="Tijdelijke aanduiding voor dianummer 5">
             <a:extLst>
               <a:ext uri="{FF2B5EF4-FFF2-40B4-BE49-F238E27FC236}">
-                <a16:creationId xmlns:a16="http://schemas.microsoft.com/office/drawing/2014/main" id="{7F09B5B8-5D2C-47DB-9E78-8FE5C9E53549}"/>
+                <a16:creationId xmlns:a16="http://schemas.microsoft.com/office/drawing/2014/main" id="{9C052746-846E-4603-B721-809D7198C9E2}"/>
               </a:ext>
             </a:extLst>
           </p:cNvPr>
@@ -9827,26 +10064,110 @@
           </a:p>
         </p:txBody>
       </p:sp>
+      <p:pic>
+        <p:nvPicPr>
+          <p:cNvPr id="8" name="Afbeelding 7">
+            <a:extLst>
+              <a:ext uri="{FF2B5EF4-FFF2-40B4-BE49-F238E27FC236}">
+                <a16:creationId xmlns:a16="http://schemas.microsoft.com/office/drawing/2014/main" id="{68D9A7F4-42E3-4B0A-82BD-605C2DE65CFF}"/>
+              </a:ext>
+            </a:extLst>
+          </p:cNvPr>
+          <p:cNvPicPr>
+            <a:picLocks noChangeAspect="1"/>
+          </p:cNvPicPr>
+          <p:nvPr/>
+        </p:nvPicPr>
+        <p:blipFill>
+          <a:blip r:embed="rId14" cstate="print">
+            <a:extLst>
+              <a:ext uri="{28A0092B-C50C-407E-A947-70E740481C1C}">
+                <a14:useLocalDpi xmlns:a14="http://schemas.microsoft.com/office/drawing/2010/main" val="0"/>
+              </a:ext>
+            </a:extLst>
+          </a:blip>
+          <a:stretch>
+            <a:fillRect/>
+          </a:stretch>
+        </p:blipFill>
+        <p:spPr>
+          <a:xfrm>
+            <a:off x="11457487" y="0"/>
+            <a:ext cx="513792" cy="512965"/>
+          </a:xfrm>
+          <a:prstGeom prst="rect">
+            <a:avLst/>
+          </a:prstGeom>
+        </p:spPr>
+      </p:pic>
+      <p:pic>
+        <p:nvPicPr>
+          <p:cNvPr id="1026" name="Picture 2" descr="Huisstijl | AP Hogeschool">
+            <a:extLst>
+              <a:ext uri="{FF2B5EF4-FFF2-40B4-BE49-F238E27FC236}">
+                <a16:creationId xmlns:a16="http://schemas.microsoft.com/office/drawing/2014/main" id="{A63DCC07-2517-4A2E-85D4-1179A0BDB0C4}"/>
+              </a:ext>
+            </a:extLst>
+          </p:cNvPr>
+          <p:cNvPicPr>
+            <a:picLocks noChangeAspect="1" noChangeArrowheads="1"/>
+          </p:cNvPicPr>
+          <p:nvPr/>
+        </p:nvPicPr>
+        <p:blipFill>
+          <a:blip r:embed="rId15" cstate="print">
+            <a:extLst>
+              <a:ext uri="{28A0092B-C50C-407E-A947-70E740481C1C}">
+                <a14:useLocalDpi xmlns:a14="http://schemas.microsoft.com/office/drawing/2010/main" val="0"/>
+              </a:ext>
+            </a:extLst>
+          </a:blip>
+          <a:srcRect/>
+          <a:stretch>
+            <a:fillRect/>
+          </a:stretch>
+        </p:blipFill>
+        <p:spPr bwMode="auto">
+          <a:xfrm>
+            <a:off x="193741" y="6378084"/>
+            <a:ext cx="513792" cy="285699"/>
+          </a:xfrm>
+          <a:prstGeom prst="rect">
+            <a:avLst/>
+          </a:prstGeom>
+          <a:noFill/>
+          <a:extLst>
+            <a:ext uri="{909E8E84-426E-40DD-AFC4-6F175D3DCCD1}">
+              <a14:hiddenFill xmlns:a14="http://schemas.microsoft.com/office/drawing/2010/main">
+                <a:solidFill>
+                  <a:srgbClr val="FFFFFF"/>
+                </a:solidFill>
+              </a14:hiddenFill>
+            </a:ext>
+          </a:extLst>
+        </p:spPr>
+      </p:pic>
     </p:spTree>
     <p:extLst>
       <p:ext uri="{BB962C8B-B14F-4D97-AF65-F5344CB8AC3E}">
-        <p14:creationId xmlns:p14="http://schemas.microsoft.com/office/powerpoint/2010/main" val="899837439"/>
+        <p14:creationId xmlns:p14="http://schemas.microsoft.com/office/powerpoint/2010/main" val="3515079393"/>
       </p:ext>
     </p:extLst>
   </p:cSld>
   <p:clrMap bg1="lt1" tx1="dk1" bg2="lt2" tx2="dk2" accent1="accent1" accent2="accent2" accent3="accent3" accent4="accent4" accent5="accent5" accent6="accent6" hlink="hlink" folHlink="folHlink"/>
   <p:sldLayoutIdLst>
-    <p:sldLayoutId id="2147483673" r:id="rId1"/>
-    <p:sldLayoutId id="2147483674" r:id="rId2"/>
-    <p:sldLayoutId id="2147483675" r:id="rId3"/>
-    <p:sldLayoutId id="2147483676" r:id="rId4"/>
-    <p:sldLayoutId id="2147483677" r:id="rId5"/>
-    <p:sldLayoutId id="2147483678" r:id="rId6"/>
-    <p:sldLayoutId id="2147483679" r:id="rId7"/>
-    <p:sldLayoutId id="2147483680" r:id="rId8"/>
-    <p:sldLayoutId id="2147483681" r:id="rId9"/>
-    <p:sldLayoutId id="2147483682" r:id="rId10"/>
-    <p:sldLayoutId id="2147483683" r:id="rId11"/>
+    <p:sldLayoutId id="2147483685" r:id="rId1"/>
+    <p:sldLayoutId id="2147483686" r:id="rId2"/>
+    <p:sldLayoutId id="2147483687" r:id="rId3"/>
+    <p:sldLayoutId id="2147483688" r:id="rId4"/>
+    <p:sldLayoutId id="2147483689" r:id="rId5"/>
+    <p:sldLayoutId id="2147483690" r:id="rId6"/>
+    <p:sldLayoutId id="2147483691" r:id="rId7"/>
+    <p:sldLayoutId id="2147483692" r:id="rId8"/>
+    <p:sldLayoutId id="2147483693" r:id="rId9"/>
+    <p:sldLayoutId id="2147483694" r:id="rId10"/>
+    <p:sldLayoutId id="2147483695" r:id="rId11"/>
+    <p:sldLayoutId id="2147483696" r:id="rId12"/>
   </p:sldLayoutIdLst>
   <p:hf hdr="0" dt="0"/>
   <p:txStyles>
@@ -10159,91 +10480,6 @@
       </p:grpSpPr>
       <p:sp>
         <p:nvSpPr>
-          <p:cNvPr id="8" name="Rectangle 7">
-            <a:extLst>
-              <a:ext uri="{FF2B5EF4-FFF2-40B4-BE49-F238E27FC236}">
-                <a16:creationId xmlns:a16="http://schemas.microsoft.com/office/drawing/2014/main" id="{23962611-DFD5-4092-AAFD-559E3DFCE2C9}"/>
-              </a:ext>
-              <a:ext uri="{C183D7F6-B498-43B3-948B-1728B52AA6E4}">
-                <adec:decorative xmlns:adec="http://schemas.microsoft.com/office/drawing/2017/decorative" val="1"/>
-              </a:ext>
-            </a:extLst>
-          </p:cNvPr>
-          <p:cNvSpPr>
-            <a:spLocks noGrp="1" noRot="1" noChangeAspect="1" noMove="1" noResize="1" noEditPoints="1" noAdjustHandles="1" noChangeArrowheads="1" noChangeShapeType="1" noTextEdit="1"/>
-          </p:cNvSpPr>
-          <p:nvPr>
-            <p:extLst>
-              <p:ext uri="{386F3935-93C4-4BCD-93E2-E3B085C9AB24}">
-                <p16:designElem xmlns:p16="http://schemas.microsoft.com/office/powerpoint/2015/main" val="1"/>
-              </p:ext>
-            </p:extLst>
-          </p:nvPr>
-        </p:nvSpPr>
-        <p:spPr>
-          <a:xfrm>
-            <a:off x="475488" y="0"/>
-            <a:ext cx="10910292" cy="6858000"/>
-          </a:xfrm>
-          <a:prstGeom prst="rect">
-            <a:avLst/>
-          </a:prstGeom>
-          <a:gradFill>
-            <a:gsLst>
-              <a:gs pos="0">
-                <a:schemeClr val="accent1">
-                  <a:lumMod val="90000"/>
-                </a:schemeClr>
-              </a:gs>
-              <a:gs pos="25000">
-                <a:schemeClr val="accent1">
-                  <a:lumMod val="90000"/>
-                </a:schemeClr>
-              </a:gs>
-              <a:gs pos="94000">
-                <a:schemeClr val="bg2">
-                  <a:lumMod val="25000"/>
-                </a:schemeClr>
-              </a:gs>
-              <a:gs pos="100000">
-                <a:schemeClr val="bg2">
-                  <a:lumMod val="25000"/>
-                </a:schemeClr>
-              </a:gs>
-            </a:gsLst>
-            <a:lin ang="4200000" scaled="0"/>
-          </a:gradFill>
-          <a:ln>
-            <a:noFill/>
-          </a:ln>
-        </p:spPr>
-        <p:style>
-          <a:lnRef idx="2">
-            <a:schemeClr val="accent1">
-              <a:shade val="50000"/>
-            </a:schemeClr>
-          </a:lnRef>
-          <a:fillRef idx="1">
-            <a:schemeClr val="accent1"/>
-          </a:fillRef>
-          <a:effectRef idx="0">
-            <a:schemeClr val="accent1"/>
-          </a:effectRef>
-          <a:fontRef idx="minor">
-            <a:schemeClr val="lt1"/>
-          </a:fontRef>
-        </p:style>
-        <p:txBody>
-          <a:bodyPr rtlCol="0" anchor="ctr"/>
-          <a:lstStyle/>
-          <a:p>
-            <a:pPr algn="ctr"/>
-            <a:endParaRPr lang="en-US"/>
-          </a:p>
-        </p:txBody>
-      </p:sp>
-      <p:sp>
-        <p:nvSpPr>
           <p:cNvPr id="2" name="Titel 1"/>
           <p:cNvSpPr>
             <a:spLocks noGrp="1"/>
@@ -10313,51 +10549,6 @@
           </a:p>
         </p:txBody>
       </p:sp>
-      <p:pic>
-        <p:nvPicPr>
-          <p:cNvPr id="10" name="Picture 9">
-            <a:extLst>
-              <a:ext uri="{FF2B5EF4-FFF2-40B4-BE49-F238E27FC236}">
-                <a16:creationId xmlns:a16="http://schemas.microsoft.com/office/drawing/2014/main" id="{2270F1FA-0425-408F-9861-80BF5AFB276D}"/>
-              </a:ext>
-              <a:ext uri="{C183D7F6-B498-43B3-948B-1728B52AA6E4}">
-                <adec:decorative xmlns:adec="http://schemas.microsoft.com/office/drawing/2017/decorative" val="1"/>
-              </a:ext>
-            </a:extLst>
-          </p:cNvPr>
-          <p:cNvPicPr>
-            <a:picLocks noGrp="1" noRot="1" noChangeAspect="1" noMove="1" noResize="1" noEditPoints="1" noAdjustHandles="1" noChangeArrowheads="1" noChangeShapeType="1" noCrop="1"/>
-          </p:cNvPicPr>
-          <p:nvPr>
-            <p:extLst>
-              <p:ext uri="{386F3935-93C4-4BCD-93E2-E3B085C9AB24}">
-                <p16:designElem xmlns:p16="http://schemas.microsoft.com/office/powerpoint/2015/main" val="1"/>
-              </p:ext>
-            </p:extLst>
-          </p:nvPr>
-        </p:nvPicPr>
-        <p:blipFill>
-          <a:blip r:embed="rId2">
-            <a:extLst>
-              <a:ext uri="{28A0092B-C50C-407E-A947-70E740481C1C}">
-                <a14:useLocalDpi xmlns:a14="http://schemas.microsoft.com/office/drawing/2010/main" val="0"/>
-              </a:ext>
-            </a:extLst>
-          </a:blip>
-          <a:stretch>
-            <a:fillRect/>
-          </a:stretch>
-        </p:blipFill>
-        <p:spPr>
-          <a:xfrm>
-            <a:off x="0" y="0"/>
-            <a:ext cx="12192000" cy="6858000"/>
-          </a:xfrm>
-          <a:prstGeom prst="rect">
-            <a:avLst/>
-          </a:prstGeom>
-        </p:spPr>
-      </p:pic>
     </p:spTree>
     <p:extLst>
       <p:ext uri="{BB962C8B-B14F-4D97-AF65-F5344CB8AC3E}">
@@ -10372,6 +10563,163 @@
 </file>
 
 <file path=ppt/slides/slide10.xml><?xml version="1.0" encoding="utf-8"?>
+<p:sld xmlns:a="http://schemas.openxmlformats.org/drawingml/2006/main" xmlns:r="http://schemas.openxmlformats.org/officeDocument/2006/relationships" xmlns:p="http://schemas.openxmlformats.org/presentationml/2006/main">
+  <p:cSld>
+    <p:bg>
+      <p:bgPr>
+        <a:solidFill>
+          <a:schemeClr val="bg1"/>
+        </a:solidFill>
+        <a:effectLst/>
+      </p:bgPr>
+    </p:bg>
+    <p:spTree>
+      <p:nvGrpSpPr>
+        <p:cNvPr id="1" name=""/>
+        <p:cNvGrpSpPr/>
+        <p:nvPr/>
+      </p:nvGrpSpPr>
+      <p:grpSpPr>
+        <a:xfrm>
+          <a:off x="0" y="0"/>
+          <a:ext cx="0" cy="0"/>
+          <a:chOff x="0" y="0"/>
+          <a:chExt cx="0" cy="0"/>
+        </a:xfrm>
+      </p:grpSpPr>
+      <p:sp>
+        <p:nvSpPr>
+          <p:cNvPr id="2" name="Titel 1">
+            <a:extLst>
+              <a:ext uri="{FF2B5EF4-FFF2-40B4-BE49-F238E27FC236}">
+                <a16:creationId xmlns:a16="http://schemas.microsoft.com/office/drawing/2014/main" id="{B83B2817-C33F-47F7-BC42-76A4193BA299}"/>
+              </a:ext>
+            </a:extLst>
+          </p:cNvPr>
+          <p:cNvSpPr>
+            <a:spLocks noGrp="1"/>
+          </p:cNvSpPr>
+          <p:nvPr>
+            <p:ph type="title"/>
+          </p:nvPr>
+        </p:nvSpPr>
+        <p:spPr>
+          <a:xfrm>
+            <a:off x="943277" y="712269"/>
+            <a:ext cx="3370998" cy="5502264"/>
+          </a:xfrm>
+        </p:spPr>
+        <p:txBody>
+          <a:bodyPr>
+            <a:normAutofit/>
+          </a:bodyPr>
+          <a:lstStyle/>
+          <a:p>
+            <a:r>
+              <a:rPr lang="nl-BE">
+                <a:solidFill>
+                  <a:srgbClr val="FFFFFF"/>
+                </a:solidFill>
+              </a:rPr>
+              <a:t>Hoe verwissel je de waarde van 2 variabelen?</a:t>
+            </a:r>
+          </a:p>
+        </p:txBody>
+      </p:sp>
+      <p:graphicFrame>
+        <p:nvGraphicFramePr>
+          <p:cNvPr id="7" name="Tijdelijke aanduiding voor inhoud 2">
+            <a:extLst>
+              <a:ext uri="{FF2B5EF4-FFF2-40B4-BE49-F238E27FC236}">
+                <a16:creationId xmlns:a16="http://schemas.microsoft.com/office/drawing/2014/main" id="{1A20D057-7AE4-4657-B655-D1D00669A9EB}"/>
+              </a:ext>
+            </a:extLst>
+          </p:cNvPr>
+          <p:cNvGraphicFramePr>
+            <a:graphicFrameLocks noGrp="1"/>
+          </p:cNvGraphicFramePr>
+          <p:nvPr>
+            <p:ph idx="1"/>
+            <p:extLst>
+              <p:ext uri="{D42A27DB-BD31-4B8C-83A1-F6EECF244321}">
+                <p14:modId xmlns:p14="http://schemas.microsoft.com/office/powerpoint/2010/main" val="2509193320"/>
+              </p:ext>
+            </p:extLst>
+          </p:nvPr>
+        </p:nvGraphicFramePr>
+        <p:xfrm>
+          <a:off x="5280025" y="642938"/>
+          <a:ext cx="6269038" cy="5572125"/>
+        </p:xfrm>
+        <a:graphic>
+          <a:graphicData uri="http://schemas.openxmlformats.org/drawingml/2006/diagram">
+            <dgm:relIds xmlns:dgm="http://schemas.openxmlformats.org/drawingml/2006/diagram" xmlns:r="http://schemas.openxmlformats.org/officeDocument/2006/relationships" r:dm="rId2" r:lo="rId3" r:qs="rId4" r:cs="rId5"/>
+          </a:graphicData>
+        </a:graphic>
+      </p:graphicFrame>
+      <p:sp>
+        <p:nvSpPr>
+          <p:cNvPr id="5" name="Tijdelijke aanduiding voor dianummer 4">
+            <a:extLst>
+              <a:ext uri="{FF2B5EF4-FFF2-40B4-BE49-F238E27FC236}">
+                <a16:creationId xmlns:a16="http://schemas.microsoft.com/office/drawing/2014/main" id="{FD13A16A-E8C8-4933-B210-26B439E17DE7}"/>
+              </a:ext>
+            </a:extLst>
+          </p:cNvPr>
+          <p:cNvSpPr>
+            <a:spLocks noGrp="1"/>
+          </p:cNvSpPr>
+          <p:nvPr>
+            <p:ph type="sldNum" sz="quarter" idx="12"/>
+          </p:nvPr>
+        </p:nvSpPr>
+        <p:spPr/>
+        <p:txBody>
+          <a:bodyPr>
+            <a:normAutofit/>
+          </a:bodyPr>
+          <a:lstStyle/>
+          <a:p>
+            <a:pPr>
+              <a:spcAft>
+                <a:spcPts val="600"/>
+              </a:spcAft>
+            </a:pPr>
+            <a:fld id="{E8A62353-F7CD-46ED-8877-B27D0E33FCF8}" type="slidenum">
+              <a:rPr lang="nl-BE" smtClean="0">
+                <a:solidFill>
+                  <a:schemeClr val="tx1"/>
+                </a:solidFill>
+              </a:rPr>
+              <a:pPr>
+                <a:spcAft>
+                  <a:spcPts val="600"/>
+                </a:spcAft>
+              </a:pPr>
+              <a:t>10</a:t>
+            </a:fld>
+            <a:endParaRPr lang="nl-BE">
+              <a:solidFill>
+                <a:schemeClr val="tx1"/>
+              </a:solidFill>
+            </a:endParaRPr>
+          </a:p>
+        </p:txBody>
+      </p:sp>
+    </p:spTree>
+    <p:extLst>
+      <p:ext uri="{BB962C8B-B14F-4D97-AF65-F5344CB8AC3E}">
+        <p14:creationId xmlns:p14="http://schemas.microsoft.com/office/powerpoint/2010/main" val="3526978594"/>
+      </p:ext>
+    </p:extLst>
+  </p:cSld>
+  <p:clrMapOvr>
+    <a:masterClrMapping/>
+  </p:clrMapOvr>
+</p:sld>
+</file>
+
+<file path=ppt/slides/slide11.xml><?xml version="1.0" encoding="utf-8"?>
 <p:sld xmlns:a="http://schemas.openxmlformats.org/drawingml/2006/main" xmlns:r="http://schemas.openxmlformats.org/officeDocument/2006/relationships" xmlns:p="http://schemas.openxmlformats.org/presentationml/2006/main">
   <p:cSld>
     <p:spTree>
@@ -10390,6 +10738,28 @@
       </p:grpSpPr>
       <p:sp>
         <p:nvSpPr>
+          <p:cNvPr id="215043" name="Titel 1"/>
+          <p:cNvSpPr>
+            <a:spLocks noGrp="1"/>
+          </p:cNvSpPr>
+          <p:nvPr>
+            <p:ph type="title"/>
+          </p:nvPr>
+        </p:nvSpPr>
+        <p:spPr/>
+        <p:txBody>
+          <a:bodyPr/>
+          <a:lstStyle/>
+          <a:p>
+            <a:r>
+              <a:rPr lang="en-IE"/>
+              <a:t>Verkorte notatie van operators</a:t>
+            </a:r>
+          </a:p>
+        </p:txBody>
+      </p:sp>
+      <p:sp>
+        <p:nvSpPr>
           <p:cNvPr id="215042" name="Tijdelijke aanduiding voor inhoud 2"/>
           <p:cNvSpPr>
             <a:spLocks noGrp="1"/>
@@ -10440,28 +10810,6 @@
               <a:t>gebruikt</a:t>
             </a:r>
             <a:endParaRPr lang="en-IE" dirty="0"/>
-          </a:p>
-        </p:txBody>
-      </p:sp>
-      <p:sp>
-        <p:nvSpPr>
-          <p:cNvPr id="215043" name="Titel 1"/>
-          <p:cNvSpPr>
-            <a:spLocks noGrp="1"/>
-          </p:cNvSpPr>
-          <p:nvPr>
-            <p:ph type="title"/>
-          </p:nvPr>
-        </p:nvSpPr>
-        <p:spPr/>
-        <p:txBody>
-          <a:bodyPr/>
-          <a:lstStyle/>
-          <a:p>
-            <a:r>
-              <a:rPr lang="en-IE"/>
-              <a:t>Verkorte notatie van operators</a:t>
-            </a:r>
           </a:p>
         </p:txBody>
       </p:sp>
@@ -11051,7 +11399,7 @@
 </p:sld>
 </file>
 
-<file path=ppt/slides/slide11.xml><?xml version="1.0" encoding="utf-8"?>
+<file path=ppt/slides/slide12.xml><?xml version="1.0" encoding="utf-8"?>
 <p:sld xmlns:a="http://schemas.openxmlformats.org/drawingml/2006/main" xmlns:r="http://schemas.openxmlformats.org/officeDocument/2006/relationships" xmlns:p="http://schemas.openxmlformats.org/presentationml/2006/main">
   <p:cSld>
     <p:bg>
@@ -11151,167 +11499,106 @@
       </p:sp>
       <p:sp>
         <p:nvSpPr>
-          <p:cNvPr id="71" name="Freeform: Shape 70">
+          <p:cNvPr id="4" name="Tijdelijke aanduiding voor voettekst 3">
             <a:extLst>
               <a:ext uri="{FF2B5EF4-FFF2-40B4-BE49-F238E27FC236}">
-                <a16:creationId xmlns:a16="http://schemas.microsoft.com/office/drawing/2014/main" id="{1DB7C82F-AB7E-4F0C-B829-FA1B9C415180}"/>
-              </a:ext>
-              <a:ext uri="{C183D7F6-B498-43B3-948B-1728B52AA6E4}">
-                <adec:decorative xmlns:adec="http://schemas.microsoft.com/office/drawing/2017/decorative" val="1"/>
+                <a16:creationId xmlns:a16="http://schemas.microsoft.com/office/drawing/2014/main" id="{AF6A0876-FEC0-49D0-AF47-2646C91D2BF9}"/>
               </a:ext>
             </a:extLst>
           </p:cNvPr>
           <p:cNvSpPr>
-            <a:spLocks noGrp="1" noRot="1" noChangeAspect="1" noMove="1" noResize="1" noEditPoints="1" noAdjustHandles="1" noChangeArrowheads="1" noChangeShapeType="1" noTextEdit="1"/>
+            <a:spLocks noGrp="1"/>
           </p:cNvSpPr>
           <p:nvPr>
-            <p:extLst>
-              <p:ext uri="{386F3935-93C4-4BCD-93E2-E3B085C9AB24}">
-                <p16:designElem xmlns:p16="http://schemas.microsoft.com/office/powerpoint/2015/main" val="1"/>
-              </p:ext>
-            </p:extLst>
+            <p:ph type="ftr" sz="quarter" idx="11"/>
           </p:nvPr>
         </p:nvSpPr>
         <p:spPr>
-          <a:xfrm flipH="1">
-            <a:off x="0" y="0"/>
-            <a:ext cx="6172782" cy="6858000"/>
+          <a:xfrm>
+            <a:off x="6746626" y="6199631"/>
+            <a:ext cx="4256653" cy="365760"/>
           </a:xfrm>
-          <a:custGeom>
-            <a:avLst/>
-            <a:gdLst>
-              <a:gd name="connsiteX0" fmla="*/ 6172782 w 6172782"/>
-              <a:gd name="connsiteY0" fmla="*/ 0 h 6858000"/>
-              <a:gd name="connsiteX1" fmla="*/ 69075 w 6172782"/>
-              <a:gd name="connsiteY1" fmla="*/ 0 h 6858000"/>
-              <a:gd name="connsiteX2" fmla="*/ 35131 w 6172782"/>
-              <a:gd name="connsiteY2" fmla="*/ 267128 h 6858000"/>
-              <a:gd name="connsiteX3" fmla="*/ 0 w 6172782"/>
-              <a:gd name="connsiteY3" fmla="*/ 962845 h 6858000"/>
-              <a:gd name="connsiteX4" fmla="*/ 3276103 w 6172782"/>
-              <a:gd name="connsiteY4" fmla="*/ 6782205 h 6858000"/>
-              <a:gd name="connsiteX5" fmla="*/ 3407923 w 6172782"/>
-              <a:gd name="connsiteY5" fmla="*/ 6858000 h 6858000"/>
-              <a:gd name="connsiteX6" fmla="*/ 6172782 w 6172782"/>
-              <a:gd name="connsiteY6" fmla="*/ 6858000 h 6858000"/>
-            </a:gdLst>
-            <a:ahLst/>
-            <a:cxnLst>
-              <a:cxn ang="0">
-                <a:pos x="connsiteX0" y="connsiteY0"/>
-              </a:cxn>
-              <a:cxn ang="0">
-                <a:pos x="connsiteX1" y="connsiteY1"/>
-              </a:cxn>
-              <a:cxn ang="0">
-                <a:pos x="connsiteX2" y="connsiteY2"/>
-              </a:cxn>
-              <a:cxn ang="0">
-                <a:pos x="connsiteX3" y="connsiteY3"/>
-              </a:cxn>
-              <a:cxn ang="0">
-                <a:pos x="connsiteX4" y="connsiteY4"/>
-              </a:cxn>
-              <a:cxn ang="0">
-                <a:pos x="connsiteX5" y="connsiteY5"/>
-              </a:cxn>
-              <a:cxn ang="0">
-                <a:pos x="connsiteX6" y="connsiteY6"/>
-              </a:cxn>
-            </a:cxnLst>
-            <a:rect l="l" t="t" r="r" b="b"/>
-            <a:pathLst>
-              <a:path w="6172782" h="6858000">
-                <a:moveTo>
-                  <a:pt x="6172782" y="0"/>
-                </a:moveTo>
-                <a:lnTo>
-                  <a:pt x="69075" y="0"/>
-                </a:lnTo>
-                <a:lnTo>
-                  <a:pt x="35131" y="267128"/>
-                </a:lnTo>
-                <a:cubicBezTo>
-                  <a:pt x="11901" y="495874"/>
-                  <a:pt x="0" y="727970"/>
-                  <a:pt x="0" y="962845"/>
-                </a:cubicBezTo>
-                <a:cubicBezTo>
-                  <a:pt x="0" y="3429034"/>
-                  <a:pt x="1312002" y="5588789"/>
-                  <a:pt x="3276103" y="6782205"/>
-                </a:cubicBezTo>
-                <a:lnTo>
-                  <a:pt x="3407923" y="6858000"/>
-                </a:lnTo>
-                <a:lnTo>
-                  <a:pt x="6172782" y="6858000"/>
-                </a:lnTo>
-                <a:close/>
-              </a:path>
-            </a:pathLst>
-          </a:custGeom>
-          <a:solidFill>
-            <a:srgbClr val="FFFFFF">
-              <a:alpha val="80000"/>
-            </a:srgbClr>
-          </a:solidFill>
-          <a:ln>
-            <a:noFill/>
-          </a:ln>
         </p:spPr>
-        <p:style>
-          <a:lnRef idx="2">
-            <a:schemeClr val="accent1">
-              <a:shade val="50000"/>
-            </a:schemeClr>
-          </a:lnRef>
-          <a:fillRef idx="1">
-            <a:schemeClr val="accent1"/>
-          </a:fillRef>
-          <a:effectRef idx="0">
-            <a:schemeClr val="accent1"/>
-          </a:effectRef>
-          <a:fontRef idx="minor">
-            <a:schemeClr val="lt1"/>
-          </a:fontRef>
-        </p:style>
         <p:txBody>
-          <a:bodyPr wrap="square" rtlCol="0" anchor="ctr">
-            <a:noAutofit/>
+          <a:bodyPr>
+            <a:normAutofit/>
           </a:bodyPr>
           <a:lstStyle/>
           <a:p>
-            <a:pPr marL="0" marR="0" lvl="0" indent="0" algn="ctr" defTabSz="914400" rtl="0" eaLnBrk="1" fontAlgn="auto" latinLnBrk="0" hangingPunct="1">
-              <a:lnSpc>
-                <a:spcPct val="100000"/>
-              </a:lnSpc>
-              <a:spcBef>
-                <a:spcPts val="0"/>
-              </a:spcBef>
+            <a:pPr algn="l">
               <a:spcAft>
-                <a:spcPts val="0"/>
+                <a:spcPts val="600"/>
               </a:spcAft>
-              <a:buClrTx/>
-              <a:buSzTx/>
-              <a:buFontTx/>
-              <a:buNone/>
-              <a:tabLst/>
-              <a:defRPr/>
             </a:pPr>
-            <a:endParaRPr kumimoji="0" lang="en-US" sz="1800" b="0" i="0" u="none" strike="noStrike" kern="1200" cap="none" spc="0" normalizeH="0" baseline="0" noProof="0">
-              <a:ln>
-                <a:noFill/>
-              </a:ln>
+            <a:r>
+              <a:rPr lang="nl-BE" sz="1100">
+                <a:solidFill>
+                  <a:schemeClr val="tx1">
+                    <a:alpha val="80000"/>
+                  </a:schemeClr>
+                </a:solidFill>
+              </a:rPr>
+              <a:t>Programmeren in C#</a:t>
+            </a:r>
+          </a:p>
+        </p:txBody>
+      </p:sp>
+      <p:sp>
+        <p:nvSpPr>
+          <p:cNvPr id="5" name="Tijdelijke aanduiding voor dianummer 4">
+            <a:extLst>
+              <a:ext uri="{FF2B5EF4-FFF2-40B4-BE49-F238E27FC236}">
+                <a16:creationId xmlns:a16="http://schemas.microsoft.com/office/drawing/2014/main" id="{234BFCF8-5135-46F5-A372-592AF69DAC74}"/>
+              </a:ext>
+            </a:extLst>
+          </p:cNvPr>
+          <p:cNvSpPr>
+            <a:spLocks noGrp="1"/>
+          </p:cNvSpPr>
+          <p:nvPr>
+            <p:ph type="sldNum" sz="quarter" idx="12"/>
+          </p:nvPr>
+        </p:nvSpPr>
+        <p:spPr>
+          <a:xfrm>
+            <a:off x="11003280" y="603504"/>
+            <a:ext cx="548640" cy="548640"/>
+          </a:xfrm>
+          <a:prstGeom prst="ellipse">
+            <a:avLst/>
+          </a:prstGeom>
+          <a:solidFill>
+            <a:srgbClr val="7F7F7F"/>
+          </a:solidFill>
+        </p:spPr>
+        <p:txBody>
+          <a:bodyPr anchor="ctr">
+            <a:normAutofit/>
+          </a:bodyPr>
+          <a:lstStyle/>
+          <a:p>
+            <a:pPr algn="ctr">
+              <a:spcAft>
+                <a:spcPts val="600"/>
+              </a:spcAft>
+            </a:pPr>
+            <a:fld id="{E8A62353-F7CD-46ED-8877-B27D0E33FCF8}" type="slidenum">
+              <a:rPr lang="nl-BE" sz="1500">
+                <a:solidFill>
+                  <a:srgbClr val="FFFFFF"/>
+                </a:solidFill>
+              </a:rPr>
+              <a:pPr algn="ctr">
+                <a:spcAft>
+                  <a:spcPts val="600"/>
+                </a:spcAft>
+              </a:pPr>
+              <a:t>12</a:t>
+            </a:fld>
+            <a:endParaRPr lang="nl-BE" sz="1500">
               <a:solidFill>
-                <a:prstClr val="white"/>
+                <a:srgbClr val="FFFFFF"/>
               </a:solidFill>
-              <a:effectLst/>
-              <a:uLnTx/>
-              <a:uFillTx/>
-              <a:latin typeface="Calibri" panose="020F0502020204030204"/>
-              <a:ea typeface="+mn-ea"/>
-              <a:cs typeface="+mn-cs"/>
             </a:endParaRPr>
           </a:p>
         </p:txBody>
@@ -11432,112 +11719,6 @@
           </a:extLst>
         </p:spPr>
       </p:pic>
-      <p:sp>
-        <p:nvSpPr>
-          <p:cNvPr id="5" name="Tijdelijke aanduiding voor dianummer 4">
-            <a:extLst>
-              <a:ext uri="{FF2B5EF4-FFF2-40B4-BE49-F238E27FC236}">
-                <a16:creationId xmlns:a16="http://schemas.microsoft.com/office/drawing/2014/main" id="{234BFCF8-5135-46F5-A372-592AF69DAC74}"/>
-              </a:ext>
-            </a:extLst>
-          </p:cNvPr>
-          <p:cNvSpPr>
-            <a:spLocks noGrp="1"/>
-          </p:cNvSpPr>
-          <p:nvPr>
-            <p:ph type="sldNum" sz="quarter" idx="12"/>
-          </p:nvPr>
-        </p:nvSpPr>
-        <p:spPr>
-          <a:xfrm>
-            <a:off x="11003280" y="603504"/>
-            <a:ext cx="548640" cy="548640"/>
-          </a:xfrm>
-          <a:prstGeom prst="ellipse">
-            <a:avLst/>
-          </a:prstGeom>
-          <a:solidFill>
-            <a:srgbClr val="7F7F7F"/>
-          </a:solidFill>
-        </p:spPr>
-        <p:txBody>
-          <a:bodyPr anchor="ctr">
-            <a:normAutofit/>
-          </a:bodyPr>
-          <a:lstStyle/>
-          <a:p>
-            <a:pPr algn="ctr">
-              <a:spcAft>
-                <a:spcPts val="600"/>
-              </a:spcAft>
-            </a:pPr>
-            <a:fld id="{E8A62353-F7CD-46ED-8877-B27D0E33FCF8}" type="slidenum">
-              <a:rPr lang="nl-BE" sz="1500">
-                <a:solidFill>
-                  <a:srgbClr val="FFFFFF"/>
-                </a:solidFill>
-              </a:rPr>
-              <a:pPr algn="ctr">
-                <a:spcAft>
-                  <a:spcPts val="600"/>
-                </a:spcAft>
-              </a:pPr>
-              <a:t>11</a:t>
-            </a:fld>
-            <a:endParaRPr lang="nl-BE" sz="1500">
-              <a:solidFill>
-                <a:srgbClr val="FFFFFF"/>
-              </a:solidFill>
-            </a:endParaRPr>
-          </a:p>
-        </p:txBody>
-      </p:sp>
-      <p:sp>
-        <p:nvSpPr>
-          <p:cNvPr id="4" name="Tijdelijke aanduiding voor voettekst 3">
-            <a:extLst>
-              <a:ext uri="{FF2B5EF4-FFF2-40B4-BE49-F238E27FC236}">
-                <a16:creationId xmlns:a16="http://schemas.microsoft.com/office/drawing/2014/main" id="{AF6A0876-FEC0-49D0-AF47-2646C91D2BF9}"/>
-              </a:ext>
-            </a:extLst>
-          </p:cNvPr>
-          <p:cNvSpPr>
-            <a:spLocks noGrp="1"/>
-          </p:cNvSpPr>
-          <p:nvPr>
-            <p:ph type="ftr" sz="quarter" idx="11"/>
-          </p:nvPr>
-        </p:nvSpPr>
-        <p:spPr>
-          <a:xfrm>
-            <a:off x="6746626" y="6199631"/>
-            <a:ext cx="4256653" cy="365760"/>
-          </a:xfrm>
-        </p:spPr>
-        <p:txBody>
-          <a:bodyPr>
-            <a:normAutofit/>
-          </a:bodyPr>
-          <a:lstStyle/>
-          <a:p>
-            <a:pPr algn="l">
-              <a:spcAft>
-                <a:spcPts val="600"/>
-              </a:spcAft>
-            </a:pPr>
-            <a:r>
-              <a:rPr lang="nl-BE" sz="1100">
-                <a:solidFill>
-                  <a:schemeClr val="tx1">
-                    <a:alpha val="80000"/>
-                  </a:schemeClr>
-                </a:solidFill>
-              </a:rPr>
-              <a:t>Programmeren in C#</a:t>
-            </a:r>
-          </a:p>
-        </p:txBody>
-      </p:sp>
     </p:spTree>
     <p:extLst>
       <p:ext uri="{BB962C8B-B14F-4D97-AF65-F5344CB8AC3E}">
@@ -11551,7 +11732,7 @@
 </p:sld>
 </file>
 
-<file path=ppt/slides/slide12.xml><?xml version="1.0" encoding="utf-8"?>
+<file path=ppt/slides/slide13.xml><?xml version="1.0" encoding="utf-8"?>
 <p:sld xmlns:a="http://schemas.openxmlformats.org/drawingml/2006/main" xmlns:r="http://schemas.openxmlformats.org/officeDocument/2006/relationships" xmlns:p="http://schemas.openxmlformats.org/presentationml/2006/main">
   <p:cSld>
     <p:spTree>
@@ -12047,7 +12228,7 @@
 </p:sld>
 </file>
 
-<file path=ppt/slides/slide13.xml><?xml version="1.0" encoding="utf-8"?>
+<file path=ppt/slides/slide14.xml><?xml version="1.0" encoding="utf-8"?>
 <p:sld xmlns:a="http://schemas.openxmlformats.org/drawingml/2006/main" xmlns:r="http://schemas.openxmlformats.org/officeDocument/2006/relationships" xmlns:p="http://schemas.openxmlformats.org/presentationml/2006/main">
   <p:cSld>
     <p:spTree>
@@ -12268,7 +12449,7 @@
           <a:p>
             <a:fld id="{E8A62353-F7CD-46ED-8877-B27D0E33FCF8}" type="slidenum">
               <a:rPr lang="nl-BE" smtClean="0"/>
-              <a:t>13</a:t>
+              <a:t>14</a:t>
             </a:fld>
             <a:endParaRPr lang="nl-BE"/>
           </a:p>
@@ -12278,245 +12459,6 @@
     <p:extLst>
       <p:ext uri="{BB962C8B-B14F-4D97-AF65-F5344CB8AC3E}">
         <p14:creationId xmlns:p14="http://schemas.microsoft.com/office/powerpoint/2010/main" val="1008183718"/>
-      </p:ext>
-    </p:extLst>
-  </p:cSld>
-  <p:clrMapOvr>
-    <a:masterClrMapping/>
-  </p:clrMapOvr>
-</p:sld>
-</file>
-
-<file path=ppt/slides/slide14.xml><?xml version="1.0" encoding="utf-8"?>
-<p:sld xmlns:a="http://schemas.openxmlformats.org/drawingml/2006/main" xmlns:r="http://schemas.openxmlformats.org/officeDocument/2006/relationships" xmlns:p="http://schemas.openxmlformats.org/presentationml/2006/main">
-  <p:cSld>
-    <p:bg>
-      <p:bgPr>
-        <a:solidFill>
-          <a:schemeClr val="bg1"/>
-        </a:solidFill>
-        <a:effectLst/>
-      </p:bgPr>
-    </p:bg>
-    <p:spTree>
-      <p:nvGrpSpPr>
-        <p:cNvPr id="1" name=""/>
-        <p:cNvGrpSpPr/>
-        <p:nvPr/>
-      </p:nvGrpSpPr>
-      <p:grpSpPr>
-        <a:xfrm>
-          <a:off x="0" y="0"/>
-          <a:ext cx="0" cy="0"/>
-          <a:chOff x="0" y="0"/>
-          <a:chExt cx="0" cy="0"/>
-        </a:xfrm>
-      </p:grpSpPr>
-      <p:sp>
-        <p:nvSpPr>
-          <p:cNvPr id="8" name="Rectangle 7">
-            <a:extLst>
-              <a:ext uri="{FF2B5EF4-FFF2-40B4-BE49-F238E27FC236}">
-                <a16:creationId xmlns:a16="http://schemas.microsoft.com/office/drawing/2014/main" id="{23962611-DFD5-4092-AAFD-559E3DFCE2C9}"/>
-              </a:ext>
-              <a:ext uri="{C183D7F6-B498-43B3-948B-1728B52AA6E4}">
-                <adec:decorative xmlns:adec="http://schemas.microsoft.com/office/drawing/2017/decorative" val="1"/>
-              </a:ext>
-            </a:extLst>
-          </p:cNvPr>
-          <p:cNvSpPr>
-            <a:spLocks noGrp="1" noRot="1" noChangeAspect="1" noMove="1" noResize="1" noEditPoints="1" noAdjustHandles="1" noChangeArrowheads="1" noChangeShapeType="1" noTextEdit="1"/>
-          </p:cNvSpPr>
-          <p:nvPr>
-            <p:extLst>
-              <p:ext uri="{386F3935-93C4-4BCD-93E2-E3B085C9AB24}">
-                <p16:designElem xmlns:p16="http://schemas.microsoft.com/office/powerpoint/2015/main" val="1"/>
-              </p:ext>
-            </p:extLst>
-          </p:nvPr>
-        </p:nvSpPr>
-        <p:spPr>
-          <a:xfrm>
-            <a:off x="475488" y="0"/>
-            <a:ext cx="10910292" cy="6858000"/>
-          </a:xfrm>
-          <a:prstGeom prst="rect">
-            <a:avLst/>
-          </a:prstGeom>
-          <a:gradFill>
-            <a:gsLst>
-              <a:gs pos="0">
-                <a:schemeClr val="accent1">
-                  <a:lumMod val="90000"/>
-                </a:schemeClr>
-              </a:gs>
-              <a:gs pos="25000">
-                <a:schemeClr val="accent1">
-                  <a:lumMod val="90000"/>
-                </a:schemeClr>
-              </a:gs>
-              <a:gs pos="94000">
-                <a:schemeClr val="bg2">
-                  <a:lumMod val="25000"/>
-                </a:schemeClr>
-              </a:gs>
-              <a:gs pos="100000">
-                <a:schemeClr val="bg2">
-                  <a:lumMod val="25000"/>
-                </a:schemeClr>
-              </a:gs>
-            </a:gsLst>
-            <a:lin ang="4200000" scaled="0"/>
-          </a:gradFill>
-          <a:ln>
-            <a:noFill/>
-          </a:ln>
-        </p:spPr>
-        <p:style>
-          <a:lnRef idx="2">
-            <a:schemeClr val="accent1">
-              <a:shade val="50000"/>
-            </a:schemeClr>
-          </a:lnRef>
-          <a:fillRef idx="1">
-            <a:schemeClr val="accent1"/>
-          </a:fillRef>
-          <a:effectRef idx="0">
-            <a:schemeClr val="accent1"/>
-          </a:effectRef>
-          <a:fontRef idx="minor">
-            <a:schemeClr val="lt1"/>
-          </a:fontRef>
-        </p:style>
-        <p:txBody>
-          <a:bodyPr rtlCol="0" anchor="ctr"/>
-          <a:lstStyle/>
-          <a:p>
-            <a:pPr algn="ctr"/>
-            <a:endParaRPr lang="en-US"/>
-          </a:p>
-        </p:txBody>
-      </p:sp>
-      <p:sp>
-        <p:nvSpPr>
-          <p:cNvPr id="2" name="Titel 1"/>
-          <p:cNvSpPr>
-            <a:spLocks noGrp="1"/>
-          </p:cNvSpPr>
-          <p:nvPr>
-            <p:ph type="title"/>
-          </p:nvPr>
-        </p:nvSpPr>
-        <p:spPr>
-          <a:xfrm>
-            <a:off x="3045368" y="2043663"/>
-            <a:ext cx="6105194" cy="2031055"/>
-          </a:xfrm>
-        </p:spPr>
-        <p:txBody>
-          <a:bodyPr vert="horz" lIns="91440" tIns="45720" rIns="91440" bIns="45720" rtlCol="0" anchor="b">
-            <a:normAutofit/>
-          </a:bodyPr>
-          <a:lstStyle/>
-          <a:p>
-            <a:pPr algn="ctr"/>
-            <a:r>
-              <a:rPr lang="en-US" kern="1200">
-                <a:solidFill>
-                  <a:srgbClr val="FFFFFF"/>
-                </a:solidFill>
-                <a:latin typeface="+mj-lt"/>
-                <a:ea typeface="+mj-ea"/>
-                <a:cs typeface="+mj-cs"/>
-              </a:rPr>
-              <a:t>Const</a:t>
-            </a:r>
-          </a:p>
-        </p:txBody>
-      </p:sp>
-      <p:sp>
-        <p:nvSpPr>
-          <p:cNvPr id="3" name="Tijdelijke aanduiding voor tekst 2"/>
-          <p:cNvSpPr>
-            <a:spLocks noGrp="1"/>
-          </p:cNvSpPr>
-          <p:nvPr>
-            <p:ph type="body" idx="1"/>
-          </p:nvPr>
-        </p:nvSpPr>
-        <p:spPr>
-          <a:xfrm>
-            <a:off x="3045368" y="4074718"/>
-            <a:ext cx="6105194" cy="682079"/>
-          </a:xfrm>
-        </p:spPr>
-        <p:txBody>
-          <a:bodyPr vert="horz" lIns="91440" tIns="45720" rIns="91440" bIns="45720" rtlCol="0">
-            <a:normAutofit/>
-          </a:bodyPr>
-          <a:lstStyle/>
-          <a:p>
-            <a:pPr algn="ctr"/>
-            <a:endParaRPr lang="en-US" sz="2400" kern="1200">
-              <a:solidFill>
-                <a:srgbClr val="FFFFFF"/>
-              </a:solidFill>
-              <a:latin typeface="+mn-lt"/>
-              <a:ea typeface="+mn-ea"/>
-              <a:cs typeface="+mn-cs"/>
-            </a:endParaRPr>
-          </a:p>
-        </p:txBody>
-      </p:sp>
-      <p:pic>
-        <p:nvPicPr>
-          <p:cNvPr id="10" name="Picture 9">
-            <a:extLst>
-              <a:ext uri="{FF2B5EF4-FFF2-40B4-BE49-F238E27FC236}">
-                <a16:creationId xmlns:a16="http://schemas.microsoft.com/office/drawing/2014/main" id="{2270F1FA-0425-408F-9861-80BF5AFB276D}"/>
-              </a:ext>
-              <a:ext uri="{C183D7F6-B498-43B3-948B-1728B52AA6E4}">
-                <adec:decorative xmlns:adec="http://schemas.microsoft.com/office/drawing/2017/decorative" val="1"/>
-              </a:ext>
-            </a:extLst>
-          </p:cNvPr>
-          <p:cNvPicPr>
-            <a:picLocks noGrp="1" noRot="1" noChangeAspect="1" noMove="1" noResize="1" noEditPoints="1" noAdjustHandles="1" noChangeArrowheads="1" noChangeShapeType="1" noCrop="1"/>
-          </p:cNvPicPr>
-          <p:nvPr>
-            <p:extLst>
-              <p:ext uri="{386F3935-93C4-4BCD-93E2-E3B085C9AB24}">
-                <p16:designElem xmlns:p16="http://schemas.microsoft.com/office/powerpoint/2015/main" val="1"/>
-              </p:ext>
-            </p:extLst>
-          </p:nvPr>
-        </p:nvPicPr>
-        <p:blipFill>
-          <a:blip r:embed="rId2">
-            <a:extLst>
-              <a:ext uri="{28A0092B-C50C-407E-A947-70E740481C1C}">
-                <a14:useLocalDpi xmlns:a14="http://schemas.microsoft.com/office/drawing/2010/main" val="0"/>
-              </a:ext>
-            </a:extLst>
-          </a:blip>
-          <a:stretch>
-            <a:fillRect/>
-          </a:stretch>
-        </p:blipFill>
-        <p:spPr>
-          <a:xfrm>
-            <a:off x="0" y="0"/>
-            <a:ext cx="12192000" cy="6858000"/>
-          </a:xfrm>
-          <a:prstGeom prst="rect">
-            <a:avLst/>
-          </a:prstGeom>
-        </p:spPr>
-      </p:pic>
-    </p:spTree>
-    <p:extLst>
-      <p:ext uri="{BB962C8B-B14F-4D97-AF65-F5344CB8AC3E}">
-        <p14:creationId xmlns:p14="http://schemas.microsoft.com/office/powerpoint/2010/main" val="1243100677"/>
       </p:ext>
     </p:extLst>
   </p:cSld>
@@ -12553,72 +12495,7 @@
       </p:grpSpPr>
       <p:sp>
         <p:nvSpPr>
-          <p:cNvPr id="72" name="Rectangle 71">
-            <a:extLst>
-              <a:ext uri="{FF2B5EF4-FFF2-40B4-BE49-F238E27FC236}">
-                <a16:creationId xmlns:a16="http://schemas.microsoft.com/office/drawing/2014/main" id="{8D70B121-56F4-4848-B38B-182089D909FA}"/>
-              </a:ext>
-              <a:ext uri="{C183D7F6-B498-43B3-948B-1728B52AA6E4}">
-                <adec:decorative xmlns:adec="http://schemas.microsoft.com/office/drawing/2017/decorative" val="1"/>
-              </a:ext>
-            </a:extLst>
-          </p:cNvPr>
-          <p:cNvSpPr>
-            <a:spLocks noGrp="1" noRot="1" noChangeAspect="1" noMove="1" noResize="1" noEditPoints="1" noAdjustHandles="1" noChangeArrowheads="1" noChangeShapeType="1" noTextEdit="1"/>
-          </p:cNvSpPr>
-          <p:nvPr>
-            <p:extLst>
-              <p:ext uri="{386F3935-93C4-4BCD-93E2-E3B085C9AB24}">
-                <p16:designElem xmlns:p16="http://schemas.microsoft.com/office/powerpoint/2015/main" val="1"/>
-              </p:ext>
-            </p:extLst>
-          </p:nvPr>
-        </p:nvSpPr>
-        <p:spPr bwMode="ltGray">
-          <a:xfrm>
-            <a:off x="321564" y="320040"/>
-            <a:ext cx="11548872" cy="6217920"/>
-          </a:xfrm>
-          <a:prstGeom prst="rect">
-            <a:avLst/>
-          </a:prstGeom>
-          <a:solidFill>
-            <a:schemeClr val="tx1">
-              <a:alpha val="8000"/>
-            </a:schemeClr>
-          </a:solidFill>
-          <a:ln w="127000" cap="sq" cmpd="thinThick">
-            <a:noFill/>
-          </a:ln>
-        </p:spPr>
-        <p:style>
-          <a:lnRef idx="2">
-            <a:schemeClr val="accent1">
-              <a:shade val="50000"/>
-            </a:schemeClr>
-          </a:lnRef>
-          <a:fillRef idx="1">
-            <a:schemeClr val="accent1"/>
-          </a:fillRef>
-          <a:effectRef idx="0">
-            <a:schemeClr val="accent1"/>
-          </a:effectRef>
-          <a:fontRef idx="minor">
-            <a:schemeClr val="lt1"/>
-          </a:fontRef>
-        </p:style>
-        <p:txBody>
-          <a:bodyPr rtlCol="0" anchor="ctr"/>
-          <a:lstStyle/>
-          <a:p>
-            <a:pPr algn="ctr"/>
-            <a:endParaRPr lang="en-US"/>
-          </a:p>
-        </p:txBody>
-      </p:sp>
-      <p:sp>
-        <p:nvSpPr>
-          <p:cNvPr id="194562" name="Titel 1"/>
+          <p:cNvPr id="2" name="Titel 1"/>
           <p:cNvSpPr>
             <a:spLocks noGrp="1"/>
           </p:cNvSpPr>
@@ -12628,258 +12505,69 @@
         </p:nvSpPr>
         <p:spPr>
           <a:xfrm>
-            <a:off x="838200" y="963877"/>
-            <a:ext cx="3494362" cy="4930246"/>
+            <a:off x="3045368" y="2043663"/>
+            <a:ext cx="6105194" cy="2031055"/>
           </a:xfrm>
         </p:spPr>
         <p:txBody>
-          <a:bodyPr>
+          <a:bodyPr vert="horz" lIns="91440" tIns="45720" rIns="91440" bIns="45720" rtlCol="0" anchor="b">
             <a:normAutofit/>
           </a:bodyPr>
           <a:lstStyle/>
           <a:p>
-            <a:pPr algn="r"/>
-            <a:r>
-              <a:rPr lang="en-IE">
+            <a:pPr algn="ctr"/>
+            <a:r>
+              <a:rPr lang="en-US" kern="1200">
                 <a:solidFill>
-                  <a:schemeClr val="accent1"/>
+                  <a:srgbClr val="FFFFFF"/>
                 </a:solidFill>
+                <a:latin typeface="+mj-lt"/>
+                <a:ea typeface="+mj-ea"/>
+                <a:cs typeface="+mj-cs"/>
               </a:rPr>
-              <a:t>Magic numbers en const</a:t>
+              <a:t>Const</a:t>
             </a:r>
           </a:p>
         </p:txBody>
       </p:sp>
-      <p:cxnSp>
-        <p:nvCxnSpPr>
-          <p:cNvPr id="74" name="Straight Connector 73">
-            <a:extLst>
-              <a:ext uri="{FF2B5EF4-FFF2-40B4-BE49-F238E27FC236}">
-                <a16:creationId xmlns:a16="http://schemas.microsoft.com/office/drawing/2014/main" id="{2D72A2C9-F3CA-4216-8BAD-FA4C970C3C4E}"/>
-              </a:ext>
-              <a:ext uri="{C183D7F6-B498-43B3-948B-1728B52AA6E4}">
-                <adec:decorative xmlns:adec="http://schemas.microsoft.com/office/drawing/2017/decorative" val="1"/>
-              </a:ext>
-            </a:extLst>
-          </p:cNvPr>
-          <p:cNvCxnSpPr>
-            <a:cxnSpLocks noGrp="1" noRot="1" noChangeAspect="1" noMove="1" noResize="1" noEditPoints="1" noAdjustHandles="1" noChangeArrowheads="1" noChangeShapeType="1"/>
-          </p:cNvCxnSpPr>
-          <p:nvPr>
-            <p:extLst>
-              <p:ext uri="{386F3935-93C4-4BCD-93E2-E3B085C9AB24}">
-                <p16:designElem xmlns:p16="http://schemas.microsoft.com/office/powerpoint/2015/main" val="1"/>
-              </p:ext>
-            </p:extLst>
-          </p:nvPr>
-        </p:nvCxnSpPr>
-        <p:spPr>
-          <a:xfrm>
-            <a:off x="4654296" y="2057400"/>
-            <a:ext cx="0" cy="2743200"/>
-          </a:xfrm>
-          <a:prstGeom prst="line">
-            <a:avLst/>
-          </a:prstGeom>
-          <a:ln w="19050">
-            <a:solidFill>
-              <a:schemeClr val="tx1">
-                <a:lumMod val="85000"/>
-                <a:lumOff val="15000"/>
-              </a:schemeClr>
-            </a:solidFill>
-          </a:ln>
-        </p:spPr>
-        <p:style>
-          <a:lnRef idx="1">
-            <a:schemeClr val="accent1"/>
-          </a:lnRef>
-          <a:fillRef idx="0">
-            <a:schemeClr val="accent1"/>
-          </a:fillRef>
-          <a:effectRef idx="0">
-            <a:schemeClr val="accent1"/>
-          </a:effectRef>
-          <a:fontRef idx="minor">
-            <a:schemeClr val="tx1"/>
-          </a:fontRef>
-        </p:style>
-      </p:cxnSp>
       <p:sp>
         <p:nvSpPr>
-          <p:cNvPr id="194563" name="Tijdelijke aanduiding voor inhoud 2"/>
+          <p:cNvPr id="3" name="Tijdelijke aanduiding voor tekst 2"/>
           <p:cNvSpPr>
             <a:spLocks noGrp="1"/>
           </p:cNvSpPr>
           <p:nvPr>
-            <p:ph idx="1"/>
+            <p:ph type="body" idx="1"/>
           </p:nvPr>
         </p:nvSpPr>
         <p:spPr>
           <a:xfrm>
-            <a:off x="4976031" y="963877"/>
-            <a:ext cx="6377769" cy="4930246"/>
+            <a:off x="3045368" y="4074718"/>
+            <a:ext cx="6105194" cy="682079"/>
           </a:xfrm>
         </p:spPr>
         <p:txBody>
-          <a:bodyPr anchor="ctr">
+          <a:bodyPr vert="horz" lIns="91440" tIns="45720" rIns="91440" bIns="45720" rtlCol="0">
             <a:normAutofit/>
           </a:bodyPr>
           <a:lstStyle/>
           <a:p>
-            <a:r>
-              <a:rPr lang="en-IE" sz="2400" dirty="0" err="1"/>
-              <a:t>const</a:t>
-            </a:r>
-            <a:r>
-              <a:rPr lang="en-IE" sz="2400" dirty="0"/>
-              <a:t> (constant) </a:t>
-            </a:r>
-            <a:r>
-              <a:rPr lang="en-IE" sz="2400" dirty="0" err="1"/>
-              <a:t>voor</a:t>
-            </a:r>
-            <a:r>
-              <a:rPr lang="en-IE" sz="2400" dirty="0"/>
-              <a:t> </a:t>
-            </a:r>
-            <a:r>
-              <a:rPr lang="en-IE" sz="2400" dirty="0" err="1"/>
-              <a:t>variabele</a:t>
-            </a:r>
-            <a:r>
-              <a:rPr lang="en-IE" sz="2400" dirty="0"/>
-              <a:t> </a:t>
-            </a:r>
-            <a:r>
-              <a:rPr lang="en-IE" sz="2400" dirty="0" err="1"/>
-              <a:t>declaratie</a:t>
-            </a:r>
-            <a:r>
-              <a:rPr lang="en-IE" sz="2400" dirty="0"/>
-              <a:t> </a:t>
-            </a:r>
-            <a:r>
-              <a:rPr lang="en-IE" sz="2400" dirty="0" err="1"/>
-              <a:t>geeft</a:t>
-            </a:r>
-            <a:r>
-              <a:rPr lang="en-IE" sz="2400" dirty="0"/>
-              <a:t> </a:t>
-            </a:r>
-            <a:r>
-              <a:rPr lang="en-IE" sz="2400" dirty="0" err="1"/>
-              <a:t>aan</a:t>
-            </a:r>
-            <a:r>
-              <a:rPr lang="en-IE" sz="2400" dirty="0"/>
-              <a:t> </a:t>
-            </a:r>
-            <a:r>
-              <a:rPr lang="en-IE" sz="2400" dirty="0" err="1"/>
-              <a:t>dat</a:t>
-            </a:r>
-            <a:r>
-              <a:rPr lang="en-IE" sz="2400" dirty="0"/>
-              <a:t> </a:t>
-            </a:r>
-            <a:r>
-              <a:rPr lang="en-IE" sz="2400" dirty="0" err="1"/>
-              <a:t>deze</a:t>
-            </a:r>
-            <a:r>
-              <a:rPr lang="en-IE" sz="2400" dirty="0"/>
-              <a:t> </a:t>
-            </a:r>
-            <a:r>
-              <a:rPr lang="en-IE" sz="2400" dirty="0" err="1"/>
-              <a:t>variabele</a:t>
-            </a:r>
-            <a:r>
-              <a:rPr lang="en-IE" sz="2400" dirty="0"/>
-              <a:t> </a:t>
-            </a:r>
-            <a:r>
-              <a:rPr lang="en-IE" sz="2400" dirty="0" err="1"/>
-              <a:t>niet</a:t>
-            </a:r>
-            <a:r>
-              <a:rPr lang="en-IE" sz="2400" dirty="0"/>
-              <a:t> </a:t>
-            </a:r>
-            <a:r>
-              <a:rPr lang="en-IE" sz="2400" dirty="0" err="1"/>
-              <a:t>aangepast</a:t>
-            </a:r>
-            <a:r>
-              <a:rPr lang="en-IE" sz="2400" dirty="0"/>
-              <a:t> </a:t>
-            </a:r>
-            <a:r>
-              <a:rPr lang="en-IE" sz="2400" dirty="0" err="1"/>
-              <a:t>kan</a:t>
-            </a:r>
-            <a:r>
-              <a:rPr lang="en-IE" sz="2400" dirty="0"/>
-              <a:t> </a:t>
-            </a:r>
-            <a:r>
-              <a:rPr lang="en-IE" sz="2400" dirty="0" err="1"/>
-              <a:t>worden</a:t>
-            </a:r>
-            <a:endParaRPr lang="en-IE" sz="2400" dirty="0"/>
-          </a:p>
-          <a:p>
-            <a:endParaRPr lang="en-IE" sz="2400" dirty="0"/>
-          </a:p>
-          <a:p>
-            <a:pPr lvl="1"/>
-            <a:r>
-              <a:rPr lang="en-IE" dirty="0" err="1"/>
-              <a:t>Bv</a:t>
-            </a:r>
-            <a:r>
-              <a:rPr lang="en-IE" dirty="0"/>
-              <a:t>:  </a:t>
-            </a:r>
-            <a:r>
-              <a:rPr lang="en-IE" dirty="0" err="1">
-                <a:latin typeface="Courier New" panose="02070309020205020404" pitchFamily="49" charset="0"/>
-                <a:cs typeface="Courier New" panose="02070309020205020404" pitchFamily="49" charset="0"/>
-              </a:rPr>
-              <a:t>const</a:t>
-            </a:r>
-            <a:r>
-              <a:rPr lang="en-IE" dirty="0">
-                <a:latin typeface="Courier New" panose="02070309020205020404" pitchFamily="49" charset="0"/>
-                <a:cs typeface="Courier New" panose="02070309020205020404" pitchFamily="49" charset="0"/>
-              </a:rPr>
-              <a:t> double </a:t>
-            </a:r>
-            <a:r>
-              <a:rPr lang="en-IE" dirty="0" err="1">
-                <a:latin typeface="Courier New" panose="02070309020205020404" pitchFamily="49" charset="0"/>
-                <a:cs typeface="Courier New" panose="02070309020205020404" pitchFamily="49" charset="0"/>
-              </a:rPr>
-              <a:t>maxTemp</a:t>
-            </a:r>
-            <a:r>
-              <a:rPr lang="en-IE" dirty="0">
-                <a:latin typeface="Courier New" panose="02070309020205020404" pitchFamily="49" charset="0"/>
-                <a:cs typeface="Courier New" panose="02070309020205020404" pitchFamily="49" charset="0"/>
-              </a:rPr>
-              <a:t>= 100.5;</a:t>
-            </a:r>
-          </a:p>
-          <a:p>
-            <a:endParaRPr lang="en-IE" sz="2400" dirty="0"/>
+            <a:pPr algn="ctr"/>
+            <a:endParaRPr lang="en-US" sz="2400" kern="1200">
+              <a:solidFill>
+                <a:srgbClr val="FFFFFF"/>
+              </a:solidFill>
+              <a:latin typeface="+mn-lt"/>
+              <a:ea typeface="+mn-ea"/>
+              <a:cs typeface="+mn-cs"/>
+            </a:endParaRPr>
           </a:p>
         </p:txBody>
       </p:sp>
     </p:spTree>
     <p:extLst>
       <p:ext uri="{BB962C8B-B14F-4D97-AF65-F5344CB8AC3E}">
-        <p14:creationId xmlns:p14="http://schemas.microsoft.com/office/powerpoint/2010/main" val="1868367317"/>
+        <p14:creationId xmlns:p14="http://schemas.microsoft.com/office/powerpoint/2010/main" val="1243100677"/>
       </p:ext>
     </p:extLst>
   </p:cSld>
@@ -12916,67 +12604,247 @@
       </p:grpSpPr>
       <p:sp>
         <p:nvSpPr>
-          <p:cNvPr id="75" name="Rectangle 74">
-            <a:extLst>
-              <a:ext uri="{FF2B5EF4-FFF2-40B4-BE49-F238E27FC236}">
-                <a16:creationId xmlns:a16="http://schemas.microsoft.com/office/drawing/2014/main" id="{A4AC5506-6312-4701-8D3C-40187889A947}"/>
-              </a:ext>
-              <a:ext uri="{C183D7F6-B498-43B3-948B-1728B52AA6E4}">
-                <adec:decorative xmlns:adec="http://schemas.microsoft.com/office/drawing/2017/decorative" val="1"/>
-              </a:ext>
-            </a:extLst>
-          </p:cNvPr>
+          <p:cNvPr id="194562" name="Titel 1"/>
           <p:cNvSpPr>
-            <a:spLocks noGrp="1" noRot="1" noChangeAspect="1" noMove="1" noResize="1" noEditPoints="1" noAdjustHandles="1" noChangeArrowheads="1" noChangeShapeType="1" noTextEdit="1"/>
+            <a:spLocks noGrp="1"/>
           </p:cNvSpPr>
           <p:nvPr>
-            <p:extLst>
-              <p:ext uri="{386F3935-93C4-4BCD-93E2-E3B085C9AB24}">
-                <p16:designElem xmlns:p16="http://schemas.microsoft.com/office/powerpoint/2015/main" val="1"/>
-              </p:ext>
-            </p:extLst>
+            <p:ph type="title"/>
           </p:nvPr>
         </p:nvSpPr>
         <p:spPr>
           <a:xfrm>
-            <a:off x="0" y="651752"/>
-            <a:ext cx="12192000" cy="736551"/>
+            <a:off x="838200" y="963877"/>
+            <a:ext cx="3494362" cy="4930246"/>
           </a:xfrm>
-          <a:prstGeom prst="rect">
-            <a:avLst/>
-          </a:prstGeom>
-          <a:solidFill>
-            <a:schemeClr val="tx1"/>
-          </a:solidFill>
-          <a:ln>
-            <a:noFill/>
-          </a:ln>
         </p:spPr>
-        <p:style>
-          <a:lnRef idx="2">
-            <a:schemeClr val="accent1">
-              <a:shade val="50000"/>
-            </a:schemeClr>
-          </a:lnRef>
-          <a:fillRef idx="1">
-            <a:schemeClr val="accent1"/>
-          </a:fillRef>
-          <a:effectRef idx="0">
-            <a:schemeClr val="accent1"/>
-          </a:effectRef>
-          <a:fontRef idx="minor">
-            <a:schemeClr val="lt1"/>
-          </a:fontRef>
-        </p:style>
         <p:txBody>
-          <a:bodyPr rtlCol="0" anchor="ctr"/>
+          <a:bodyPr>
+            <a:normAutofit/>
+          </a:bodyPr>
           <a:lstStyle/>
           <a:p>
-            <a:pPr algn="ctr"/>
-            <a:endParaRPr lang="en-US"/>
+            <a:pPr algn="r"/>
+            <a:r>
+              <a:rPr lang="en-IE">
+                <a:solidFill>
+                  <a:schemeClr val="accent1"/>
+                </a:solidFill>
+              </a:rPr>
+              <a:t>Magic numbers en const</a:t>
+            </a:r>
           </a:p>
         </p:txBody>
       </p:sp>
+      <p:sp>
+        <p:nvSpPr>
+          <p:cNvPr id="194563" name="Tijdelijke aanduiding voor inhoud 2"/>
+          <p:cNvSpPr>
+            <a:spLocks noGrp="1"/>
+          </p:cNvSpPr>
+          <p:nvPr>
+            <p:ph idx="1"/>
+          </p:nvPr>
+        </p:nvSpPr>
+        <p:spPr>
+          <a:xfrm>
+            <a:off x="4976031" y="963877"/>
+            <a:ext cx="6377769" cy="4930246"/>
+          </a:xfrm>
+        </p:spPr>
+        <p:txBody>
+          <a:bodyPr anchor="ctr">
+            <a:normAutofit/>
+          </a:bodyPr>
+          <a:lstStyle/>
+          <a:p>
+            <a:r>
+              <a:rPr lang="en-IE" sz="2400" dirty="0" err="1"/>
+              <a:t>const</a:t>
+            </a:r>
+            <a:r>
+              <a:rPr lang="en-IE" sz="2400" dirty="0"/>
+              <a:t> (constant) </a:t>
+            </a:r>
+            <a:r>
+              <a:rPr lang="en-IE" sz="2400" dirty="0" err="1"/>
+              <a:t>voor</a:t>
+            </a:r>
+            <a:r>
+              <a:rPr lang="en-IE" sz="2400" dirty="0"/>
+              <a:t> </a:t>
+            </a:r>
+            <a:r>
+              <a:rPr lang="en-IE" sz="2400" dirty="0" err="1"/>
+              <a:t>variabele</a:t>
+            </a:r>
+            <a:r>
+              <a:rPr lang="en-IE" sz="2400" dirty="0"/>
+              <a:t> </a:t>
+            </a:r>
+            <a:r>
+              <a:rPr lang="en-IE" sz="2400" dirty="0" err="1"/>
+              <a:t>declaratie</a:t>
+            </a:r>
+            <a:r>
+              <a:rPr lang="en-IE" sz="2400" dirty="0"/>
+              <a:t> </a:t>
+            </a:r>
+            <a:r>
+              <a:rPr lang="en-IE" sz="2400" dirty="0" err="1"/>
+              <a:t>geeft</a:t>
+            </a:r>
+            <a:r>
+              <a:rPr lang="en-IE" sz="2400" dirty="0"/>
+              <a:t> </a:t>
+            </a:r>
+            <a:r>
+              <a:rPr lang="en-IE" sz="2400" dirty="0" err="1"/>
+              <a:t>aan</a:t>
+            </a:r>
+            <a:r>
+              <a:rPr lang="en-IE" sz="2400" dirty="0"/>
+              <a:t> </a:t>
+            </a:r>
+            <a:r>
+              <a:rPr lang="en-IE" sz="2400" dirty="0" err="1"/>
+              <a:t>dat</a:t>
+            </a:r>
+            <a:r>
+              <a:rPr lang="en-IE" sz="2400" dirty="0"/>
+              <a:t> </a:t>
+            </a:r>
+            <a:r>
+              <a:rPr lang="en-IE" sz="2400" dirty="0" err="1"/>
+              <a:t>deze</a:t>
+            </a:r>
+            <a:r>
+              <a:rPr lang="en-IE" sz="2400" dirty="0"/>
+              <a:t> </a:t>
+            </a:r>
+            <a:r>
+              <a:rPr lang="en-IE" sz="2400" dirty="0" err="1"/>
+              <a:t>variabele</a:t>
+            </a:r>
+            <a:r>
+              <a:rPr lang="en-IE" sz="2400" dirty="0"/>
+              <a:t> </a:t>
+            </a:r>
+            <a:r>
+              <a:rPr lang="en-IE" sz="2400" dirty="0" err="1"/>
+              <a:t>niet</a:t>
+            </a:r>
+            <a:r>
+              <a:rPr lang="en-IE" sz="2400" dirty="0"/>
+              <a:t> </a:t>
+            </a:r>
+            <a:r>
+              <a:rPr lang="en-IE" sz="2400" dirty="0" err="1"/>
+              <a:t>aangepast</a:t>
+            </a:r>
+            <a:r>
+              <a:rPr lang="en-IE" sz="2400" dirty="0"/>
+              <a:t> </a:t>
+            </a:r>
+            <a:r>
+              <a:rPr lang="en-IE" sz="2400" dirty="0" err="1"/>
+              <a:t>kan</a:t>
+            </a:r>
+            <a:r>
+              <a:rPr lang="en-IE" sz="2400" dirty="0"/>
+              <a:t> </a:t>
+            </a:r>
+            <a:r>
+              <a:rPr lang="en-IE" sz="2400" dirty="0" err="1"/>
+              <a:t>worden</a:t>
+            </a:r>
+            <a:endParaRPr lang="en-IE" sz="2400" dirty="0"/>
+          </a:p>
+          <a:p>
+            <a:endParaRPr lang="en-IE" sz="2400" dirty="0"/>
+          </a:p>
+          <a:p>
+            <a:pPr lvl="1"/>
+            <a:r>
+              <a:rPr lang="en-IE" dirty="0" err="1"/>
+              <a:t>Bv</a:t>
+            </a:r>
+            <a:r>
+              <a:rPr lang="en-IE" dirty="0"/>
+              <a:t>:  </a:t>
+            </a:r>
+            <a:r>
+              <a:rPr lang="en-IE" dirty="0" err="1">
+                <a:latin typeface="Courier New" panose="02070309020205020404" pitchFamily="49" charset="0"/>
+                <a:cs typeface="Courier New" panose="02070309020205020404" pitchFamily="49" charset="0"/>
+              </a:rPr>
+              <a:t>const</a:t>
+            </a:r>
+            <a:r>
+              <a:rPr lang="en-IE" dirty="0">
+                <a:latin typeface="Courier New" panose="02070309020205020404" pitchFamily="49" charset="0"/>
+                <a:cs typeface="Courier New" panose="02070309020205020404" pitchFamily="49" charset="0"/>
+              </a:rPr>
+              <a:t> double </a:t>
+            </a:r>
+            <a:r>
+              <a:rPr lang="en-IE" dirty="0" err="1">
+                <a:latin typeface="Courier New" panose="02070309020205020404" pitchFamily="49" charset="0"/>
+                <a:cs typeface="Courier New" panose="02070309020205020404" pitchFamily="49" charset="0"/>
+              </a:rPr>
+              <a:t>maxTemp</a:t>
+            </a:r>
+            <a:r>
+              <a:rPr lang="en-IE" dirty="0">
+                <a:latin typeface="Courier New" panose="02070309020205020404" pitchFamily="49" charset="0"/>
+                <a:cs typeface="Courier New" panose="02070309020205020404" pitchFamily="49" charset="0"/>
+              </a:rPr>
+              <a:t>= 100.5;</a:t>
+            </a:r>
+          </a:p>
+          <a:p>
+            <a:endParaRPr lang="en-IE" sz="2400" dirty="0"/>
+          </a:p>
+        </p:txBody>
+      </p:sp>
+    </p:spTree>
+    <p:extLst>
+      <p:ext uri="{BB962C8B-B14F-4D97-AF65-F5344CB8AC3E}">
+        <p14:creationId xmlns:p14="http://schemas.microsoft.com/office/powerpoint/2010/main" val="1868367317"/>
+      </p:ext>
+    </p:extLst>
+  </p:cSld>
+  <p:clrMapOvr>
+    <a:masterClrMapping/>
+  </p:clrMapOvr>
+</p:sld>
+</file>
+
+<file path=ppt/slides/slide17.xml><?xml version="1.0" encoding="utf-8"?>
+<p:sld xmlns:a="http://schemas.openxmlformats.org/drawingml/2006/main" xmlns:r="http://schemas.openxmlformats.org/officeDocument/2006/relationships" xmlns:p="http://schemas.openxmlformats.org/presentationml/2006/main">
+  <p:cSld>
+    <p:bg>
+      <p:bgPr>
+        <a:solidFill>
+          <a:schemeClr val="bg1"/>
+        </a:solidFill>
+        <a:effectLst/>
+      </p:bgPr>
+    </p:bg>
+    <p:spTree>
+      <p:nvGrpSpPr>
+        <p:cNvPr id="1" name=""/>
+        <p:cNvGrpSpPr/>
+        <p:nvPr/>
+      </p:nvGrpSpPr>
+      <p:grpSpPr>
+        <a:xfrm>
+          <a:off x="0" y="0"/>
+          <a:ext cx="0" cy="0"/>
+          <a:chOff x="0" y="0"/>
+          <a:chExt cx="0" cy="0"/>
+        </a:xfrm>
+      </p:grpSpPr>
       <p:sp>
         <p:nvSpPr>
           <p:cNvPr id="195586" name="Titel 1"/>
@@ -13078,7 +12946,7 @@
 </p:sld>
 </file>
 
-<file path=ppt/slides/slide17.xml><?xml version="1.0" encoding="utf-8"?>
+<file path=ppt/slides/slide18.xml><?xml version="1.0" encoding="utf-8"?>
 <p:sld xmlns:a="http://schemas.openxmlformats.org/drawingml/2006/main" xmlns:r="http://schemas.openxmlformats.org/officeDocument/2006/relationships" xmlns:p="http://schemas.openxmlformats.org/presentationml/2006/main">
   <p:cSld>
     <p:spTree>
@@ -13216,6 +13084,159 @@
 <file path=ppt/slides/slide2.xml><?xml version="1.0" encoding="utf-8"?>
 <p:sld xmlns:a="http://schemas.openxmlformats.org/drawingml/2006/main" xmlns:r="http://schemas.openxmlformats.org/officeDocument/2006/relationships" xmlns:p="http://schemas.openxmlformats.org/presentationml/2006/main">
   <p:cSld>
+    <p:spTree>
+      <p:nvGrpSpPr>
+        <p:cNvPr id="1" name=""/>
+        <p:cNvGrpSpPr/>
+        <p:nvPr/>
+      </p:nvGrpSpPr>
+      <p:grpSpPr>
+        <a:xfrm>
+          <a:off x="0" y="0"/>
+          <a:ext cx="0" cy="0"/>
+          <a:chOff x="0" y="0"/>
+          <a:chExt cx="0" cy="0"/>
+        </a:xfrm>
+      </p:grpSpPr>
+      <p:sp>
+        <p:nvSpPr>
+          <p:cNvPr id="2" name="Titel 1">
+            <a:extLst>
+              <a:ext uri="{FF2B5EF4-FFF2-40B4-BE49-F238E27FC236}">
+                <a16:creationId xmlns:a16="http://schemas.microsoft.com/office/drawing/2014/main" id="{61CF2039-A9C9-445F-8077-426C5E637071}"/>
+              </a:ext>
+            </a:extLst>
+          </p:cNvPr>
+          <p:cNvSpPr>
+            <a:spLocks noGrp="1"/>
+          </p:cNvSpPr>
+          <p:nvPr>
+            <p:ph type="ctrTitle"/>
+          </p:nvPr>
+        </p:nvSpPr>
+        <p:spPr>
+          <a:xfrm>
+            <a:off x="1631504" y="894528"/>
+            <a:ext cx="9144000" cy="2387600"/>
+          </a:xfrm>
+        </p:spPr>
+        <p:txBody>
+          <a:bodyPr/>
+          <a:lstStyle/>
+          <a:p>
+            <a:r>
+              <a:rPr lang="nl-BE" dirty="0"/>
+              <a:t>4. Expressies en operatoren</a:t>
+            </a:r>
+          </a:p>
+        </p:txBody>
+      </p:sp>
+      <p:sp>
+        <p:nvSpPr>
+          <p:cNvPr id="3" name="Ondertitel 2">
+            <a:extLst>
+              <a:ext uri="{FF2B5EF4-FFF2-40B4-BE49-F238E27FC236}">
+                <a16:creationId xmlns:a16="http://schemas.microsoft.com/office/drawing/2014/main" id="{1734D357-770A-44C0-9698-18878C91D262}"/>
+              </a:ext>
+            </a:extLst>
+          </p:cNvPr>
+          <p:cNvSpPr>
+            <a:spLocks noGrp="1"/>
+          </p:cNvSpPr>
+          <p:nvPr>
+            <p:ph type="subTitle" idx="1"/>
+          </p:nvPr>
+        </p:nvSpPr>
+        <p:spPr/>
+        <p:txBody>
+          <a:bodyPr/>
+          <a:lstStyle/>
+          <a:p>
+            <a:r>
+              <a:rPr lang="nl-BE" dirty="0"/>
+              <a:t>H1. </a:t>
+            </a:r>
+            <a:r>
+              <a:rPr lang="nl-BE"/>
+              <a:t>De basisconcepten van C#</a:t>
+            </a:r>
+          </a:p>
+        </p:txBody>
+      </p:sp>
+      <p:sp>
+        <p:nvSpPr>
+          <p:cNvPr id="4" name="Tijdelijke aanduiding voor voettekst 3">
+            <a:extLst>
+              <a:ext uri="{FF2B5EF4-FFF2-40B4-BE49-F238E27FC236}">
+                <a16:creationId xmlns:a16="http://schemas.microsoft.com/office/drawing/2014/main" id="{89F7CED4-2CF7-4D52-9BDE-41F381B57CE3}"/>
+              </a:ext>
+            </a:extLst>
+          </p:cNvPr>
+          <p:cNvSpPr>
+            <a:spLocks noGrp="1"/>
+          </p:cNvSpPr>
+          <p:nvPr>
+            <p:ph type="ftr" sz="quarter" idx="11"/>
+          </p:nvPr>
+        </p:nvSpPr>
+        <p:spPr/>
+        <p:txBody>
+          <a:bodyPr/>
+          <a:lstStyle/>
+          <a:p>
+            <a:r>
+              <a:rPr lang="nl-BE"/>
+              <a:t>Programmeren in C#</a:t>
+            </a:r>
+            <a:endParaRPr lang="nl-BE" dirty="0"/>
+          </a:p>
+        </p:txBody>
+      </p:sp>
+      <p:sp>
+        <p:nvSpPr>
+          <p:cNvPr id="5" name="Tijdelijke aanduiding voor dianummer 4">
+            <a:extLst>
+              <a:ext uri="{FF2B5EF4-FFF2-40B4-BE49-F238E27FC236}">
+                <a16:creationId xmlns:a16="http://schemas.microsoft.com/office/drawing/2014/main" id="{5F6157A1-25A9-435A-852B-22302E52093E}"/>
+              </a:ext>
+            </a:extLst>
+          </p:cNvPr>
+          <p:cNvSpPr>
+            <a:spLocks noGrp="1"/>
+          </p:cNvSpPr>
+          <p:nvPr>
+            <p:ph type="sldNum" sz="quarter" idx="12"/>
+          </p:nvPr>
+        </p:nvSpPr>
+        <p:spPr/>
+        <p:txBody>
+          <a:bodyPr/>
+          <a:lstStyle/>
+          <a:p>
+            <a:fld id="{E8A62353-F7CD-46ED-8877-B27D0E33FCF8}" type="slidenum">
+              <a:rPr lang="nl-BE" smtClean="0"/>
+              <a:t>2</a:t>
+            </a:fld>
+            <a:endParaRPr lang="nl-BE"/>
+          </a:p>
+        </p:txBody>
+      </p:sp>
+    </p:spTree>
+    <p:extLst>
+      <p:ext uri="{BB962C8B-B14F-4D97-AF65-F5344CB8AC3E}">
+        <p14:creationId xmlns:p14="http://schemas.microsoft.com/office/powerpoint/2010/main" val="4047599312"/>
+      </p:ext>
+    </p:extLst>
+  </p:cSld>
+  <p:clrMapOvr>
+    <a:masterClrMapping/>
+  </p:clrMapOvr>
+</p:sld>
+</file>
+
+<file path=ppt/slides/slide3.xml><?xml version="1.0" encoding="utf-8"?>
+<p:sld xmlns:a="http://schemas.openxmlformats.org/drawingml/2006/main" xmlns:r="http://schemas.openxmlformats.org/officeDocument/2006/relationships" xmlns:p="http://schemas.openxmlformats.org/presentationml/2006/main">
+  <p:cSld>
     <p:bg>
       <p:bgPr>
         <a:solidFill>
@@ -13240,71 +13261,6 @@
       </p:grpSpPr>
       <p:sp>
         <p:nvSpPr>
-          <p:cNvPr id="71" name="Rectangle 70">
-            <a:extLst>
-              <a:ext uri="{FF2B5EF4-FFF2-40B4-BE49-F238E27FC236}">
-                <a16:creationId xmlns:a16="http://schemas.microsoft.com/office/drawing/2014/main" id="{8D70B121-56F4-4848-B38B-182089D909FA}"/>
-              </a:ext>
-              <a:ext uri="{C183D7F6-B498-43B3-948B-1728B52AA6E4}">
-                <adec:decorative xmlns:adec="http://schemas.microsoft.com/office/drawing/2017/decorative" val="1"/>
-              </a:ext>
-            </a:extLst>
-          </p:cNvPr>
-          <p:cNvSpPr>
-            <a:spLocks noGrp="1" noRot="1" noChangeAspect="1" noMove="1" noResize="1" noEditPoints="1" noAdjustHandles="1" noChangeArrowheads="1" noChangeShapeType="1" noTextEdit="1"/>
-          </p:cNvSpPr>
-          <p:nvPr>
-            <p:extLst>
-              <p:ext uri="{386F3935-93C4-4BCD-93E2-E3B085C9AB24}">
-                <p16:designElem xmlns:p16="http://schemas.microsoft.com/office/powerpoint/2015/main" val="1"/>
-              </p:ext>
-            </p:extLst>
-          </p:nvPr>
-        </p:nvSpPr>
-        <p:spPr bwMode="ltGray">
-          <a:xfrm>
-            <a:off x="321564" y="320040"/>
-            <a:ext cx="11548872" cy="6217920"/>
-          </a:xfrm>
-          <a:prstGeom prst="rect">
-            <a:avLst/>
-          </a:prstGeom>
-          <a:solidFill>
-            <a:schemeClr val="tx1">
-              <a:alpha val="8000"/>
-            </a:schemeClr>
-          </a:solidFill>
-          <a:ln w="127000" cap="sq" cmpd="thinThick">
-            <a:noFill/>
-          </a:ln>
-        </p:spPr>
-        <p:style>
-          <a:lnRef idx="2">
-            <a:schemeClr val="accent1">
-              <a:shade val="50000"/>
-            </a:schemeClr>
-          </a:lnRef>
-          <a:fillRef idx="1">
-            <a:schemeClr val="accent1"/>
-          </a:fillRef>
-          <a:effectRef idx="0">
-            <a:schemeClr val="accent1"/>
-          </a:effectRef>
-          <a:fontRef idx="minor">
-            <a:schemeClr val="lt1"/>
-          </a:fontRef>
-        </p:style>
-        <p:txBody>
-          <a:bodyPr rtlCol="0" anchor="ctr"/>
-          <a:lstStyle/>
-          <a:p>
-            <a:pPr algn="ctr"/>
-            <a:endParaRPr lang="en-US"/>
-          </a:p>
-        </p:txBody>
-      </p:sp>
-      <p:sp>
-        <p:nvSpPr>
           <p:cNvPr id="151554" name="Titel 1"/>
           <p:cNvSpPr>
             <a:spLocks noGrp="1"/>
@@ -13337,61 +13293,6 @@
           </a:p>
         </p:txBody>
       </p:sp>
-      <p:cxnSp>
-        <p:nvCxnSpPr>
-          <p:cNvPr id="73" name="Straight Connector 72">
-            <a:extLst>
-              <a:ext uri="{FF2B5EF4-FFF2-40B4-BE49-F238E27FC236}">
-                <a16:creationId xmlns:a16="http://schemas.microsoft.com/office/drawing/2014/main" id="{2D72A2C9-F3CA-4216-8BAD-FA4C970C3C4E}"/>
-              </a:ext>
-              <a:ext uri="{C183D7F6-B498-43B3-948B-1728B52AA6E4}">
-                <adec:decorative xmlns:adec="http://schemas.microsoft.com/office/drawing/2017/decorative" val="1"/>
-              </a:ext>
-            </a:extLst>
-          </p:cNvPr>
-          <p:cNvCxnSpPr>
-            <a:cxnSpLocks noGrp="1" noRot="1" noChangeAspect="1" noMove="1" noResize="1" noEditPoints="1" noAdjustHandles="1" noChangeArrowheads="1" noChangeShapeType="1"/>
-          </p:cNvCxnSpPr>
-          <p:nvPr>
-            <p:extLst>
-              <p:ext uri="{386F3935-93C4-4BCD-93E2-E3B085C9AB24}">
-                <p16:designElem xmlns:p16="http://schemas.microsoft.com/office/powerpoint/2015/main" val="1"/>
-              </p:ext>
-            </p:extLst>
-          </p:nvPr>
-        </p:nvCxnSpPr>
-        <p:spPr>
-          <a:xfrm>
-            <a:off x="4654296" y="2057400"/>
-            <a:ext cx="0" cy="2743200"/>
-          </a:xfrm>
-          <a:prstGeom prst="line">
-            <a:avLst/>
-          </a:prstGeom>
-          <a:ln w="19050">
-            <a:solidFill>
-              <a:schemeClr val="tx1">
-                <a:lumMod val="85000"/>
-                <a:lumOff val="15000"/>
-              </a:schemeClr>
-            </a:solidFill>
-          </a:ln>
-        </p:spPr>
-        <p:style>
-          <a:lnRef idx="1">
-            <a:schemeClr val="accent1"/>
-          </a:lnRef>
-          <a:fillRef idx="0">
-            <a:schemeClr val="accent1"/>
-          </a:fillRef>
-          <a:effectRef idx="0">
-            <a:schemeClr val="accent1"/>
-          </a:effectRef>
-          <a:fontRef idx="minor">
-            <a:schemeClr val="tx1"/>
-          </a:fontRef>
-        </p:style>
-      </p:cxnSp>
       <p:sp>
         <p:nvSpPr>
           <p:cNvPr id="3" name="Tijdelijke aanduiding voor inhoud 2"/>
@@ -13884,7 +13785,7 @@
 </p:sld>
 </file>
 
-<file path=ppt/slides/slide3.xml><?xml version="1.0" encoding="utf-8"?>
+<file path=ppt/slides/slide4.xml><?xml version="1.0" encoding="utf-8"?>
 <p:sld xmlns:a="http://schemas.openxmlformats.org/drawingml/2006/main" xmlns:r="http://schemas.openxmlformats.org/officeDocument/2006/relationships" xmlns:p="http://schemas.openxmlformats.org/presentationml/2006/main">
   <p:cSld>
     <p:bg>
@@ -13912,69 +13813,6 @@
           <a:chExt cx="0" cy="0"/>
         </a:xfrm>
       </p:grpSpPr>
-      <p:sp>
-        <p:nvSpPr>
-          <p:cNvPr id="72" name="Rectangle 71">
-            <a:extLst>
-              <a:ext uri="{FF2B5EF4-FFF2-40B4-BE49-F238E27FC236}">
-                <a16:creationId xmlns:a16="http://schemas.microsoft.com/office/drawing/2014/main" id="{5B336162-B533-4EFE-8BB3-8EBB4A5E32F8}"/>
-              </a:ext>
-              <a:ext uri="{C183D7F6-B498-43B3-948B-1728B52AA6E4}">
-                <adec:decorative xmlns:adec="http://schemas.microsoft.com/office/drawing/2017/decorative" val="1"/>
-              </a:ext>
-            </a:extLst>
-          </p:cNvPr>
-          <p:cNvSpPr>
-            <a:spLocks noGrp="1" noRot="1" noChangeAspect="1" noMove="1" noResize="1" noEditPoints="1" noAdjustHandles="1" noChangeArrowheads="1" noChangeShapeType="1" noTextEdit="1"/>
-          </p:cNvSpPr>
-          <p:nvPr>
-            <p:extLst>
-              <p:ext uri="{386F3935-93C4-4BCD-93E2-E3B085C9AB24}">
-                <p16:designElem xmlns:p16="http://schemas.microsoft.com/office/powerpoint/2015/main" val="1"/>
-              </p:ext>
-            </p:extLst>
-          </p:nvPr>
-        </p:nvSpPr>
-        <p:spPr>
-          <a:xfrm>
-            <a:off x="0" y="0"/>
-            <a:ext cx="5314384" cy="6858000"/>
-          </a:xfrm>
-          <a:prstGeom prst="rect">
-            <a:avLst/>
-          </a:prstGeom>
-          <a:solidFill>
-            <a:srgbClr val="D0CECE"/>
-          </a:solidFill>
-          <a:ln>
-            <a:noFill/>
-          </a:ln>
-        </p:spPr>
-        <p:style>
-          <a:lnRef idx="2">
-            <a:schemeClr val="accent1">
-              <a:shade val="50000"/>
-            </a:schemeClr>
-          </a:lnRef>
-          <a:fillRef idx="1">
-            <a:schemeClr val="accent1"/>
-          </a:fillRef>
-          <a:effectRef idx="0">
-            <a:schemeClr val="accent1"/>
-          </a:effectRef>
-          <a:fontRef idx="minor">
-            <a:schemeClr val="lt1"/>
-          </a:fontRef>
-        </p:style>
-        <p:txBody>
-          <a:bodyPr rtlCol="0" anchor="ctr"/>
-          <a:lstStyle/>
-          <a:p>
-            <a:pPr algn="ctr"/>
-            <a:endParaRPr lang="en-US"/>
-          </a:p>
-        </p:txBody>
-      </p:sp>
       <p:sp>
         <p:nvSpPr>
           <p:cNvPr id="152578" name="Titel 1"/>
@@ -14098,7 +13936,7 @@
 </p:sld>
 </file>
 
-<file path=ppt/slides/slide4.xml><?xml version="1.0" encoding="utf-8"?>
+<file path=ppt/slides/slide5.xml><?xml version="1.0" encoding="utf-8"?>
 <p:sld xmlns:a="http://schemas.openxmlformats.org/drawingml/2006/main" xmlns:r="http://schemas.openxmlformats.org/officeDocument/2006/relationships" xmlns:p="http://schemas.openxmlformats.org/presentationml/2006/main">
   <p:cSld>
     <p:spTree>
@@ -14220,7 +14058,7 @@
           <a:p>
             <a:fld id="{E8A62353-F7CD-46ED-8877-B27D0E33FCF8}" type="slidenum">
               <a:rPr lang="nl-BE" smtClean="0"/>
-              <a:t>4</a:t>
+              <a:t>5</a:t>
             </a:fld>
             <a:endParaRPr lang="nl-BE"/>
           </a:p>
@@ -14269,7 +14107,7 @@
 </p:sld>
 </file>
 
-<file path=ppt/slides/slide5.xml><?xml version="1.0" encoding="utf-8"?>
+<file path=ppt/slides/slide6.xml><?xml version="1.0" encoding="utf-8"?>
 <p:sld xmlns:a="http://schemas.openxmlformats.org/drawingml/2006/main" xmlns:r="http://schemas.openxmlformats.org/officeDocument/2006/relationships" xmlns:p="http://schemas.openxmlformats.org/presentationml/2006/main">
   <p:cSld>
     <p:spTree>
@@ -14748,7 +14586,7 @@
 </p:sld>
 </file>
 
-<file path=ppt/slides/slide6.xml><?xml version="1.0" encoding="utf-8"?>
+<file path=ppt/slides/slide7.xml><?xml version="1.0" encoding="utf-8"?>
 <p:sld xmlns:a="http://schemas.openxmlformats.org/drawingml/2006/main" xmlns:r="http://schemas.openxmlformats.org/officeDocument/2006/relationships" xmlns:p="http://schemas.openxmlformats.org/presentationml/2006/main">
   <p:cSld>
     <p:bg>
@@ -14775,137 +14613,6 @@
       </p:grpSpPr>
       <p:sp>
         <p:nvSpPr>
-          <p:cNvPr id="73" name="Rectangle 72">
-            <a:extLst>
-              <a:ext uri="{FF2B5EF4-FFF2-40B4-BE49-F238E27FC236}">
-                <a16:creationId xmlns:a16="http://schemas.microsoft.com/office/drawing/2014/main" id="{F56F5174-31D9-4DBB-AAB7-A1FD7BDB1352}"/>
-              </a:ext>
-              <a:ext uri="{C183D7F6-B498-43B3-948B-1728B52AA6E4}">
-                <adec:decorative xmlns:adec="http://schemas.microsoft.com/office/drawing/2017/decorative" val="1"/>
-              </a:ext>
-            </a:extLst>
-          </p:cNvPr>
-          <p:cNvSpPr>
-            <a:spLocks noGrp="1" noRot="1" noChangeAspect="1" noMove="1" noResize="1" noEditPoints="1" noAdjustHandles="1" noChangeArrowheads="1" noChangeShapeType="1" noTextEdit="1"/>
-          </p:cNvSpPr>
-          <p:nvPr>
-            <p:extLst>
-              <p:ext uri="{386F3935-93C4-4BCD-93E2-E3B085C9AB24}">
-                <p16:designElem xmlns:p16="http://schemas.microsoft.com/office/powerpoint/2015/main" val="1"/>
-              </p:ext>
-            </p:extLst>
-          </p:nvPr>
-        </p:nvSpPr>
-        <p:spPr>
-          <a:xfrm>
-            <a:off x="1" y="0"/>
-            <a:ext cx="5614875" cy="6858000"/>
-          </a:xfrm>
-          <a:prstGeom prst="rect">
-            <a:avLst/>
-          </a:prstGeom>
-          <a:gradFill>
-            <a:gsLst>
-              <a:gs pos="0">
-                <a:schemeClr val="accent1">
-                  <a:lumMod val="100000"/>
-                  <a:alpha val="82000"/>
-                </a:schemeClr>
-              </a:gs>
-              <a:gs pos="25000">
-                <a:schemeClr val="accent1">
-                  <a:alpha val="60000"/>
-                </a:schemeClr>
-              </a:gs>
-              <a:gs pos="94000">
-                <a:schemeClr val="bg2">
-                  <a:lumMod val="75000"/>
-                </a:schemeClr>
-              </a:gs>
-              <a:gs pos="100000">
-                <a:schemeClr val="bg2">
-                  <a:lumMod val="75000"/>
-                </a:schemeClr>
-              </a:gs>
-            </a:gsLst>
-            <a:lin ang="4200000" scaled="0"/>
-          </a:gradFill>
-          <a:ln>
-            <a:noFill/>
-          </a:ln>
-        </p:spPr>
-        <p:style>
-          <a:lnRef idx="2">
-            <a:schemeClr val="accent1">
-              <a:shade val="50000"/>
-            </a:schemeClr>
-          </a:lnRef>
-          <a:fillRef idx="1">
-            <a:schemeClr val="accent1"/>
-          </a:fillRef>
-          <a:effectRef idx="0">
-            <a:schemeClr val="accent1"/>
-          </a:effectRef>
-          <a:fontRef idx="minor">
-            <a:schemeClr val="lt1"/>
-          </a:fontRef>
-        </p:style>
-        <p:txBody>
-          <a:bodyPr rtlCol="0" anchor="ctr"/>
-          <a:lstStyle/>
-          <a:p>
-            <a:pPr algn="ctr"/>
-            <a:endParaRPr lang="en-US"/>
-          </a:p>
-        </p:txBody>
-      </p:sp>
-      <p:pic>
-        <p:nvPicPr>
-          <p:cNvPr id="75" name="Picture 74">
-            <a:extLst>
-              <a:ext uri="{FF2B5EF4-FFF2-40B4-BE49-F238E27FC236}">
-                <a16:creationId xmlns:a16="http://schemas.microsoft.com/office/drawing/2014/main" id="{AE113210-7872-481A-ADE6-3A05CCAF5EB2}"/>
-              </a:ext>
-              <a:ext uri="{C183D7F6-B498-43B3-948B-1728B52AA6E4}">
-                <adec:decorative xmlns:adec="http://schemas.microsoft.com/office/drawing/2017/decorative" val="1"/>
-              </a:ext>
-            </a:extLst>
-          </p:cNvPr>
-          <p:cNvPicPr>
-            <a:picLocks noGrp="1" noRot="1" noChangeAspect="1" noMove="1" noResize="1" noEditPoints="1" noAdjustHandles="1" noChangeArrowheads="1" noChangeShapeType="1" noCrop="1"/>
-          </p:cNvPicPr>
-          <p:nvPr>
-            <p:extLst>
-              <p:ext uri="{386F3935-93C4-4BCD-93E2-E3B085C9AB24}">
-                <p16:designElem xmlns:p16="http://schemas.microsoft.com/office/powerpoint/2015/main" val="1"/>
-              </p:ext>
-            </p:extLst>
-          </p:nvPr>
-        </p:nvPicPr>
-        <p:blipFill>
-          <a:blip r:embed="rId2">
-            <a:extLst>
-              <a:ext uri="{28A0092B-C50C-407E-A947-70E740481C1C}">
-                <a14:useLocalDpi xmlns:a14="http://schemas.microsoft.com/office/drawing/2010/main" val="0"/>
-              </a:ext>
-            </a:extLst>
-          </a:blip>
-          <a:stretch>
-            <a:fillRect/>
-          </a:stretch>
-        </p:blipFill>
-        <p:spPr>
-          <a:xfrm>
-            <a:off x="0" y="0"/>
-            <a:ext cx="12192000" cy="6858000"/>
-          </a:xfrm>
-          <a:prstGeom prst="rect">
-            <a:avLst/>
-          </a:prstGeom>
-        </p:spPr>
-      </p:pic>
-      <p:sp>
-        <p:nvSpPr>
           <p:cNvPr id="154626" name="Titel 1"/>
           <p:cNvSpPr>
             <a:spLocks noGrp="1"/>
@@ -14939,149 +14646,319 @@
       </p:sp>
       <p:sp>
         <p:nvSpPr>
-          <p:cNvPr id="77" name="Freeform 62">
-            <a:extLst>
-              <a:ext uri="{FF2B5EF4-FFF2-40B4-BE49-F238E27FC236}">
-                <a16:creationId xmlns:a16="http://schemas.microsoft.com/office/drawing/2014/main" id="{F9A95BEE-6BB1-4A28-A8E6-A34B2E42EF87}"/>
-              </a:ext>
-              <a:ext uri="{C183D7F6-B498-43B3-948B-1728B52AA6E4}">
-                <adec:decorative xmlns:adec="http://schemas.microsoft.com/office/drawing/2017/decorative" val="1"/>
-              </a:ext>
-            </a:extLst>
-          </p:cNvPr>
+          <p:cNvPr id="154627" name="Tijdelijke aanduiding voor inhoud 2"/>
           <p:cNvSpPr>
-            <a:spLocks noGrp="1" noRot="1" noChangeAspect="1" noMove="1" noResize="1" noEditPoints="1" noAdjustHandles="1" noChangeArrowheads="1" noChangeShapeType="1" noTextEdit="1"/>
+            <a:spLocks noGrp="1"/>
           </p:cNvSpPr>
           <p:nvPr>
-            <p:extLst>
-              <p:ext uri="{386F3935-93C4-4BCD-93E2-E3B085C9AB24}">
-                <p16:designElem xmlns:p16="http://schemas.microsoft.com/office/powerpoint/2015/main" val="1"/>
-              </p:ext>
-            </p:extLst>
+            <p:ph idx="1"/>
           </p:nvPr>
         </p:nvSpPr>
         <p:spPr>
           <a:xfrm>
-            <a:off x="0" y="738619"/>
-            <a:ext cx="5000438" cy="5400962"/>
+            <a:off x="6090574" y="2421682"/>
+            <a:ext cx="4977578" cy="3639289"/>
           </a:xfrm>
-          <a:custGeom>
-            <a:avLst/>
-            <a:gdLst>
-              <a:gd name="connsiteX0" fmla="*/ 2299956 w 5000438"/>
-              <a:gd name="connsiteY0" fmla="*/ 0 h 5400962"/>
-              <a:gd name="connsiteX1" fmla="*/ 5000438 w 5000438"/>
-              <a:gd name="connsiteY1" fmla="*/ 2700481 h 5400962"/>
-              <a:gd name="connsiteX2" fmla="*/ 2299956 w 5000438"/>
-              <a:gd name="connsiteY2" fmla="*/ 5400962 h 5400962"/>
-              <a:gd name="connsiteX3" fmla="*/ 60675 w 5000438"/>
-              <a:gd name="connsiteY3" fmla="*/ 4210346 h 5400962"/>
-              <a:gd name="connsiteX4" fmla="*/ 0 w 5000438"/>
-              <a:gd name="connsiteY4" fmla="*/ 4110472 h 5400962"/>
-              <a:gd name="connsiteX5" fmla="*/ 0 w 5000438"/>
-              <a:gd name="connsiteY5" fmla="*/ 1290491 h 5400962"/>
-              <a:gd name="connsiteX6" fmla="*/ 60675 w 5000438"/>
-              <a:gd name="connsiteY6" fmla="*/ 1190617 h 5400962"/>
-              <a:gd name="connsiteX7" fmla="*/ 2299956 w 5000438"/>
-              <a:gd name="connsiteY7" fmla="*/ 0 h 5400962"/>
-            </a:gdLst>
-            <a:ahLst/>
-            <a:cxnLst>
-              <a:cxn ang="0">
-                <a:pos x="connsiteX0" y="connsiteY0"/>
-              </a:cxn>
-              <a:cxn ang="0">
-                <a:pos x="connsiteX1" y="connsiteY1"/>
-              </a:cxn>
-              <a:cxn ang="0">
-                <a:pos x="connsiteX2" y="connsiteY2"/>
-              </a:cxn>
-              <a:cxn ang="0">
-                <a:pos x="connsiteX3" y="connsiteY3"/>
-              </a:cxn>
-              <a:cxn ang="0">
-                <a:pos x="connsiteX4" y="connsiteY4"/>
-              </a:cxn>
-              <a:cxn ang="0">
-                <a:pos x="connsiteX5" y="connsiteY5"/>
-              </a:cxn>
-              <a:cxn ang="0">
-                <a:pos x="connsiteX6" y="connsiteY6"/>
-              </a:cxn>
-              <a:cxn ang="0">
-                <a:pos x="connsiteX7" y="connsiteY7"/>
-              </a:cxn>
-            </a:cxnLst>
-            <a:rect l="l" t="t" r="r" b="b"/>
-            <a:pathLst>
-              <a:path w="5000438" h="5400962">
-                <a:moveTo>
-                  <a:pt x="2299956" y="0"/>
-                </a:moveTo>
-                <a:cubicBezTo>
-                  <a:pt x="3791390" y="0"/>
-                  <a:pt x="5000438" y="1209047"/>
-                  <a:pt x="5000438" y="2700481"/>
-                </a:cubicBezTo>
-                <a:cubicBezTo>
-                  <a:pt x="5000438" y="4191915"/>
-                  <a:pt x="3791390" y="5400962"/>
-                  <a:pt x="2299956" y="5400962"/>
-                </a:cubicBezTo>
-                <a:cubicBezTo>
-                  <a:pt x="1367810" y="5400962"/>
-                  <a:pt x="545971" y="4928678"/>
-                  <a:pt x="60675" y="4210346"/>
-                </a:cubicBezTo>
-                <a:lnTo>
-                  <a:pt x="0" y="4110472"/>
-                </a:lnTo>
-                <a:lnTo>
-                  <a:pt x="0" y="1290491"/>
-                </a:lnTo>
-                <a:lnTo>
-                  <a:pt x="60675" y="1190617"/>
-                </a:lnTo>
-                <a:cubicBezTo>
-                  <a:pt x="545971" y="472284"/>
-                  <a:pt x="1367810" y="0"/>
-                  <a:pt x="2299956" y="0"/>
-                </a:cubicBezTo>
-                <a:close/>
-              </a:path>
-            </a:pathLst>
-          </a:custGeom>
-          <a:solidFill>
-            <a:srgbClr val="FFFFFF"/>
-          </a:solidFill>
-          <a:ln>
-            <a:noFill/>
-          </a:ln>
         </p:spPr>
-        <p:style>
-          <a:lnRef idx="2">
-            <a:schemeClr val="accent1">
-              <a:shade val="50000"/>
-            </a:schemeClr>
-          </a:lnRef>
-          <a:fillRef idx="1">
-            <a:schemeClr val="accent1"/>
-          </a:fillRef>
-          <a:effectRef idx="0">
-            <a:schemeClr val="accent1"/>
-          </a:effectRef>
-          <a:fontRef idx="minor">
-            <a:schemeClr val="lt1"/>
-          </a:fontRef>
-        </p:style>
         <p:txBody>
-          <a:bodyPr wrap="square" rtlCol="0" anchor="ctr">
-            <a:noAutofit/>
+          <a:bodyPr anchor="ctr">
+            <a:normAutofit/>
           </a:bodyPr>
           <a:lstStyle/>
           <a:p>
-            <a:pPr algn="ctr"/>
-            <a:endParaRPr lang="en-US"/>
+            <a:r>
+              <a:rPr lang="en-IE" sz="2000" b="1" dirty="0">
+                <a:solidFill>
+                  <a:srgbClr val="000000"/>
+                </a:solidFill>
+              </a:rPr>
+              <a:t>Modulo operator: %   </a:t>
+            </a:r>
+          </a:p>
+          <a:p>
+            <a:pPr lvl="1"/>
+            <a:r>
+              <a:rPr lang="en-IE" sz="2000" dirty="0" err="1">
+                <a:solidFill>
+                  <a:srgbClr val="000000"/>
+                </a:solidFill>
+              </a:rPr>
+              <a:t>Geeft</a:t>
+            </a:r>
+            <a:r>
+              <a:rPr lang="en-IE" sz="2000" dirty="0">
+                <a:solidFill>
+                  <a:srgbClr val="000000"/>
+                </a:solidFill>
+              </a:rPr>
+              <a:t> rest </a:t>
+            </a:r>
+            <a:r>
+              <a:rPr lang="en-IE" sz="2000" dirty="0" err="1">
+                <a:solidFill>
+                  <a:srgbClr val="000000"/>
+                </a:solidFill>
+              </a:rPr>
+              <a:t>weer</a:t>
+            </a:r>
+            <a:r>
+              <a:rPr lang="en-IE" sz="2000" dirty="0">
+                <a:solidFill>
+                  <a:srgbClr val="000000"/>
+                </a:solidFill>
+              </a:rPr>
+              <a:t> </a:t>
+            </a:r>
+            <a:r>
+              <a:rPr lang="en-IE" sz="2000" dirty="0" err="1">
+                <a:solidFill>
+                  <a:srgbClr val="000000"/>
+                </a:solidFill>
+              </a:rPr>
+              <a:t>na</a:t>
+            </a:r>
+            <a:r>
+              <a:rPr lang="en-IE" sz="2000" dirty="0">
+                <a:solidFill>
+                  <a:srgbClr val="000000"/>
+                </a:solidFill>
+              </a:rPr>
+              <a:t> </a:t>
+            </a:r>
+            <a:r>
+              <a:rPr lang="en-IE" sz="2000" dirty="0" err="1">
+                <a:solidFill>
+                  <a:srgbClr val="000000"/>
+                </a:solidFill>
+              </a:rPr>
+              <a:t>deling</a:t>
+            </a:r>
+            <a:r>
+              <a:rPr lang="en-IE" sz="2000" dirty="0">
+                <a:solidFill>
+                  <a:srgbClr val="000000"/>
+                </a:solidFill>
+              </a:rPr>
+              <a:t> door </a:t>
+            </a:r>
+            <a:r>
+              <a:rPr lang="en-IE" sz="2000" dirty="0" err="1">
+                <a:solidFill>
+                  <a:srgbClr val="000000"/>
+                </a:solidFill>
+              </a:rPr>
+              <a:t>getal</a:t>
+            </a:r>
+            <a:r>
+              <a:rPr lang="en-IE" sz="2000" dirty="0">
+                <a:solidFill>
+                  <a:srgbClr val="000000"/>
+                </a:solidFill>
+              </a:rPr>
+              <a:t>. </a:t>
+            </a:r>
+          </a:p>
+          <a:p>
+            <a:pPr lvl="1"/>
+            <a:endParaRPr lang="en-IE" sz="2000" dirty="0">
+              <a:solidFill>
+                <a:srgbClr val="000000"/>
+              </a:solidFill>
+            </a:endParaRPr>
+          </a:p>
+          <a:p>
+            <a:pPr lvl="1"/>
+            <a:r>
+              <a:rPr lang="en-IE" sz="2000" dirty="0" err="1">
+                <a:solidFill>
+                  <a:srgbClr val="000000"/>
+                </a:solidFill>
+              </a:rPr>
+              <a:t>Bijvoorbeeld</a:t>
+            </a:r>
+            <a:r>
+              <a:rPr lang="en-IE" sz="2000" dirty="0">
+                <a:solidFill>
+                  <a:srgbClr val="000000"/>
+                </a:solidFill>
+              </a:rPr>
+              <a:t>:</a:t>
+            </a:r>
+          </a:p>
+          <a:p>
+            <a:pPr lvl="2"/>
+            <a:r>
+              <a:rPr lang="en-IE" dirty="0">
+                <a:solidFill>
+                  <a:srgbClr val="000000"/>
+                </a:solidFill>
+              </a:rPr>
+              <a:t>10%4  (</a:t>
+            </a:r>
+            <a:r>
+              <a:rPr lang="en-IE" dirty="0" err="1">
+                <a:solidFill>
+                  <a:srgbClr val="000000"/>
+                </a:solidFill>
+              </a:rPr>
+              <a:t>spreek</a:t>
+            </a:r>
+            <a:r>
+              <a:rPr lang="en-IE" dirty="0">
+                <a:solidFill>
+                  <a:srgbClr val="000000"/>
+                </a:solidFill>
+              </a:rPr>
+              <a:t> </a:t>
+            </a:r>
+            <a:r>
+              <a:rPr lang="en-IE" dirty="0" err="1">
+                <a:solidFill>
+                  <a:srgbClr val="000000"/>
+                </a:solidFill>
+              </a:rPr>
+              <a:t>uit</a:t>
+            </a:r>
+            <a:r>
+              <a:rPr lang="en-IE" dirty="0">
+                <a:solidFill>
+                  <a:srgbClr val="000000"/>
+                </a:solidFill>
+              </a:rPr>
+              <a:t> </a:t>
+            </a:r>
+            <a:r>
+              <a:rPr lang="en-IE" i="1" dirty="0">
+                <a:solidFill>
+                  <a:srgbClr val="000000"/>
+                </a:solidFill>
+              </a:rPr>
+              <a:t>“10 mod 4”</a:t>
+            </a:r>
+            <a:r>
+              <a:rPr lang="en-IE" dirty="0">
+                <a:solidFill>
+                  <a:srgbClr val="000000"/>
+                </a:solidFill>
+              </a:rPr>
+              <a:t>) </a:t>
+            </a:r>
+            <a:r>
+              <a:rPr lang="en-IE" dirty="0" err="1">
+                <a:solidFill>
+                  <a:srgbClr val="000000"/>
+                </a:solidFill>
+              </a:rPr>
+              <a:t>geeft</a:t>
+            </a:r>
+            <a:r>
+              <a:rPr lang="en-IE" dirty="0">
+                <a:solidFill>
+                  <a:srgbClr val="000000"/>
+                </a:solidFill>
+              </a:rPr>
+              <a:t> </a:t>
+            </a:r>
+            <a:r>
+              <a:rPr lang="en-IE" dirty="0" err="1">
+                <a:solidFill>
+                  <a:srgbClr val="000000"/>
+                </a:solidFill>
+              </a:rPr>
+              <a:t>als</a:t>
+            </a:r>
+            <a:r>
+              <a:rPr lang="en-IE" dirty="0">
+                <a:solidFill>
+                  <a:srgbClr val="000000"/>
+                </a:solidFill>
+              </a:rPr>
+              <a:t> </a:t>
+            </a:r>
+            <a:r>
+              <a:rPr lang="en-IE" dirty="0" err="1">
+                <a:solidFill>
+                  <a:srgbClr val="000000"/>
+                </a:solidFill>
+              </a:rPr>
+              <a:t>resultaat</a:t>
+            </a:r>
+            <a:r>
+              <a:rPr lang="en-IE" dirty="0">
+                <a:solidFill>
+                  <a:srgbClr val="000000"/>
+                </a:solidFill>
+              </a:rPr>
+              <a:t> 2</a:t>
+            </a:r>
+          </a:p>
+          <a:p>
+            <a:pPr lvl="2"/>
+            <a:r>
+              <a:rPr lang="en-IE" dirty="0">
+                <a:solidFill>
+                  <a:srgbClr val="000000"/>
+                </a:solidFill>
+              </a:rPr>
+              <a:t>13%3 =&gt; </a:t>
+            </a:r>
+            <a:r>
+              <a:rPr lang="en-IE" dirty="0" err="1">
+                <a:solidFill>
+                  <a:srgbClr val="000000"/>
+                </a:solidFill>
+              </a:rPr>
+              <a:t>resultaat</a:t>
+            </a:r>
+            <a:r>
+              <a:rPr lang="en-IE" dirty="0">
+                <a:solidFill>
+                  <a:srgbClr val="000000"/>
+                </a:solidFill>
+              </a:rPr>
+              <a:t>: 1</a:t>
+            </a:r>
+          </a:p>
+          <a:p>
+            <a:pPr lvl="2"/>
+            <a:r>
+              <a:rPr lang="en-IE" dirty="0">
+                <a:solidFill>
+                  <a:srgbClr val="000000"/>
+                </a:solidFill>
+              </a:rPr>
+              <a:t>6%2=&gt; </a:t>
+            </a:r>
+            <a:r>
+              <a:rPr lang="en-IE" dirty="0" err="1">
+                <a:solidFill>
+                  <a:srgbClr val="000000"/>
+                </a:solidFill>
+              </a:rPr>
+              <a:t>resultaat</a:t>
+            </a:r>
+            <a:r>
+              <a:rPr lang="en-IE" dirty="0">
+                <a:solidFill>
+                  <a:srgbClr val="000000"/>
+                </a:solidFill>
+              </a:rPr>
+              <a:t>: 0</a:t>
+            </a:r>
+          </a:p>
+          <a:p>
+            <a:endParaRPr lang="en-IE" sz="2000" dirty="0">
+              <a:solidFill>
+                <a:srgbClr val="000000"/>
+              </a:solidFill>
+            </a:endParaRPr>
+          </a:p>
+          <a:p>
+            <a:endParaRPr lang="en-IE" sz="2000" dirty="0">
+              <a:solidFill>
+                <a:srgbClr val="000000"/>
+              </a:solidFill>
+            </a:endParaRPr>
           </a:p>
         </p:txBody>
       </p:sp>
@@ -15100,7 +14977,7 @@
           <p:nvPr/>
         </p:nvPicPr>
         <p:blipFill rotWithShape="1">
-          <a:blip r:embed="rId3">
+          <a:blip r:embed="rId2">
             <a:alphaModFix/>
             <a:extLst>
               <a:ext uri="{28A0092B-C50C-407E-A947-70E740481C1C}">
@@ -15217,324 +15094,6 @@
           </a:extLst>
         </p:spPr>
       </p:pic>
-      <p:sp>
-        <p:nvSpPr>
-          <p:cNvPr id="154627" name="Tijdelijke aanduiding voor inhoud 2"/>
-          <p:cNvSpPr>
-            <a:spLocks noGrp="1"/>
-          </p:cNvSpPr>
-          <p:nvPr>
-            <p:ph idx="1"/>
-          </p:nvPr>
-        </p:nvSpPr>
-        <p:spPr>
-          <a:xfrm>
-            <a:off x="6090574" y="2421682"/>
-            <a:ext cx="4977578" cy="3639289"/>
-          </a:xfrm>
-        </p:spPr>
-        <p:txBody>
-          <a:bodyPr anchor="ctr">
-            <a:normAutofit/>
-          </a:bodyPr>
-          <a:lstStyle/>
-          <a:p>
-            <a:r>
-              <a:rPr lang="en-IE" sz="2000" b="1" dirty="0">
-                <a:solidFill>
-                  <a:srgbClr val="000000"/>
-                </a:solidFill>
-              </a:rPr>
-              <a:t>Modulo operator: %   </a:t>
-            </a:r>
-          </a:p>
-          <a:p>
-            <a:pPr lvl="1"/>
-            <a:r>
-              <a:rPr lang="en-IE" sz="2000" dirty="0" err="1">
-                <a:solidFill>
-                  <a:srgbClr val="000000"/>
-                </a:solidFill>
-              </a:rPr>
-              <a:t>Geeft</a:t>
-            </a:r>
-            <a:r>
-              <a:rPr lang="en-IE" sz="2000" dirty="0">
-                <a:solidFill>
-                  <a:srgbClr val="000000"/>
-                </a:solidFill>
-              </a:rPr>
-              <a:t> rest </a:t>
-            </a:r>
-            <a:r>
-              <a:rPr lang="en-IE" sz="2000" dirty="0" err="1">
-                <a:solidFill>
-                  <a:srgbClr val="000000"/>
-                </a:solidFill>
-              </a:rPr>
-              <a:t>weer</a:t>
-            </a:r>
-            <a:r>
-              <a:rPr lang="en-IE" sz="2000" dirty="0">
-                <a:solidFill>
-                  <a:srgbClr val="000000"/>
-                </a:solidFill>
-              </a:rPr>
-              <a:t> </a:t>
-            </a:r>
-            <a:r>
-              <a:rPr lang="en-IE" sz="2000" dirty="0" err="1">
-                <a:solidFill>
-                  <a:srgbClr val="000000"/>
-                </a:solidFill>
-              </a:rPr>
-              <a:t>na</a:t>
-            </a:r>
-            <a:r>
-              <a:rPr lang="en-IE" sz="2000" dirty="0">
-                <a:solidFill>
-                  <a:srgbClr val="000000"/>
-                </a:solidFill>
-              </a:rPr>
-              <a:t> </a:t>
-            </a:r>
-            <a:r>
-              <a:rPr lang="en-IE" sz="2000" dirty="0" err="1">
-                <a:solidFill>
-                  <a:srgbClr val="000000"/>
-                </a:solidFill>
-              </a:rPr>
-              <a:t>deling</a:t>
-            </a:r>
-            <a:r>
-              <a:rPr lang="en-IE" sz="2000" dirty="0">
-                <a:solidFill>
-                  <a:srgbClr val="000000"/>
-                </a:solidFill>
-              </a:rPr>
-              <a:t> door </a:t>
-            </a:r>
-            <a:r>
-              <a:rPr lang="en-IE" sz="2000" dirty="0" err="1">
-                <a:solidFill>
-                  <a:srgbClr val="000000"/>
-                </a:solidFill>
-              </a:rPr>
-              <a:t>getal</a:t>
-            </a:r>
-            <a:r>
-              <a:rPr lang="en-IE" sz="2000" dirty="0">
-                <a:solidFill>
-                  <a:srgbClr val="000000"/>
-                </a:solidFill>
-              </a:rPr>
-              <a:t>. </a:t>
-            </a:r>
-          </a:p>
-          <a:p>
-            <a:pPr lvl="1"/>
-            <a:endParaRPr lang="en-IE" sz="2000" dirty="0">
-              <a:solidFill>
-                <a:srgbClr val="000000"/>
-              </a:solidFill>
-            </a:endParaRPr>
-          </a:p>
-          <a:p>
-            <a:pPr lvl="1"/>
-            <a:r>
-              <a:rPr lang="en-IE" sz="2000" dirty="0" err="1">
-                <a:solidFill>
-                  <a:srgbClr val="000000"/>
-                </a:solidFill>
-              </a:rPr>
-              <a:t>Bijvoorbeeld</a:t>
-            </a:r>
-            <a:r>
-              <a:rPr lang="en-IE" sz="2000" dirty="0">
-                <a:solidFill>
-                  <a:srgbClr val="000000"/>
-                </a:solidFill>
-              </a:rPr>
-              <a:t>:</a:t>
-            </a:r>
-          </a:p>
-          <a:p>
-            <a:pPr lvl="2"/>
-            <a:r>
-              <a:rPr lang="en-IE" dirty="0">
-                <a:solidFill>
-                  <a:srgbClr val="000000"/>
-                </a:solidFill>
-              </a:rPr>
-              <a:t>10%4  (</a:t>
-            </a:r>
-            <a:r>
-              <a:rPr lang="en-IE" dirty="0" err="1">
-                <a:solidFill>
-                  <a:srgbClr val="000000"/>
-                </a:solidFill>
-              </a:rPr>
-              <a:t>spreek</a:t>
-            </a:r>
-            <a:r>
-              <a:rPr lang="en-IE" dirty="0">
-                <a:solidFill>
-                  <a:srgbClr val="000000"/>
-                </a:solidFill>
-              </a:rPr>
-              <a:t> </a:t>
-            </a:r>
-            <a:r>
-              <a:rPr lang="en-IE" dirty="0" err="1">
-                <a:solidFill>
-                  <a:srgbClr val="000000"/>
-                </a:solidFill>
-              </a:rPr>
-              <a:t>uit</a:t>
-            </a:r>
-            <a:r>
-              <a:rPr lang="en-IE" dirty="0">
-                <a:solidFill>
-                  <a:srgbClr val="000000"/>
-                </a:solidFill>
-              </a:rPr>
-              <a:t> </a:t>
-            </a:r>
-            <a:r>
-              <a:rPr lang="en-IE" i="1" dirty="0">
-                <a:solidFill>
-                  <a:srgbClr val="000000"/>
-                </a:solidFill>
-              </a:rPr>
-              <a:t>“10 mod 4”</a:t>
-            </a:r>
-            <a:r>
-              <a:rPr lang="en-IE" dirty="0">
-                <a:solidFill>
-                  <a:srgbClr val="000000"/>
-                </a:solidFill>
-              </a:rPr>
-              <a:t>) </a:t>
-            </a:r>
-            <a:r>
-              <a:rPr lang="en-IE" dirty="0" err="1">
-                <a:solidFill>
-                  <a:srgbClr val="000000"/>
-                </a:solidFill>
-              </a:rPr>
-              <a:t>geeft</a:t>
-            </a:r>
-            <a:r>
-              <a:rPr lang="en-IE" dirty="0">
-                <a:solidFill>
-                  <a:srgbClr val="000000"/>
-                </a:solidFill>
-              </a:rPr>
-              <a:t> </a:t>
-            </a:r>
-            <a:r>
-              <a:rPr lang="en-IE" dirty="0" err="1">
-                <a:solidFill>
-                  <a:srgbClr val="000000"/>
-                </a:solidFill>
-              </a:rPr>
-              <a:t>als</a:t>
-            </a:r>
-            <a:r>
-              <a:rPr lang="en-IE" dirty="0">
-                <a:solidFill>
-                  <a:srgbClr val="000000"/>
-                </a:solidFill>
-              </a:rPr>
-              <a:t> </a:t>
-            </a:r>
-            <a:r>
-              <a:rPr lang="en-IE" dirty="0" err="1">
-                <a:solidFill>
-                  <a:srgbClr val="000000"/>
-                </a:solidFill>
-              </a:rPr>
-              <a:t>resultaat</a:t>
-            </a:r>
-            <a:r>
-              <a:rPr lang="en-IE" dirty="0">
-                <a:solidFill>
-                  <a:srgbClr val="000000"/>
-                </a:solidFill>
-              </a:rPr>
-              <a:t> 2</a:t>
-            </a:r>
-          </a:p>
-          <a:p>
-            <a:pPr lvl="2"/>
-            <a:r>
-              <a:rPr lang="en-IE" dirty="0">
-                <a:solidFill>
-                  <a:srgbClr val="000000"/>
-                </a:solidFill>
-              </a:rPr>
-              <a:t>13%3 =&gt; </a:t>
-            </a:r>
-            <a:r>
-              <a:rPr lang="en-IE" dirty="0" err="1">
-                <a:solidFill>
-                  <a:srgbClr val="000000"/>
-                </a:solidFill>
-              </a:rPr>
-              <a:t>resultaat</a:t>
-            </a:r>
-            <a:r>
-              <a:rPr lang="en-IE" dirty="0">
-                <a:solidFill>
-                  <a:srgbClr val="000000"/>
-                </a:solidFill>
-              </a:rPr>
-              <a:t>: 1</a:t>
-            </a:r>
-          </a:p>
-          <a:p>
-            <a:pPr lvl="2"/>
-            <a:r>
-              <a:rPr lang="en-IE" dirty="0">
-                <a:solidFill>
-                  <a:srgbClr val="000000"/>
-                </a:solidFill>
-              </a:rPr>
-              <a:t>6%2=&gt; </a:t>
-            </a:r>
-            <a:r>
-              <a:rPr lang="en-IE" dirty="0" err="1">
-                <a:solidFill>
-                  <a:srgbClr val="000000"/>
-                </a:solidFill>
-              </a:rPr>
-              <a:t>resultaat</a:t>
-            </a:r>
-            <a:r>
-              <a:rPr lang="en-IE" dirty="0">
-                <a:solidFill>
-                  <a:srgbClr val="000000"/>
-                </a:solidFill>
-              </a:rPr>
-              <a:t>: 0</a:t>
-            </a:r>
-          </a:p>
-          <a:p>
-            <a:endParaRPr lang="en-IE" sz="2000" dirty="0">
-              <a:solidFill>
-                <a:srgbClr val="000000"/>
-              </a:solidFill>
-            </a:endParaRPr>
-          </a:p>
-          <a:p>
-            <a:endParaRPr lang="en-IE" sz="2000" dirty="0">
-              <a:solidFill>
-                <a:srgbClr val="000000"/>
-              </a:solidFill>
-            </a:endParaRPr>
-          </a:p>
-        </p:txBody>
-      </p:sp>
     </p:spTree>
     <p:extLst>
       <p:ext uri="{BB962C8B-B14F-4D97-AF65-F5344CB8AC3E}">
@@ -15548,7 +15107,7 @@
 </p:sld>
 </file>
 
-<file path=ppt/slides/slide7.xml><?xml version="1.0" encoding="utf-8"?>
+<file path=ppt/slides/slide8.xml><?xml version="1.0" encoding="utf-8"?>
 <p:sld xmlns:a="http://schemas.openxmlformats.org/drawingml/2006/main" xmlns:r="http://schemas.openxmlformats.org/officeDocument/2006/relationships" xmlns:p="http://schemas.openxmlformats.org/presentationml/2006/main">
   <p:cSld>
     <p:bg>
@@ -15573,70 +15132,6 @@
           <a:chExt cx="0" cy="0"/>
         </a:xfrm>
       </p:grpSpPr>
-      <p:sp>
-        <p:nvSpPr>
-          <p:cNvPr id="14" name="Rectangle 13">
-            <a:extLst>
-              <a:ext uri="{FF2B5EF4-FFF2-40B4-BE49-F238E27FC236}">
-                <a16:creationId xmlns:a16="http://schemas.microsoft.com/office/drawing/2014/main" id="{867D4867-5BA7-4462-B2F6-A23F4A622AA7}"/>
-              </a:ext>
-              <a:ext uri="{C183D7F6-B498-43B3-948B-1728B52AA6E4}">
-                <adec:decorative xmlns:adec="http://schemas.microsoft.com/office/drawing/2017/decorative" val="1"/>
-              </a:ext>
-            </a:extLst>
-          </p:cNvPr>
-          <p:cNvSpPr>
-            <a:spLocks noGrp="1" noRot="1" noChangeAspect="1" noMove="1" noResize="1" noEditPoints="1" noAdjustHandles="1" noChangeArrowheads="1" noChangeShapeType="1" noTextEdit="1"/>
-          </p:cNvSpPr>
-          <p:nvPr>
-            <p:extLst>
-              <p:ext uri="{386F3935-93C4-4BCD-93E2-E3B085C9AB24}">
-                <p16:designElem xmlns:p16="http://schemas.microsoft.com/office/powerpoint/2015/main" val="1"/>
-              </p:ext>
-            </p:extLst>
-          </p:nvPr>
-        </p:nvSpPr>
-        <p:spPr>
-          <a:xfrm>
-            <a:off x="0" y="0"/>
-            <a:ext cx="4654296" cy="6858000"/>
-          </a:xfrm>
-          <a:prstGeom prst="rect">
-            <a:avLst/>
-          </a:prstGeom>
-          <a:solidFill>
-            <a:schemeClr val="tx1">
-              <a:lumMod val="75000"/>
-              <a:lumOff val="25000"/>
-            </a:schemeClr>
-          </a:solidFill>
-          <a:ln>
-            <a:noFill/>
-          </a:ln>
-        </p:spPr>
-        <p:style>
-          <a:lnRef idx="0">
-            <a:scrgbClr r="0" g="0" b="0"/>
-          </a:lnRef>
-          <a:fillRef idx="0">
-            <a:scrgbClr r="0" g="0" b="0"/>
-          </a:fillRef>
-          <a:effectRef idx="0">
-            <a:scrgbClr r="0" g="0" b="0"/>
-          </a:effectRef>
-          <a:fontRef idx="minor">
-            <a:schemeClr val="lt1"/>
-          </a:fontRef>
-        </p:style>
-        <p:txBody>
-          <a:bodyPr rtlCol="0" anchor="ctr"/>
-          <a:lstStyle/>
-          <a:p>
-            <a:pPr algn="ctr"/>
-            <a:endParaRPr lang="en-US"/>
-          </a:p>
-        </p:txBody>
-      </p:sp>
       <p:sp>
         <p:nvSpPr>
           <p:cNvPr id="2" name="Titel 1"/>
@@ -15795,7 +15290,7 @@
 </p:sld>
 </file>
 
-<file path=ppt/slides/slide8.xml><?xml version="1.0" encoding="utf-8"?>
+<file path=ppt/slides/slide9.xml><?xml version="1.0" encoding="utf-8"?>
 <p:sld xmlns:a="http://schemas.openxmlformats.org/drawingml/2006/main" xmlns:r="http://schemas.openxmlformats.org/officeDocument/2006/relationships" xmlns:p="http://schemas.openxmlformats.org/presentationml/2006/main">
   <p:cSld>
     <p:bg>
@@ -15820,487 +15315,6 @@
           <a:chExt cx="0" cy="0"/>
         </a:xfrm>
       </p:grpSpPr>
-      <p:sp>
-        <p:nvSpPr>
-          <p:cNvPr id="16" name="Freeform: Shape 11">
-            <a:extLst>
-              <a:ext uri="{FF2B5EF4-FFF2-40B4-BE49-F238E27FC236}">
-                <a16:creationId xmlns:a16="http://schemas.microsoft.com/office/drawing/2014/main" id="{46C2E80F-49A6-4372-B103-219D417A55ED}"/>
-              </a:ext>
-              <a:ext uri="{C183D7F6-B498-43B3-948B-1728B52AA6E4}">
-                <adec:decorative xmlns:adec="http://schemas.microsoft.com/office/drawing/2017/decorative" val="1"/>
-              </a:ext>
-            </a:extLst>
-          </p:cNvPr>
-          <p:cNvSpPr>
-            <a:spLocks noGrp="1" noRot="1" noChangeAspect="1" noMove="1" noResize="1" noEditPoints="1" noAdjustHandles="1" noChangeArrowheads="1" noChangeShapeType="1" noTextEdit="1"/>
-          </p:cNvSpPr>
-          <p:nvPr>
-            <p:extLst>
-              <p:ext uri="{386F3935-93C4-4BCD-93E2-E3B085C9AB24}">
-                <p16:designElem xmlns:p16="http://schemas.microsoft.com/office/powerpoint/2015/main" val="1"/>
-              </p:ext>
-            </p:extLst>
-          </p:nvPr>
-        </p:nvSpPr>
-        <p:spPr>
-          <a:xfrm>
-            <a:off x="484096" y="470925"/>
-            <a:ext cx="4381009" cy="5892104"/>
-          </a:xfrm>
-          <a:custGeom>
-            <a:avLst/>
-            <a:gdLst>
-              <a:gd name="connsiteX0" fmla="*/ 0 w 4381009"/>
-              <a:gd name="connsiteY0" fmla="*/ 0 h 5892104"/>
-              <a:gd name="connsiteX1" fmla="*/ 4157628 w 4381009"/>
-              <a:gd name="connsiteY1" fmla="*/ 0 h 5892104"/>
-              <a:gd name="connsiteX2" fmla="*/ 4169302 w 4381009"/>
-              <a:gd name="connsiteY2" fmla="*/ 68659 h 5892104"/>
-              <a:gd name="connsiteX3" fmla="*/ 4191571 w 4381009"/>
-              <a:gd name="connsiteY3" fmla="*/ 205472 h 5892104"/>
-              <a:gd name="connsiteX4" fmla="*/ 4213368 w 4381009"/>
-              <a:gd name="connsiteY4" fmla="*/ 342890 h 5892104"/>
-              <a:gd name="connsiteX5" fmla="*/ 4232030 w 4381009"/>
-              <a:gd name="connsiteY5" fmla="*/ 480913 h 5892104"/>
-              <a:gd name="connsiteX6" fmla="*/ 4250848 w 4381009"/>
-              <a:gd name="connsiteY6" fmla="*/ 618332 h 5892104"/>
-              <a:gd name="connsiteX7" fmla="*/ 4268412 w 4381009"/>
-              <a:gd name="connsiteY7" fmla="*/ 756355 h 5892104"/>
-              <a:gd name="connsiteX8" fmla="*/ 4283467 w 4381009"/>
-              <a:gd name="connsiteY8" fmla="*/ 892563 h 5892104"/>
-              <a:gd name="connsiteX9" fmla="*/ 4297737 w 4381009"/>
-              <a:gd name="connsiteY9" fmla="*/ 1030587 h 5892104"/>
-              <a:gd name="connsiteX10" fmla="*/ 4310754 w 4381009"/>
-              <a:gd name="connsiteY10" fmla="*/ 1168005 h 5892104"/>
-              <a:gd name="connsiteX11" fmla="*/ 4322045 w 4381009"/>
-              <a:gd name="connsiteY11" fmla="*/ 1303002 h 5892104"/>
-              <a:gd name="connsiteX12" fmla="*/ 4333336 w 4381009"/>
-              <a:gd name="connsiteY12" fmla="*/ 1439815 h 5892104"/>
-              <a:gd name="connsiteX13" fmla="*/ 4342745 w 4381009"/>
-              <a:gd name="connsiteY13" fmla="*/ 1574812 h 5892104"/>
-              <a:gd name="connsiteX14" fmla="*/ 4350115 w 4381009"/>
-              <a:gd name="connsiteY14" fmla="*/ 1709808 h 5892104"/>
-              <a:gd name="connsiteX15" fmla="*/ 4357799 w 4381009"/>
-              <a:gd name="connsiteY15" fmla="*/ 1844200 h 5892104"/>
-              <a:gd name="connsiteX16" fmla="*/ 4364229 w 4381009"/>
-              <a:gd name="connsiteY16" fmla="*/ 1977381 h 5892104"/>
-              <a:gd name="connsiteX17" fmla="*/ 4368777 w 4381009"/>
-              <a:gd name="connsiteY17" fmla="*/ 2109351 h 5892104"/>
-              <a:gd name="connsiteX18" fmla="*/ 4372697 w 4381009"/>
-              <a:gd name="connsiteY18" fmla="*/ 2241321 h 5892104"/>
-              <a:gd name="connsiteX19" fmla="*/ 4376461 w 4381009"/>
-              <a:gd name="connsiteY19" fmla="*/ 2372080 h 5892104"/>
-              <a:gd name="connsiteX20" fmla="*/ 4378186 w 4381009"/>
-              <a:gd name="connsiteY20" fmla="*/ 2501023 h 5892104"/>
-              <a:gd name="connsiteX21" fmla="*/ 4380068 w 4381009"/>
-              <a:gd name="connsiteY21" fmla="*/ 2629966 h 5892104"/>
-              <a:gd name="connsiteX22" fmla="*/ 4381009 w 4381009"/>
-              <a:gd name="connsiteY22" fmla="*/ 2757093 h 5892104"/>
-              <a:gd name="connsiteX23" fmla="*/ 4380068 w 4381009"/>
-              <a:gd name="connsiteY23" fmla="*/ 2883010 h 5892104"/>
-              <a:gd name="connsiteX24" fmla="*/ 4380068 w 4381009"/>
-              <a:gd name="connsiteY24" fmla="*/ 3007715 h 5892104"/>
-              <a:gd name="connsiteX25" fmla="*/ 4378186 w 4381009"/>
-              <a:gd name="connsiteY25" fmla="*/ 3131210 h 5892104"/>
-              <a:gd name="connsiteX26" fmla="*/ 4375363 w 4381009"/>
-              <a:gd name="connsiteY26" fmla="*/ 3252283 h 5892104"/>
-              <a:gd name="connsiteX27" fmla="*/ 4372697 w 4381009"/>
-              <a:gd name="connsiteY27" fmla="*/ 3372146 h 5892104"/>
-              <a:gd name="connsiteX28" fmla="*/ 4369718 w 4381009"/>
-              <a:gd name="connsiteY28" fmla="*/ 3489587 h 5892104"/>
-              <a:gd name="connsiteX29" fmla="*/ 4365170 w 4381009"/>
-              <a:gd name="connsiteY29" fmla="*/ 3606423 h 5892104"/>
-              <a:gd name="connsiteX30" fmla="*/ 4360309 w 4381009"/>
-              <a:gd name="connsiteY30" fmla="*/ 3721443 h 5892104"/>
-              <a:gd name="connsiteX31" fmla="*/ 4355918 w 4381009"/>
-              <a:gd name="connsiteY31" fmla="*/ 3834041 h 5892104"/>
-              <a:gd name="connsiteX32" fmla="*/ 4343529 w 4381009"/>
-              <a:gd name="connsiteY32" fmla="*/ 4053789 h 5892104"/>
-              <a:gd name="connsiteX33" fmla="*/ 4330356 w 4381009"/>
-              <a:gd name="connsiteY33" fmla="*/ 4264457 h 5892104"/>
-              <a:gd name="connsiteX34" fmla="*/ 4316556 w 4381009"/>
-              <a:gd name="connsiteY34" fmla="*/ 4466650 h 5892104"/>
-              <a:gd name="connsiteX35" fmla="*/ 4301344 w 4381009"/>
-              <a:gd name="connsiteY35" fmla="*/ 4657946 h 5892104"/>
-              <a:gd name="connsiteX36" fmla="*/ 4285506 w 4381009"/>
-              <a:gd name="connsiteY36" fmla="*/ 4840767 h 5892104"/>
-              <a:gd name="connsiteX37" fmla="*/ 4268412 w 4381009"/>
-              <a:gd name="connsiteY37" fmla="*/ 5010269 h 5892104"/>
-              <a:gd name="connsiteX38" fmla="*/ 4251633 w 4381009"/>
-              <a:gd name="connsiteY38" fmla="*/ 5169481 h 5892104"/>
-              <a:gd name="connsiteX39" fmla="*/ 4234853 w 4381009"/>
-              <a:gd name="connsiteY39" fmla="*/ 5315980 h 5892104"/>
-              <a:gd name="connsiteX40" fmla="*/ 4219014 w 4381009"/>
-              <a:gd name="connsiteY40" fmla="*/ 5450371 h 5892104"/>
-              <a:gd name="connsiteX41" fmla="*/ 4203959 w 4381009"/>
-              <a:gd name="connsiteY41" fmla="*/ 5569628 h 5892104"/>
-              <a:gd name="connsiteX42" fmla="*/ 4189689 w 4381009"/>
-              <a:gd name="connsiteY42" fmla="*/ 5677384 h 5892104"/>
-              <a:gd name="connsiteX43" fmla="*/ 4177770 w 4381009"/>
-              <a:gd name="connsiteY43" fmla="*/ 5768189 h 5892104"/>
-              <a:gd name="connsiteX44" fmla="*/ 4166479 w 4381009"/>
-              <a:gd name="connsiteY44" fmla="*/ 5844465 h 5892104"/>
-              <a:gd name="connsiteX45" fmla="*/ 4159132 w 4381009"/>
-              <a:gd name="connsiteY45" fmla="*/ 5892104 h 5892104"/>
-              <a:gd name="connsiteX46" fmla="*/ 0 w 4381009"/>
-              <a:gd name="connsiteY46" fmla="*/ 5892104 h 5892104"/>
-            </a:gdLst>
-            <a:ahLst/>
-            <a:cxnLst>
-              <a:cxn ang="0">
-                <a:pos x="connsiteX0" y="connsiteY0"/>
-              </a:cxn>
-              <a:cxn ang="0">
-                <a:pos x="connsiteX1" y="connsiteY1"/>
-              </a:cxn>
-              <a:cxn ang="0">
-                <a:pos x="connsiteX2" y="connsiteY2"/>
-              </a:cxn>
-              <a:cxn ang="0">
-                <a:pos x="connsiteX3" y="connsiteY3"/>
-              </a:cxn>
-              <a:cxn ang="0">
-                <a:pos x="connsiteX4" y="connsiteY4"/>
-              </a:cxn>
-              <a:cxn ang="0">
-                <a:pos x="connsiteX5" y="connsiteY5"/>
-              </a:cxn>
-              <a:cxn ang="0">
-                <a:pos x="connsiteX6" y="connsiteY6"/>
-              </a:cxn>
-              <a:cxn ang="0">
-                <a:pos x="connsiteX7" y="connsiteY7"/>
-              </a:cxn>
-              <a:cxn ang="0">
-                <a:pos x="connsiteX8" y="connsiteY8"/>
-              </a:cxn>
-              <a:cxn ang="0">
-                <a:pos x="connsiteX9" y="connsiteY9"/>
-              </a:cxn>
-              <a:cxn ang="0">
-                <a:pos x="connsiteX10" y="connsiteY10"/>
-              </a:cxn>
-              <a:cxn ang="0">
-                <a:pos x="connsiteX11" y="connsiteY11"/>
-              </a:cxn>
-              <a:cxn ang="0">
-                <a:pos x="connsiteX12" y="connsiteY12"/>
-              </a:cxn>
-              <a:cxn ang="0">
-                <a:pos x="connsiteX13" y="connsiteY13"/>
-              </a:cxn>
-              <a:cxn ang="0">
-                <a:pos x="connsiteX14" y="connsiteY14"/>
-              </a:cxn>
-              <a:cxn ang="0">
-                <a:pos x="connsiteX15" y="connsiteY15"/>
-              </a:cxn>
-              <a:cxn ang="0">
-                <a:pos x="connsiteX16" y="connsiteY16"/>
-              </a:cxn>
-              <a:cxn ang="0">
-                <a:pos x="connsiteX17" y="connsiteY17"/>
-              </a:cxn>
-              <a:cxn ang="0">
-                <a:pos x="connsiteX18" y="connsiteY18"/>
-              </a:cxn>
-              <a:cxn ang="0">
-                <a:pos x="connsiteX19" y="connsiteY19"/>
-              </a:cxn>
-              <a:cxn ang="0">
-                <a:pos x="connsiteX20" y="connsiteY20"/>
-              </a:cxn>
-              <a:cxn ang="0">
-                <a:pos x="connsiteX21" y="connsiteY21"/>
-              </a:cxn>
-              <a:cxn ang="0">
-                <a:pos x="connsiteX22" y="connsiteY22"/>
-              </a:cxn>
-              <a:cxn ang="0">
-                <a:pos x="connsiteX23" y="connsiteY23"/>
-              </a:cxn>
-              <a:cxn ang="0">
-                <a:pos x="connsiteX24" y="connsiteY24"/>
-              </a:cxn>
-              <a:cxn ang="0">
-                <a:pos x="connsiteX25" y="connsiteY25"/>
-              </a:cxn>
-              <a:cxn ang="0">
-                <a:pos x="connsiteX26" y="connsiteY26"/>
-              </a:cxn>
-              <a:cxn ang="0">
-                <a:pos x="connsiteX27" y="connsiteY27"/>
-              </a:cxn>
-              <a:cxn ang="0">
-                <a:pos x="connsiteX28" y="connsiteY28"/>
-              </a:cxn>
-              <a:cxn ang="0">
-                <a:pos x="connsiteX29" y="connsiteY29"/>
-              </a:cxn>
-              <a:cxn ang="0">
-                <a:pos x="connsiteX30" y="connsiteY30"/>
-              </a:cxn>
-              <a:cxn ang="0">
-                <a:pos x="connsiteX31" y="connsiteY31"/>
-              </a:cxn>
-              <a:cxn ang="0">
-                <a:pos x="connsiteX32" y="connsiteY32"/>
-              </a:cxn>
-              <a:cxn ang="0">
-                <a:pos x="connsiteX33" y="connsiteY33"/>
-              </a:cxn>
-              <a:cxn ang="0">
-                <a:pos x="connsiteX34" y="connsiteY34"/>
-              </a:cxn>
-              <a:cxn ang="0">
-                <a:pos x="connsiteX35" y="connsiteY35"/>
-              </a:cxn>
-              <a:cxn ang="0">
-                <a:pos x="connsiteX36" y="connsiteY36"/>
-              </a:cxn>
-              <a:cxn ang="0">
-                <a:pos x="connsiteX37" y="connsiteY37"/>
-              </a:cxn>
-              <a:cxn ang="0">
-                <a:pos x="connsiteX38" y="connsiteY38"/>
-              </a:cxn>
-              <a:cxn ang="0">
-                <a:pos x="connsiteX39" y="connsiteY39"/>
-              </a:cxn>
-              <a:cxn ang="0">
-                <a:pos x="connsiteX40" y="connsiteY40"/>
-              </a:cxn>
-              <a:cxn ang="0">
-                <a:pos x="connsiteX41" y="connsiteY41"/>
-              </a:cxn>
-              <a:cxn ang="0">
-                <a:pos x="connsiteX42" y="connsiteY42"/>
-              </a:cxn>
-              <a:cxn ang="0">
-                <a:pos x="connsiteX43" y="connsiteY43"/>
-              </a:cxn>
-              <a:cxn ang="0">
-                <a:pos x="connsiteX44" y="connsiteY44"/>
-              </a:cxn>
-              <a:cxn ang="0">
-                <a:pos x="connsiteX45" y="connsiteY45"/>
-              </a:cxn>
-              <a:cxn ang="0">
-                <a:pos x="connsiteX46" y="connsiteY46"/>
-              </a:cxn>
-            </a:cxnLst>
-            <a:rect l="l" t="t" r="r" b="b"/>
-            <a:pathLst>
-              <a:path w="4381009" h="5892104">
-                <a:moveTo>
-                  <a:pt x="0" y="0"/>
-                </a:moveTo>
-                <a:lnTo>
-                  <a:pt x="4157628" y="0"/>
-                </a:lnTo>
-                <a:lnTo>
-                  <a:pt x="4169302" y="68659"/>
-                </a:lnTo>
-                <a:lnTo>
-                  <a:pt x="4191571" y="205472"/>
-                </a:lnTo>
-                <a:lnTo>
-                  <a:pt x="4213368" y="342890"/>
-                </a:lnTo>
-                <a:lnTo>
-                  <a:pt x="4232030" y="480913"/>
-                </a:lnTo>
-                <a:lnTo>
-                  <a:pt x="4250848" y="618332"/>
-                </a:lnTo>
-                <a:lnTo>
-                  <a:pt x="4268412" y="756355"/>
-                </a:lnTo>
-                <a:lnTo>
-                  <a:pt x="4283467" y="892563"/>
-                </a:lnTo>
-                <a:lnTo>
-                  <a:pt x="4297737" y="1030587"/>
-                </a:lnTo>
-                <a:lnTo>
-                  <a:pt x="4310754" y="1168005"/>
-                </a:lnTo>
-                <a:lnTo>
-                  <a:pt x="4322045" y="1303002"/>
-                </a:lnTo>
-                <a:lnTo>
-                  <a:pt x="4333336" y="1439815"/>
-                </a:lnTo>
-                <a:lnTo>
-                  <a:pt x="4342745" y="1574812"/>
-                </a:lnTo>
-                <a:lnTo>
-                  <a:pt x="4350115" y="1709808"/>
-                </a:lnTo>
-                <a:lnTo>
-                  <a:pt x="4357799" y="1844200"/>
-                </a:lnTo>
-                <a:lnTo>
-                  <a:pt x="4364229" y="1977381"/>
-                </a:lnTo>
-                <a:lnTo>
-                  <a:pt x="4368777" y="2109351"/>
-                </a:lnTo>
-                <a:lnTo>
-                  <a:pt x="4372697" y="2241321"/>
-                </a:lnTo>
-                <a:lnTo>
-                  <a:pt x="4376461" y="2372080"/>
-                </a:lnTo>
-                <a:lnTo>
-                  <a:pt x="4378186" y="2501023"/>
-                </a:lnTo>
-                <a:lnTo>
-                  <a:pt x="4380068" y="2629966"/>
-                </a:lnTo>
-                <a:lnTo>
-                  <a:pt x="4381009" y="2757093"/>
-                </a:lnTo>
-                <a:lnTo>
-                  <a:pt x="4380068" y="2883010"/>
-                </a:lnTo>
-                <a:lnTo>
-                  <a:pt x="4380068" y="3007715"/>
-                </a:lnTo>
-                <a:lnTo>
-                  <a:pt x="4378186" y="3131210"/>
-                </a:lnTo>
-                <a:lnTo>
-                  <a:pt x="4375363" y="3252283"/>
-                </a:lnTo>
-                <a:lnTo>
-                  <a:pt x="4372697" y="3372146"/>
-                </a:lnTo>
-                <a:lnTo>
-                  <a:pt x="4369718" y="3489587"/>
-                </a:lnTo>
-                <a:lnTo>
-                  <a:pt x="4365170" y="3606423"/>
-                </a:lnTo>
-                <a:lnTo>
-                  <a:pt x="4360309" y="3721443"/>
-                </a:lnTo>
-                <a:lnTo>
-                  <a:pt x="4355918" y="3834041"/>
-                </a:lnTo>
-                <a:lnTo>
-                  <a:pt x="4343529" y="4053789"/>
-                </a:lnTo>
-                <a:lnTo>
-                  <a:pt x="4330356" y="4264457"/>
-                </a:lnTo>
-                <a:lnTo>
-                  <a:pt x="4316556" y="4466650"/>
-                </a:lnTo>
-                <a:lnTo>
-                  <a:pt x="4301344" y="4657946"/>
-                </a:lnTo>
-                <a:lnTo>
-                  <a:pt x="4285506" y="4840767"/>
-                </a:lnTo>
-                <a:lnTo>
-                  <a:pt x="4268412" y="5010269"/>
-                </a:lnTo>
-                <a:lnTo>
-                  <a:pt x="4251633" y="5169481"/>
-                </a:lnTo>
-                <a:lnTo>
-                  <a:pt x="4234853" y="5315980"/>
-                </a:lnTo>
-                <a:lnTo>
-                  <a:pt x="4219014" y="5450371"/>
-                </a:lnTo>
-                <a:lnTo>
-                  <a:pt x="4203959" y="5569628"/>
-                </a:lnTo>
-                <a:lnTo>
-                  <a:pt x="4189689" y="5677384"/>
-                </a:lnTo>
-                <a:lnTo>
-                  <a:pt x="4177770" y="5768189"/>
-                </a:lnTo>
-                <a:lnTo>
-                  <a:pt x="4166479" y="5844465"/>
-                </a:lnTo>
-                <a:lnTo>
-                  <a:pt x="4159132" y="5892104"/>
-                </a:lnTo>
-                <a:lnTo>
-                  <a:pt x="0" y="5892104"/>
-                </a:lnTo>
-                <a:close/>
-              </a:path>
-            </a:pathLst>
-          </a:custGeom>
-          <a:solidFill>
-            <a:srgbClr val="404040"/>
-          </a:solidFill>
-          <a:ln>
-            <a:noFill/>
-          </a:ln>
-        </p:spPr>
-        <p:style>
-          <a:lnRef idx="2">
-            <a:schemeClr val="accent1">
-              <a:shade val="50000"/>
-            </a:schemeClr>
-          </a:lnRef>
-          <a:fillRef idx="1">
-            <a:schemeClr val="accent1"/>
-          </a:fillRef>
-          <a:effectRef idx="0">
-            <a:schemeClr val="accent1"/>
-          </a:effectRef>
-          <a:fontRef idx="minor">
-            <a:schemeClr val="lt1"/>
-          </a:fontRef>
-        </p:style>
-        <p:txBody>
-          <a:bodyPr wrap="square" rtlCol="0" anchor="ctr">
-            <a:noAutofit/>
-          </a:bodyPr>
-          <a:lstStyle/>
-          <a:p>
-            <a:pPr marL="0" marR="0" lvl="0" indent="0" algn="ctr" defTabSz="457200" rtl="0" eaLnBrk="1" fontAlgn="auto" latinLnBrk="0" hangingPunct="1">
-              <a:lnSpc>
-                <a:spcPct val="100000"/>
-              </a:lnSpc>
-              <a:spcBef>
-                <a:spcPts val="0"/>
-              </a:spcBef>
-              <a:spcAft>
-                <a:spcPts val="0"/>
-              </a:spcAft>
-              <a:buClrTx/>
-              <a:buSzTx/>
-              <a:buFontTx/>
-              <a:buNone/>
-              <a:tabLst/>
-              <a:defRPr/>
-            </a:pPr>
-            <a:endParaRPr kumimoji="0" lang="en-US" sz="1800" b="0" i="0" u="none" strike="noStrike" kern="1200" cap="none" spc="0" normalizeH="0" baseline="0" noProof="0">
-              <a:ln>
-                <a:noFill/>
-              </a:ln>
-              <a:solidFill>
-                <a:prstClr val="white"/>
-              </a:solidFill>
-              <a:effectLst/>
-              <a:uLnTx/>
-              <a:uFillTx/>
-              <a:latin typeface="Calibri" panose="020F0502020204030204"/>
-              <a:ea typeface="+mn-ea"/>
-              <a:cs typeface="+mn-cs"/>
-            </a:endParaRPr>
-          </a:p>
-        </p:txBody>
-      </p:sp>
       <p:sp>
         <p:nvSpPr>
           <p:cNvPr id="2" name="Titel 1">
@@ -16337,64 +15351,6 @@
               </a:rPr>
               <a:t>Hoe verhoog je waarde van een variabele?</a:t>
             </a:r>
-          </a:p>
-        </p:txBody>
-      </p:sp>
-      <p:sp>
-        <p:nvSpPr>
-          <p:cNvPr id="5" name="Tijdelijke aanduiding voor dianummer 4">
-            <a:extLst>
-              <a:ext uri="{FF2B5EF4-FFF2-40B4-BE49-F238E27FC236}">
-                <a16:creationId xmlns:a16="http://schemas.microsoft.com/office/drawing/2014/main" id="{3C58FED5-E52A-492B-9ADE-F1E6C5657ECC}"/>
-              </a:ext>
-            </a:extLst>
-          </p:cNvPr>
-          <p:cNvSpPr>
-            <a:spLocks noGrp="1"/>
-          </p:cNvSpPr>
-          <p:nvPr>
-            <p:ph type="sldNum" sz="quarter" idx="12"/>
-          </p:nvPr>
-        </p:nvSpPr>
-        <p:spPr>
-          <a:xfrm>
-            <a:off x="10726220" y="6356350"/>
-            <a:ext cx="627580" cy="365125"/>
-          </a:xfrm>
-        </p:spPr>
-        <p:txBody>
-          <a:bodyPr>
-            <a:normAutofit/>
-          </a:bodyPr>
-          <a:lstStyle/>
-          <a:p>
-            <a:pPr>
-              <a:spcAft>
-                <a:spcPts val="600"/>
-              </a:spcAft>
-            </a:pPr>
-            <a:fld id="{E8A62353-F7CD-46ED-8877-B27D0E33FCF8}" type="slidenum">
-              <a:rPr lang="nl-BE">
-                <a:solidFill>
-                  <a:prstClr val="black">
-                    <a:tint val="75000"/>
-                  </a:prstClr>
-                </a:solidFill>
-              </a:rPr>
-              <a:pPr>
-                <a:spcAft>
-                  <a:spcPts val="600"/>
-                </a:spcAft>
-              </a:pPr>
-              <a:t>8</a:t>
-            </a:fld>
-            <a:endParaRPr lang="nl-BE">
-              <a:solidFill>
-                <a:prstClr val="black">
-                  <a:tint val="75000"/>
-                </a:prstClr>
-              </a:solidFill>
-            </a:endParaRPr>
           </a:p>
         </p:txBody>
       </p:sp>
@@ -16429,6 +15385,64 @@
           </a:graphicData>
         </a:graphic>
       </p:graphicFrame>
+      <p:sp>
+        <p:nvSpPr>
+          <p:cNvPr id="5" name="Tijdelijke aanduiding voor dianummer 4">
+            <a:extLst>
+              <a:ext uri="{FF2B5EF4-FFF2-40B4-BE49-F238E27FC236}">
+                <a16:creationId xmlns:a16="http://schemas.microsoft.com/office/drawing/2014/main" id="{3C58FED5-E52A-492B-9ADE-F1E6C5657ECC}"/>
+              </a:ext>
+            </a:extLst>
+          </p:cNvPr>
+          <p:cNvSpPr>
+            <a:spLocks noGrp="1"/>
+          </p:cNvSpPr>
+          <p:nvPr>
+            <p:ph type="sldNum" sz="quarter" idx="12"/>
+          </p:nvPr>
+        </p:nvSpPr>
+        <p:spPr>
+          <a:xfrm>
+            <a:off x="10726220" y="6356350"/>
+            <a:ext cx="627580" cy="365125"/>
+          </a:xfrm>
+        </p:spPr>
+        <p:txBody>
+          <a:bodyPr>
+            <a:normAutofit/>
+          </a:bodyPr>
+          <a:lstStyle/>
+          <a:p>
+            <a:pPr>
+              <a:spcAft>
+                <a:spcPts val="600"/>
+              </a:spcAft>
+            </a:pPr>
+            <a:fld id="{E8A62353-F7CD-46ED-8877-B27D0E33FCF8}" type="slidenum">
+              <a:rPr lang="nl-BE">
+                <a:solidFill>
+                  <a:prstClr val="black">
+                    <a:tint val="75000"/>
+                  </a:prstClr>
+                </a:solidFill>
+              </a:rPr>
+              <a:pPr>
+                <a:spcAft>
+                  <a:spcPts val="600"/>
+                </a:spcAft>
+              </a:pPr>
+              <a:t>9</a:t>
+            </a:fld>
+            <a:endParaRPr lang="nl-BE">
+              <a:solidFill>
+                <a:prstClr val="black">
+                  <a:tint val="75000"/>
+                </a:prstClr>
+              </a:solidFill>
+            </a:endParaRPr>
+          </a:p>
+        </p:txBody>
+      </p:sp>
     </p:spTree>
     <p:extLst>
       <p:ext uri="{BB962C8B-B14F-4D97-AF65-F5344CB8AC3E}">
@@ -16442,284 +15456,8 @@
 </p:sld>
 </file>
 
-<file path=ppt/slides/slide9.xml><?xml version="1.0" encoding="utf-8"?>
-<p:sld xmlns:a="http://schemas.openxmlformats.org/drawingml/2006/main" xmlns:r="http://schemas.openxmlformats.org/officeDocument/2006/relationships" xmlns:p="http://schemas.openxmlformats.org/presentationml/2006/main">
-  <p:cSld>
-    <p:bg>
-      <p:bgPr>
-        <a:solidFill>
-          <a:schemeClr val="bg1"/>
-        </a:solidFill>
-        <a:effectLst/>
-      </p:bgPr>
-    </p:bg>
-    <p:spTree>
-      <p:nvGrpSpPr>
-        <p:cNvPr id="1" name=""/>
-        <p:cNvGrpSpPr/>
-        <p:nvPr/>
-      </p:nvGrpSpPr>
-      <p:grpSpPr>
-        <a:xfrm>
-          <a:off x="0" y="0"/>
-          <a:ext cx="0" cy="0"/>
-          <a:chOff x="0" y="0"/>
-          <a:chExt cx="0" cy="0"/>
-        </a:xfrm>
-      </p:grpSpPr>
-      <p:sp>
-        <p:nvSpPr>
-          <p:cNvPr id="19" name="Rectangle 18">
-            <a:extLst>
-              <a:ext uri="{FF2B5EF4-FFF2-40B4-BE49-F238E27FC236}">
-                <a16:creationId xmlns:a16="http://schemas.microsoft.com/office/drawing/2014/main" id="{08E89D5E-1885-4160-AC77-CC471DD1D0DB}"/>
-              </a:ext>
-              <a:ext uri="{C183D7F6-B498-43B3-948B-1728B52AA6E4}">
-                <adec:decorative xmlns:adec="http://schemas.microsoft.com/office/drawing/2017/decorative" val="1"/>
-              </a:ext>
-            </a:extLst>
-          </p:cNvPr>
-          <p:cNvSpPr>
-            <a:spLocks noGrp="1" noRot="1" noChangeAspect="1" noMove="1" noResize="1" noEditPoints="1" noAdjustHandles="1" noChangeArrowheads="1" noChangeShapeType="1" noTextEdit="1"/>
-          </p:cNvSpPr>
-          <p:nvPr>
-            <p:extLst>
-              <p:ext uri="{386F3935-93C4-4BCD-93E2-E3B085C9AB24}">
-                <p16:designElem xmlns:p16="http://schemas.microsoft.com/office/powerpoint/2015/main" val="1"/>
-              </p:ext>
-            </p:extLst>
-          </p:nvPr>
-        </p:nvSpPr>
-        <p:spPr>
-          <a:xfrm>
-            <a:off x="0" y="0"/>
-            <a:ext cx="4636008" cy="6858000"/>
-          </a:xfrm>
-          <a:prstGeom prst="rect">
-            <a:avLst/>
-          </a:prstGeom>
-          <a:ln>
-            <a:noFill/>
-          </a:ln>
-        </p:spPr>
-        <p:style>
-          <a:lnRef idx="2">
-            <a:schemeClr val="accent1">
-              <a:shade val="50000"/>
-            </a:schemeClr>
-          </a:lnRef>
-          <a:fillRef idx="1">
-            <a:schemeClr val="accent1"/>
-          </a:fillRef>
-          <a:effectRef idx="0">
-            <a:schemeClr val="accent1"/>
-          </a:effectRef>
-          <a:fontRef idx="minor">
-            <a:schemeClr val="lt1"/>
-          </a:fontRef>
-        </p:style>
-        <p:txBody>
-          <a:bodyPr rtlCol="0" anchor="ctr"/>
-          <a:lstStyle/>
-          <a:p>
-            <a:pPr algn="ctr"/>
-            <a:endParaRPr lang="en-US"/>
-          </a:p>
-        </p:txBody>
-      </p:sp>
-      <p:sp>
-        <p:nvSpPr>
-          <p:cNvPr id="2" name="Titel 1">
-            <a:extLst>
-              <a:ext uri="{FF2B5EF4-FFF2-40B4-BE49-F238E27FC236}">
-                <a16:creationId xmlns:a16="http://schemas.microsoft.com/office/drawing/2014/main" id="{B83B2817-C33F-47F7-BC42-76A4193BA299}"/>
-              </a:ext>
-            </a:extLst>
-          </p:cNvPr>
-          <p:cNvSpPr>
-            <a:spLocks noGrp="1"/>
-          </p:cNvSpPr>
-          <p:nvPr>
-            <p:ph type="title"/>
-          </p:nvPr>
-        </p:nvSpPr>
-        <p:spPr>
-          <a:xfrm>
-            <a:off x="943277" y="712269"/>
-            <a:ext cx="3370998" cy="5502264"/>
-          </a:xfrm>
-        </p:spPr>
-        <p:txBody>
-          <a:bodyPr>
-            <a:normAutofit/>
-          </a:bodyPr>
-          <a:lstStyle/>
-          <a:p>
-            <a:r>
-              <a:rPr lang="nl-BE">
-                <a:solidFill>
-                  <a:srgbClr val="FFFFFF"/>
-                </a:solidFill>
-              </a:rPr>
-              <a:t>Hoe verwissel je de waarde van 2 variabelen?</a:t>
-            </a:r>
-          </a:p>
-        </p:txBody>
-      </p:sp>
-      <p:cxnSp>
-        <p:nvCxnSpPr>
-          <p:cNvPr id="21" name="Straight Connector 20">
-            <a:extLst>
-              <a:ext uri="{FF2B5EF4-FFF2-40B4-BE49-F238E27FC236}">
-                <a16:creationId xmlns:a16="http://schemas.microsoft.com/office/drawing/2014/main" id="{550D2BD1-98F9-412D-905B-3A843EF4078B}"/>
-              </a:ext>
-              <a:ext uri="{C183D7F6-B498-43B3-948B-1728B52AA6E4}">
-                <adec:decorative xmlns:adec="http://schemas.microsoft.com/office/drawing/2017/decorative" val="1"/>
-              </a:ext>
-            </a:extLst>
-          </p:cNvPr>
-          <p:cNvCxnSpPr>
-            <a:cxnSpLocks noGrp="1" noRot="1" noChangeAspect="1" noMove="1" noResize="1" noEditPoints="1" noAdjustHandles="1" noChangeArrowheads="1" noChangeShapeType="1"/>
-          </p:cNvCxnSpPr>
-          <p:nvPr>
-            <p:extLst>
-              <p:ext uri="{386F3935-93C4-4BCD-93E2-E3B085C9AB24}">
-                <p16:designElem xmlns:p16="http://schemas.microsoft.com/office/powerpoint/2015/main" val="1"/>
-              </p:ext>
-            </p:extLst>
-          </p:nvPr>
-        </p:nvCxnSpPr>
-        <p:spPr>
-          <a:xfrm flipV="1">
-            <a:off x="762000" y="2971800"/>
-            <a:ext cx="0" cy="914400"/>
-          </a:xfrm>
-          <a:prstGeom prst="line">
-            <a:avLst/>
-          </a:prstGeom>
-          <a:ln w="19050">
-            <a:solidFill>
-              <a:srgbClr val="FFFFFF">
-                <a:alpha val="80000"/>
-              </a:srgbClr>
-            </a:solidFill>
-          </a:ln>
-        </p:spPr>
-        <p:style>
-          <a:lnRef idx="1">
-            <a:schemeClr val="accent1"/>
-          </a:lnRef>
-          <a:fillRef idx="0">
-            <a:schemeClr val="accent1"/>
-          </a:fillRef>
-          <a:effectRef idx="0">
-            <a:schemeClr val="accent1"/>
-          </a:effectRef>
-          <a:fontRef idx="minor">
-            <a:schemeClr val="tx1"/>
-          </a:fontRef>
-        </p:style>
-      </p:cxnSp>
-      <p:sp>
-        <p:nvSpPr>
-          <p:cNvPr id="5" name="Tijdelijke aanduiding voor dianummer 4">
-            <a:extLst>
-              <a:ext uri="{FF2B5EF4-FFF2-40B4-BE49-F238E27FC236}">
-                <a16:creationId xmlns:a16="http://schemas.microsoft.com/office/drawing/2014/main" id="{FD13A16A-E8C8-4933-B210-26B439E17DE7}"/>
-              </a:ext>
-            </a:extLst>
-          </p:cNvPr>
-          <p:cNvSpPr>
-            <a:spLocks noGrp="1"/>
-          </p:cNvSpPr>
-          <p:nvPr>
-            <p:ph type="sldNum" sz="quarter" idx="12"/>
-          </p:nvPr>
-        </p:nvSpPr>
-        <p:spPr>
-          <a:xfrm>
-            <a:off x="8610600" y="6356350"/>
-            <a:ext cx="2743200" cy="365125"/>
-          </a:xfrm>
-        </p:spPr>
-        <p:txBody>
-          <a:bodyPr>
-            <a:normAutofit/>
-          </a:bodyPr>
-          <a:lstStyle/>
-          <a:p>
-            <a:pPr>
-              <a:spcAft>
-                <a:spcPts val="600"/>
-              </a:spcAft>
-            </a:pPr>
-            <a:fld id="{E8A62353-F7CD-46ED-8877-B27D0E33FCF8}" type="slidenum">
-              <a:rPr lang="nl-BE" smtClean="0">
-                <a:solidFill>
-                  <a:schemeClr val="tx1"/>
-                </a:solidFill>
-              </a:rPr>
-              <a:pPr>
-                <a:spcAft>
-                  <a:spcPts val="600"/>
-                </a:spcAft>
-              </a:pPr>
-              <a:t>9</a:t>
-            </a:fld>
-            <a:endParaRPr lang="nl-BE">
-              <a:solidFill>
-                <a:schemeClr val="tx1"/>
-              </a:solidFill>
-            </a:endParaRPr>
-          </a:p>
-        </p:txBody>
-      </p:sp>
-      <p:graphicFrame>
-        <p:nvGraphicFramePr>
-          <p:cNvPr id="7" name="Tijdelijke aanduiding voor inhoud 2">
-            <a:extLst>
-              <a:ext uri="{FF2B5EF4-FFF2-40B4-BE49-F238E27FC236}">
-                <a16:creationId xmlns:a16="http://schemas.microsoft.com/office/drawing/2014/main" id="{1A20D057-7AE4-4657-B655-D1D00669A9EB}"/>
-              </a:ext>
-            </a:extLst>
-          </p:cNvPr>
-          <p:cNvGraphicFramePr>
-            <a:graphicFrameLocks noGrp="1"/>
-          </p:cNvGraphicFramePr>
-          <p:nvPr>
-            <p:ph idx="1"/>
-            <p:extLst>
-              <p:ext uri="{D42A27DB-BD31-4B8C-83A1-F6EECF244321}">
-                <p14:modId xmlns:p14="http://schemas.microsoft.com/office/powerpoint/2010/main" val="2509193320"/>
-              </p:ext>
-            </p:extLst>
-          </p:nvPr>
-        </p:nvGraphicFramePr>
-        <p:xfrm>
-          <a:off x="5280025" y="642938"/>
-          <a:ext cx="6269038" cy="5572125"/>
-        </p:xfrm>
-        <a:graphic>
-          <a:graphicData uri="http://schemas.openxmlformats.org/drawingml/2006/diagram">
-            <dgm:relIds xmlns:dgm="http://schemas.openxmlformats.org/drawingml/2006/diagram" xmlns:r="http://schemas.openxmlformats.org/officeDocument/2006/relationships" r:dm="rId2" r:lo="rId3" r:qs="rId4" r:cs="rId5"/>
-          </a:graphicData>
-        </a:graphic>
-      </p:graphicFrame>
-    </p:spTree>
-    <p:extLst>
-      <p:ext uri="{BB962C8B-B14F-4D97-AF65-F5344CB8AC3E}">
-        <p14:creationId xmlns:p14="http://schemas.microsoft.com/office/powerpoint/2010/main" val="3526978594"/>
-      </p:ext>
-    </p:extLst>
-  </p:cSld>
-  <p:clrMapOvr>
-    <a:masterClrMapping/>
-  </p:clrMapOvr>
-</p:sld>
-</file>
-
 <file path=ppt/theme/theme1.xml><?xml version="1.0" encoding="utf-8"?>
-<a:theme xmlns:a="http://schemas.openxmlformats.org/drawingml/2006/main" name="Kantoorthema">
+<a:theme xmlns:a="http://schemas.openxmlformats.org/drawingml/2006/main" name="ziescherpthemappt">
   <a:themeElements>
     <a:clrScheme name="Office">
       <a:dk1>
@@ -16759,110 +15497,16 @@
         <a:srgbClr val="954F72"/>
       </a:folHlink>
     </a:clrScheme>
-    <a:fontScheme name="Office">
+    <a:fontScheme name="Aangepast 1">
       <a:majorFont>
-        <a:latin typeface="Calibri Light" panose="020F0302020204030204"/>
+        <a:latin typeface="Archivo Narrow"/>
         <a:ea typeface=""/>
         <a:cs typeface=""/>
-        <a:font script="Jpan" typeface="游ゴシック Light"/>
-        <a:font script="Hang" typeface="맑은 고딕"/>
-        <a:font script="Hans" typeface="等线 Light"/>
-        <a:font script="Hant" typeface="新細明體"/>
-        <a:font script="Arab" typeface="Times New Roman"/>
-        <a:font script="Hebr" typeface="Times New Roman"/>
-        <a:font script="Thai" typeface="Angsana New"/>
-        <a:font script="Ethi" typeface="Nyala"/>
-        <a:font script="Beng" typeface="Vrinda"/>
-        <a:font script="Gujr" typeface="Shruti"/>
-        <a:font script="Khmr" typeface="MoolBoran"/>
-        <a:font script="Knda" typeface="Tunga"/>
-        <a:font script="Guru" typeface="Raavi"/>
-        <a:font script="Cans" typeface="Euphemia"/>
-        <a:font script="Cher" typeface="Plantagenet Cherokee"/>
-        <a:font script="Yiii" typeface="Microsoft Yi Baiti"/>
-        <a:font script="Tibt" typeface="Microsoft Himalaya"/>
-        <a:font script="Thaa" typeface="MV Boli"/>
-        <a:font script="Deva" typeface="Mangal"/>
-        <a:font script="Telu" typeface="Gautami"/>
-        <a:font script="Taml" typeface="Latha"/>
-        <a:font script="Syrc" typeface="Estrangelo Edessa"/>
-        <a:font script="Orya" typeface="Kalinga"/>
-        <a:font script="Mlym" typeface="Kartika"/>
-        <a:font script="Laoo" typeface="DokChampa"/>
-        <a:font script="Sinh" typeface="Iskoola Pota"/>
-        <a:font script="Mong" typeface="Mongolian Baiti"/>
-        <a:font script="Viet" typeface="Times New Roman"/>
-        <a:font script="Uigh" typeface="Microsoft Uighur"/>
-        <a:font script="Geor" typeface="Sylfaen"/>
-        <a:font script="Armn" typeface="Arial"/>
-        <a:font script="Bugi" typeface="Leelawadee UI"/>
-        <a:font script="Bopo" typeface="Microsoft JhengHei"/>
-        <a:font script="Java" typeface="Javanese Text"/>
-        <a:font script="Lisu" typeface="Segoe UI"/>
-        <a:font script="Mymr" typeface="Myanmar Text"/>
-        <a:font script="Nkoo" typeface="Ebrima"/>
-        <a:font script="Olck" typeface="Nirmala UI"/>
-        <a:font script="Osma" typeface="Ebrima"/>
-        <a:font script="Phag" typeface="Phagspa"/>
-        <a:font script="Syrn" typeface="Estrangelo Edessa"/>
-        <a:font script="Syrj" typeface="Estrangelo Edessa"/>
-        <a:font script="Syre" typeface="Estrangelo Edessa"/>
-        <a:font script="Sora" typeface="Nirmala UI"/>
-        <a:font script="Tale" typeface="Microsoft Tai Le"/>
-        <a:font script="Talu" typeface="Microsoft New Tai Lue"/>
-        <a:font script="Tfng" typeface="Ebrima"/>
       </a:majorFont>
       <a:minorFont>
-        <a:latin typeface="Calibri" panose="020F0502020204030204"/>
+        <a:latin typeface="Blogger Sans"/>
         <a:ea typeface=""/>
         <a:cs typeface=""/>
-        <a:font script="Jpan" typeface="游ゴシック"/>
-        <a:font script="Hang" typeface="맑은 고딕"/>
-        <a:font script="Hans" typeface="等线"/>
-        <a:font script="Hant" typeface="新細明體"/>
-        <a:font script="Arab" typeface="Arial"/>
-        <a:font script="Hebr" typeface="Arial"/>
-        <a:font script="Thai" typeface="Cordia New"/>
-        <a:font script="Ethi" typeface="Nyala"/>
-        <a:font script="Beng" typeface="Vrinda"/>
-        <a:font script="Gujr" typeface="Shruti"/>
-        <a:font script="Khmr" typeface="DaunPenh"/>
-        <a:font script="Knda" typeface="Tunga"/>
-        <a:font script="Guru" typeface="Raavi"/>
-        <a:font script="Cans" typeface="Euphemia"/>
-        <a:font script="Cher" typeface="Plantagenet Cherokee"/>
-        <a:font script="Yiii" typeface="Microsoft Yi Baiti"/>
-        <a:font script="Tibt" typeface="Microsoft Himalaya"/>
-        <a:font script="Thaa" typeface="MV Boli"/>
-        <a:font script="Deva" typeface="Mangal"/>
-        <a:font script="Telu" typeface="Gautami"/>
-        <a:font script="Taml" typeface="Latha"/>
-        <a:font script="Syrc" typeface="Estrangelo Edessa"/>
-        <a:font script="Orya" typeface="Kalinga"/>
-        <a:font script="Mlym" typeface="Kartika"/>
-        <a:font script="Laoo" typeface="DokChampa"/>
-        <a:font script="Sinh" typeface="Iskoola Pota"/>
-        <a:font script="Mong" typeface="Mongolian Baiti"/>
-        <a:font script="Viet" typeface="Arial"/>
-        <a:font script="Uigh" typeface="Microsoft Uighur"/>
-        <a:font script="Geor" typeface="Sylfaen"/>
-        <a:font script="Armn" typeface="Arial"/>
-        <a:font script="Bugi" typeface="Leelawadee UI"/>
-        <a:font script="Bopo" typeface="Microsoft JhengHei"/>
-        <a:font script="Java" typeface="Javanese Text"/>
-        <a:font script="Lisu" typeface="Segoe UI"/>
-        <a:font script="Mymr" typeface="Myanmar Text"/>
-        <a:font script="Nkoo" typeface="Ebrima"/>
-        <a:font script="Olck" typeface="Nirmala UI"/>
-        <a:font script="Osma" typeface="Ebrima"/>
-        <a:font script="Phag" typeface="Phagspa"/>
-        <a:font script="Syrn" typeface="Estrangelo Edessa"/>
-        <a:font script="Syrj" typeface="Estrangelo Edessa"/>
-        <a:font script="Syre" typeface="Estrangelo Edessa"/>
-        <a:font script="Sora" typeface="Nirmala UI"/>
-        <a:font script="Tale" typeface="Microsoft Tai Le"/>
-        <a:font script="Talu" typeface="Microsoft New Tai Lue"/>
-        <a:font script="Tfng" typeface="Ebrima"/>
       </a:minorFont>
     </a:fontScheme>
     <a:fmtScheme name="Office">
@@ -17007,7 +15651,7 @@
   <a:extraClrSchemeLst/>
   <a:extLst>
     <a:ext uri="{05A4C25C-085E-4340-85A3-A5531E510DB2}">
-      <thm15:themeFamily xmlns:thm15="http://schemas.microsoft.com/office/thememl/2012/main" name="Office Theme" id="{62F939B6-93AF-4DB8-9C6B-D6C7DFDC589F}" vid="{4A3C46E8-61CC-4603-A589-7422A47A8E4A}"/>
+      <thm15:themeFamily xmlns:thm15="http://schemas.microsoft.com/office/thememl/2012/main" name="ziescherpthemappt" id="{1E4A7A97-E1A8-4455-8CC9-149647988B7E}" vid="{955D22B0-FB40-4B6D-9E24-0A5565CBC636}"/>
     </a:ext>
   </a:extLst>
 </a:theme>
